--- a/DrinkandBeHappy_AY.pptx
+++ b/DrinkandBeHappy_AY.pptx
@@ -5,7 +5,7 @@
     <p:sldMasterId id="2147483648" r:id="rId1"/>
   </p:sldMasterIdLst>
   <p:notesMasterIdLst>
-    <p:notesMasterId r:id="rId14"/>
+    <p:notesMasterId r:id="rId17"/>
   </p:notesMasterIdLst>
   <p:sldIdLst>
     <p:sldId id="263" r:id="rId2"/>
@@ -20,6 +20,9 @@
     <p:sldId id="267" r:id="rId11"/>
     <p:sldId id="268" r:id="rId12"/>
     <p:sldId id="262" r:id="rId13"/>
+    <p:sldId id="274" r:id="rId14"/>
+    <p:sldId id="275" r:id="rId15"/>
+    <p:sldId id="276" r:id="rId16"/>
   </p:sldIdLst>
   <p:sldSz cx="12192000" cy="6858000"/>
   <p:notesSz cx="6858000" cy="9144000"/>
@@ -5616,6 +5619,396 @@
 </p:sld>
 </file>
 
+<file path=ppt/slides/slide13.xml><?xml version="1.0" encoding="utf-8"?>
+<p:sld xmlns:a="http://schemas.openxmlformats.org/drawingml/2006/main" xmlns:r="http://schemas.openxmlformats.org/officeDocument/2006/relationships" xmlns:p="http://schemas.openxmlformats.org/presentationml/2006/main">
+  <p:cSld>
+    <p:spTree>
+      <p:nvGrpSpPr>
+        <p:cNvPr id="1" name=""/>
+        <p:cNvGrpSpPr/>
+        <p:nvPr/>
+      </p:nvGrpSpPr>
+      <p:grpSpPr>
+        <a:xfrm>
+          <a:off x="0" y="0"/>
+          <a:ext cx="0" cy="0"/>
+          <a:chOff x="0" y="0"/>
+          <a:chExt cx="0" cy="0"/>
+        </a:xfrm>
+      </p:grpSpPr>
+      <p:sp>
+        <p:nvSpPr>
+          <p:cNvPr id="2" name="Title 1">
+            <a:extLst>
+              <a:ext uri="{FF2B5EF4-FFF2-40B4-BE49-F238E27FC236}">
+                <a16:creationId xmlns:a16="http://schemas.microsoft.com/office/drawing/2014/main" id="{C2D1F501-644D-4E69-9113-C701BB8C3ECE}"/>
+              </a:ext>
+            </a:extLst>
+          </p:cNvPr>
+          <p:cNvSpPr>
+            <a:spLocks noGrp="1"/>
+          </p:cNvSpPr>
+          <p:nvPr>
+            <p:ph type="title"/>
+          </p:nvPr>
+        </p:nvSpPr>
+        <p:spPr>
+          <a:xfrm>
+            <a:off x="839788" y="365125"/>
+            <a:ext cx="4646612" cy="1325563"/>
+          </a:xfrm>
+        </p:spPr>
+        <p:txBody>
+          <a:bodyPr/>
+          <a:lstStyle/>
+          <a:p>
+            <a:r>
+              <a:rPr lang="en-US" dirty="0"/>
+              <a:t>WHISKERS</a:t>
+            </a:r>
+          </a:p>
+        </p:txBody>
+      </p:sp>
+      <p:pic>
+        <p:nvPicPr>
+          <p:cNvPr id="3" name="Picture 2">
+            <a:extLst>
+              <a:ext uri="{FF2B5EF4-FFF2-40B4-BE49-F238E27FC236}">
+                <a16:creationId xmlns:a16="http://schemas.microsoft.com/office/drawing/2014/main" id="{A6B6B4DC-B390-4B98-B3F1-A0284A4AD3CF}"/>
+              </a:ext>
+            </a:extLst>
+          </p:cNvPr>
+          <p:cNvPicPr>
+            <a:picLocks noChangeAspect="1"/>
+          </p:cNvPicPr>
+          <p:nvPr/>
+        </p:nvPicPr>
+        <p:blipFill>
+          <a:blip r:embed="rId2"/>
+          <a:stretch>
+            <a:fillRect/>
+          </a:stretch>
+        </p:blipFill>
+        <p:spPr>
+          <a:xfrm>
+            <a:off x="599440" y="1402887"/>
+            <a:ext cx="7212969" cy="4794714"/>
+          </a:xfrm>
+          <a:prstGeom prst="rect">
+            <a:avLst/>
+          </a:prstGeom>
+        </p:spPr>
+      </p:pic>
+    </p:spTree>
+    <p:extLst>
+      <p:ext uri="{BB962C8B-B14F-4D97-AF65-F5344CB8AC3E}">
+        <p14:creationId xmlns:p14="http://schemas.microsoft.com/office/powerpoint/2010/main" val="3688275955"/>
+      </p:ext>
+    </p:extLst>
+  </p:cSld>
+  <p:clrMapOvr>
+    <a:masterClrMapping/>
+  </p:clrMapOvr>
+</p:sld>
+</file>
+
+<file path=ppt/slides/slide14.xml><?xml version="1.0" encoding="utf-8"?>
+<p:sld xmlns:a="http://schemas.openxmlformats.org/drawingml/2006/main" xmlns:r="http://schemas.openxmlformats.org/officeDocument/2006/relationships" xmlns:p="http://schemas.openxmlformats.org/presentationml/2006/main">
+  <p:cSld>
+    <p:spTree>
+      <p:nvGrpSpPr>
+        <p:cNvPr id="1" name=""/>
+        <p:cNvGrpSpPr/>
+        <p:nvPr/>
+      </p:nvGrpSpPr>
+      <p:grpSpPr>
+        <a:xfrm>
+          <a:off x="0" y="0"/>
+          <a:ext cx="0" cy="0"/>
+          <a:chOff x="0" y="0"/>
+          <a:chExt cx="0" cy="0"/>
+        </a:xfrm>
+      </p:grpSpPr>
+      <p:sp>
+        <p:nvSpPr>
+          <p:cNvPr id="2" name="Title 1">
+            <a:extLst>
+              <a:ext uri="{FF2B5EF4-FFF2-40B4-BE49-F238E27FC236}">
+                <a16:creationId xmlns:a16="http://schemas.microsoft.com/office/drawing/2014/main" id="{C2D1F501-644D-4E69-9113-C701BB8C3ECE}"/>
+              </a:ext>
+            </a:extLst>
+          </p:cNvPr>
+          <p:cNvSpPr>
+            <a:spLocks noGrp="1"/>
+          </p:cNvSpPr>
+          <p:nvPr>
+            <p:ph type="title"/>
+          </p:nvPr>
+        </p:nvSpPr>
+        <p:spPr>
+          <a:xfrm>
+            <a:off x="839788" y="365125"/>
+            <a:ext cx="6668452" cy="1325563"/>
+          </a:xfrm>
+        </p:spPr>
+        <p:txBody>
+          <a:bodyPr/>
+          <a:lstStyle/>
+          <a:p>
+            <a:r>
+              <a:rPr lang="en-US" dirty="0"/>
+              <a:t>HAPPINESS IS A WARM GUN</a:t>
+            </a:r>
+          </a:p>
+        </p:txBody>
+      </p:sp>
+      <p:pic>
+        <p:nvPicPr>
+          <p:cNvPr id="4" name="Picture 3">
+            <a:extLst>
+              <a:ext uri="{FF2B5EF4-FFF2-40B4-BE49-F238E27FC236}">
+                <a16:creationId xmlns:a16="http://schemas.microsoft.com/office/drawing/2014/main" id="{DDB04923-39EB-4938-9E91-4BAEC6768B38}"/>
+              </a:ext>
+            </a:extLst>
+          </p:cNvPr>
+          <p:cNvPicPr>
+            <a:picLocks noChangeAspect="1"/>
+          </p:cNvPicPr>
+          <p:nvPr/>
+        </p:nvPicPr>
+        <p:blipFill>
+          <a:blip r:embed="rId2"/>
+          <a:stretch>
+            <a:fillRect/>
+          </a:stretch>
+        </p:blipFill>
+        <p:spPr>
+          <a:xfrm>
+            <a:off x="753756" y="1690688"/>
+            <a:ext cx="9832963" cy="4573969"/>
+          </a:xfrm>
+          <a:prstGeom prst="rect">
+            <a:avLst/>
+          </a:prstGeom>
+        </p:spPr>
+      </p:pic>
+    </p:spTree>
+    <p:extLst>
+      <p:ext uri="{BB962C8B-B14F-4D97-AF65-F5344CB8AC3E}">
+        <p14:creationId xmlns:p14="http://schemas.microsoft.com/office/powerpoint/2010/main" val="2836160905"/>
+      </p:ext>
+    </p:extLst>
+  </p:cSld>
+  <p:clrMapOvr>
+    <a:masterClrMapping/>
+  </p:clrMapOvr>
+</p:sld>
+</file>
+
+<file path=ppt/slides/slide15.xml><?xml version="1.0" encoding="utf-8"?>
+<p:sld xmlns:a="http://schemas.openxmlformats.org/drawingml/2006/main" xmlns:r="http://schemas.openxmlformats.org/officeDocument/2006/relationships" xmlns:p="http://schemas.openxmlformats.org/presentationml/2006/main">
+  <p:cSld>
+    <p:spTree>
+      <p:nvGrpSpPr>
+        <p:cNvPr id="1" name=""/>
+        <p:cNvGrpSpPr/>
+        <p:nvPr/>
+      </p:nvGrpSpPr>
+      <p:grpSpPr>
+        <a:xfrm>
+          <a:off x="0" y="0"/>
+          <a:ext cx="0" cy="0"/>
+          <a:chOff x="0" y="0"/>
+          <a:chExt cx="0" cy="0"/>
+        </a:xfrm>
+      </p:grpSpPr>
+      <p:sp>
+        <p:nvSpPr>
+          <p:cNvPr id="2" name="Title 1">
+            <a:extLst>
+              <a:ext uri="{FF2B5EF4-FFF2-40B4-BE49-F238E27FC236}">
+                <a16:creationId xmlns:a16="http://schemas.microsoft.com/office/drawing/2014/main" id="{4096859C-4953-4471-B003-8826552CA288}"/>
+              </a:ext>
+            </a:extLst>
+          </p:cNvPr>
+          <p:cNvSpPr>
+            <a:spLocks noGrp="1"/>
+          </p:cNvSpPr>
+          <p:nvPr>
+            <p:ph type="title"/>
+          </p:nvPr>
+        </p:nvSpPr>
+        <p:spPr/>
+        <p:txBody>
+          <a:bodyPr/>
+          <a:lstStyle/>
+          <a:p>
+            <a:r>
+              <a:rPr lang="en-US" dirty="0"/>
+              <a:t>INITIAL DATA and QUESTIONS</a:t>
+            </a:r>
+          </a:p>
+        </p:txBody>
+      </p:sp>
+      <p:sp>
+        <p:nvSpPr>
+          <p:cNvPr id="3" name="Text Placeholder 2">
+            <a:extLst>
+              <a:ext uri="{FF2B5EF4-FFF2-40B4-BE49-F238E27FC236}">
+                <a16:creationId xmlns:a16="http://schemas.microsoft.com/office/drawing/2014/main" id="{F4A7A130-0720-473C-BD8E-63846BA155AA}"/>
+              </a:ext>
+            </a:extLst>
+          </p:cNvPr>
+          <p:cNvSpPr>
+            <a:spLocks noGrp="1"/>
+          </p:cNvSpPr>
+          <p:nvPr>
+            <p:ph type="body" idx="1"/>
+          </p:nvPr>
+        </p:nvSpPr>
+        <p:spPr/>
+        <p:txBody>
+          <a:bodyPr/>
+          <a:lstStyle/>
+          <a:p>
+            <a:r>
+              <a:rPr lang="en-US" dirty="0"/>
+              <a:t>DATA</a:t>
+            </a:r>
+          </a:p>
+        </p:txBody>
+      </p:sp>
+      <p:sp>
+        <p:nvSpPr>
+          <p:cNvPr id="4" name="Content Placeholder 3">
+            <a:extLst>
+              <a:ext uri="{FF2B5EF4-FFF2-40B4-BE49-F238E27FC236}">
+                <a16:creationId xmlns:a16="http://schemas.microsoft.com/office/drawing/2014/main" id="{23953C53-E4F8-4349-B16E-B6E80AACD019}"/>
+              </a:ext>
+            </a:extLst>
+          </p:cNvPr>
+          <p:cNvSpPr>
+            <a:spLocks noGrp="1"/>
+          </p:cNvSpPr>
+          <p:nvPr>
+            <p:ph sz="half" idx="2"/>
+          </p:nvPr>
+        </p:nvSpPr>
+        <p:spPr/>
+        <p:txBody>
+          <a:bodyPr>
+            <a:normAutofit fontScale="85000" lnSpcReduction="20000"/>
+          </a:bodyPr>
+          <a:lstStyle/>
+          <a:p>
+            <a:r>
+              <a:rPr lang="en-US" dirty="0"/>
+              <a:t>WORLD HAPPINESS REPORT</a:t>
+            </a:r>
+          </a:p>
+          <a:p>
+            <a:r>
+              <a:rPr lang="en-US" dirty="0"/>
+              <a:t>WORLD ALCOHOL CONSUMPTION</a:t>
+            </a:r>
+          </a:p>
+          <a:p>
+            <a:r>
+              <a:rPr lang="en-US" dirty="0"/>
+              <a:t>INCOME INEQUALITY BY COUNTRY</a:t>
+            </a:r>
+          </a:p>
+        </p:txBody>
+      </p:sp>
+      <p:sp>
+        <p:nvSpPr>
+          <p:cNvPr id="5" name="Text Placeholder 4">
+            <a:extLst>
+              <a:ext uri="{FF2B5EF4-FFF2-40B4-BE49-F238E27FC236}">
+                <a16:creationId xmlns:a16="http://schemas.microsoft.com/office/drawing/2014/main" id="{0BE9FC8D-E848-43C5-B313-20B6377C13AC}"/>
+              </a:ext>
+            </a:extLst>
+          </p:cNvPr>
+          <p:cNvSpPr>
+            <a:spLocks noGrp="1"/>
+          </p:cNvSpPr>
+          <p:nvPr>
+            <p:ph type="body" sz="quarter" idx="3"/>
+          </p:nvPr>
+        </p:nvSpPr>
+        <p:spPr/>
+        <p:txBody>
+          <a:bodyPr/>
+          <a:lstStyle/>
+          <a:p>
+            <a:r>
+              <a:rPr lang="en-US" dirty="0"/>
+              <a:t>QUESTIONS?</a:t>
+            </a:r>
+          </a:p>
+        </p:txBody>
+      </p:sp>
+      <p:sp>
+        <p:nvSpPr>
+          <p:cNvPr id="6" name="Content Placeholder 5">
+            <a:extLst>
+              <a:ext uri="{FF2B5EF4-FFF2-40B4-BE49-F238E27FC236}">
+                <a16:creationId xmlns:a16="http://schemas.microsoft.com/office/drawing/2014/main" id="{56124A13-20E0-4F50-A04B-9D2CE13D75D0}"/>
+              </a:ext>
+            </a:extLst>
+          </p:cNvPr>
+          <p:cNvSpPr>
+            <a:spLocks noGrp="1"/>
+          </p:cNvSpPr>
+          <p:nvPr>
+            <p:ph sz="quarter" idx="4"/>
+          </p:nvPr>
+        </p:nvSpPr>
+        <p:spPr/>
+        <p:txBody>
+          <a:bodyPr>
+            <a:normAutofit fontScale="85000" lnSpcReduction="20000"/>
+          </a:bodyPr>
+          <a:lstStyle/>
+          <a:p>
+            <a:r>
+              <a:rPr lang="en-US" dirty="0"/>
+              <a:t>What countries are happiest? And are they located in specific geographic region?</a:t>
+            </a:r>
+          </a:p>
+          <a:p>
+            <a:r>
+              <a:rPr lang="en-US" dirty="0"/>
+              <a:t>What countries consume the least/most amount of alcohol?</a:t>
+            </a:r>
+          </a:p>
+          <a:p>
+            <a:r>
+              <a:rPr lang="en-US" dirty="0"/>
+              <a:t>Which countries suffer from greatest amount of income inequality?</a:t>
+            </a:r>
+          </a:p>
+          <a:p>
+            <a:r>
+              <a:rPr lang="en-US" dirty="0"/>
+              <a:t>How do these three pieces of data correlate? Is income inequality an indicator of happiness? Or is alcohol consumption?</a:t>
+            </a:r>
+          </a:p>
+        </p:txBody>
+      </p:sp>
+    </p:spTree>
+    <p:extLst>
+      <p:ext uri="{BB962C8B-B14F-4D97-AF65-F5344CB8AC3E}">
+        <p14:creationId xmlns:p14="http://schemas.microsoft.com/office/powerpoint/2010/main" val="1883424442"/>
+      </p:ext>
+    </p:extLst>
+  </p:cSld>
+  <p:clrMapOvr>
+    <a:masterClrMapping/>
+  </p:clrMapOvr>
+</p:sld>
+</file>
+
 <file path=ppt/slides/slide2.xml><?xml version="1.0" encoding="utf-8"?>
 <p:sld xmlns:a="http://schemas.openxmlformats.org/drawingml/2006/main" xmlns:r="http://schemas.openxmlformats.org/officeDocument/2006/relationships" xmlns:p="http://schemas.openxmlformats.org/presentationml/2006/main">
   <p:cSld>
@@ -6001,15 +6394,15 @@
         </p:nvSpPr>
         <p:spPr>
           <a:xfrm>
-            <a:off x="5519635" y="1509605"/>
-            <a:ext cx="6096000" cy="1323439"/>
+            <a:off x="3000801" y="1509605"/>
+            <a:ext cx="8614834" cy="3785652"/>
           </a:xfrm>
           <a:prstGeom prst="rect">
             <a:avLst/>
           </a:prstGeom>
         </p:spPr>
         <p:txBody>
-          <a:bodyPr>
+          <a:bodyPr wrap="square">
             <a:spAutoFit/>
           </a:bodyPr>
           <a:lstStyle/>
@@ -6020,18 +6413,113 @@
             </a:pPr>
             <a:r>
               <a:rPr lang="en-US" sz="2000" dirty="0"/>
-              <a:t>The questions you and your group found interesting, and what motivated you to answer them</a:t>
-            </a:r>
-          </a:p>
-          <a:p>
-            <a:pPr marL="285750" lvl="3" indent="-285750">
+              <a:t>What are the most/least happy countries in the world?</a:t>
+            </a:r>
+          </a:p>
+          <a:p>
+            <a:pPr marL="742950" lvl="5" indent="-285750">
               <a:buFont typeface="Arial" panose="020B0604020202020204" pitchFamily="34" charset="0"/>
               <a:buChar char="•"/>
             </a:pPr>
             <a:r>
               <a:rPr lang="en-US" sz="2000" dirty="0"/>
-              <a:t>Where and how you found the data you used to answer these questions</a:t>
-            </a:r>
+              <a:t>What are the components of that score?</a:t>
+            </a:r>
+          </a:p>
+          <a:p>
+            <a:pPr marL="742950" lvl="5" indent="-285750">
+              <a:buFont typeface="Arial" panose="020B0604020202020204" pitchFamily="34" charset="0"/>
+              <a:buChar char="•"/>
+            </a:pPr>
+            <a:r>
+              <a:rPr lang="en-US" sz="2000" dirty="0"/>
+              <a:t>How are they measured?</a:t>
+            </a:r>
+          </a:p>
+          <a:p>
+            <a:pPr marL="742950" lvl="5" indent="-285750">
+              <a:buFont typeface="Arial" panose="020B0604020202020204" pitchFamily="34" charset="0"/>
+              <a:buChar char="•"/>
+            </a:pPr>
+            <a:r>
+              <a:rPr lang="en-US" sz="2000" dirty="0"/>
+              <a:t>Which elements are most impactful/weighted?</a:t>
+            </a:r>
+          </a:p>
+          <a:p>
+            <a:pPr marL="285750" lvl="4" indent="-285750">
+              <a:buFont typeface="Arial" panose="020B0604020202020204" pitchFamily="34" charset="0"/>
+              <a:buChar char="•"/>
+            </a:pPr>
+            <a:r>
+              <a:rPr lang="en-US" sz="2000" dirty="0"/>
+              <a:t>Which countries have the most/least alcohol consumption?</a:t>
+            </a:r>
+          </a:p>
+          <a:p>
+            <a:pPr marL="742950" lvl="5" indent="-285750">
+              <a:buFont typeface="Arial" panose="020B0604020202020204" pitchFamily="34" charset="0"/>
+              <a:buChar char="•"/>
+            </a:pPr>
+            <a:r>
+              <a:rPr lang="en-US" sz="2000" dirty="0"/>
+              <a:t>Is it specific to a region/continent/sub-continent?</a:t>
+            </a:r>
+          </a:p>
+          <a:p>
+            <a:pPr marL="742950" lvl="5" indent="-285750">
+              <a:buFont typeface="Arial" panose="020B0604020202020204" pitchFamily="34" charset="0"/>
+              <a:buChar char="•"/>
+            </a:pPr>
+            <a:r>
+              <a:rPr lang="en-US" sz="2000" dirty="0"/>
+              <a:t>Do countries have preferences for wine/beer/spirits?</a:t>
+            </a:r>
+          </a:p>
+          <a:p>
+            <a:pPr marL="285750" lvl="4" indent="-285750">
+              <a:buFont typeface="Arial" panose="020B0604020202020204" pitchFamily="34" charset="0"/>
+              <a:buChar char="•"/>
+            </a:pPr>
+            <a:r>
+              <a:rPr lang="en-US" sz="2000" dirty="0"/>
+              <a:t>Which countries have the most/least income inequality?</a:t>
+            </a:r>
+          </a:p>
+          <a:p>
+            <a:pPr marL="742950" lvl="5" indent="-285750">
+              <a:buFont typeface="Arial" panose="020B0604020202020204" pitchFamily="34" charset="0"/>
+              <a:buChar char="•"/>
+            </a:pPr>
+            <a:r>
+              <a:rPr lang="en-US" sz="2000" dirty="0"/>
+              <a:t>Do these countries have similar governmental policies?</a:t>
+            </a:r>
+          </a:p>
+          <a:p>
+            <a:pPr marL="742950" lvl="5" indent="-285750">
+              <a:buFont typeface="Arial" panose="020B0604020202020204" pitchFamily="34" charset="0"/>
+              <a:buChar char="•"/>
+            </a:pPr>
+            <a:r>
+              <a:rPr lang="en-US" sz="2000" dirty="0"/>
+              <a:t>Are they considered developed or developing nations?</a:t>
+            </a:r>
+          </a:p>
+          <a:p>
+            <a:pPr marL="285750" lvl="4" indent="-285750">
+              <a:buFont typeface="Arial" panose="020B0604020202020204" pitchFamily="34" charset="0"/>
+              <a:buChar char="•"/>
+            </a:pPr>
+            <a:r>
+              <a:rPr lang="en-US" sz="2000" dirty="0"/>
+              <a:t>Is either income inequality or alcohol consumption a potential indicator of happiness a country’s </a:t>
+            </a:r>
+            <a:r>
+              <a:rPr lang="en-US" sz="2000"/>
+              <a:t>happiness?</a:t>
+            </a:r>
+            <a:endParaRPr lang="en-US" sz="2000" dirty="0"/>
           </a:p>
         </p:txBody>
       </p:sp>

--- a/DrinkandBeHappy_AY.pptx
+++ b/DrinkandBeHappy_AY.pptx
@@ -5,7 +5,7 @@
     <p:sldMasterId id="2147483648" r:id="rId1"/>
   </p:sldMasterIdLst>
   <p:notesMasterIdLst>
-    <p:notesMasterId r:id="rId14"/>
+    <p:notesMasterId r:id="rId16"/>
   </p:notesMasterIdLst>
   <p:sldIdLst>
     <p:sldId id="263" r:id="rId2"/>
@@ -13,13 +13,15 @@
     <p:sldId id="270" r:id="rId4"/>
     <p:sldId id="273" r:id="rId5"/>
     <p:sldId id="264" r:id="rId6"/>
-    <p:sldId id="272" r:id="rId7"/>
-    <p:sldId id="271" r:id="rId8"/>
-    <p:sldId id="265" r:id="rId9"/>
-    <p:sldId id="266" r:id="rId10"/>
-    <p:sldId id="267" r:id="rId11"/>
-    <p:sldId id="268" r:id="rId12"/>
-    <p:sldId id="262" r:id="rId13"/>
+    <p:sldId id="265" r:id="rId7"/>
+    <p:sldId id="272" r:id="rId8"/>
+    <p:sldId id="274" r:id="rId9"/>
+    <p:sldId id="275" r:id="rId10"/>
+    <p:sldId id="271" r:id="rId11"/>
+    <p:sldId id="266" r:id="rId12"/>
+    <p:sldId id="267" r:id="rId13"/>
+    <p:sldId id="268" r:id="rId14"/>
+    <p:sldId id="262" r:id="rId15"/>
   </p:sldIdLst>
   <p:sldSz cx="12192000" cy="6858000"/>
   <p:notesSz cx="6858000" cy="9144000"/>
@@ -4381,6 +4383,1484 @@
           </a:p>
         </p:txBody>
       </p:sp>
+      <p:grpSp>
+        <p:nvGrpSpPr>
+          <p:cNvPr id="2" name="Group 1">
+            <a:extLst>
+              <a:ext uri="{FF2B5EF4-FFF2-40B4-BE49-F238E27FC236}">
+                <a16:creationId xmlns:a16="http://schemas.microsoft.com/office/drawing/2014/main" id="{0003F93F-024F-402C-9760-B3A204C64DF1}"/>
+              </a:ext>
+            </a:extLst>
+          </p:cNvPr>
+          <p:cNvGrpSpPr/>
+          <p:nvPr/>
+        </p:nvGrpSpPr>
+        <p:grpSpPr>
+          <a:xfrm>
+            <a:off x="-1" y="0"/>
+            <a:ext cx="12165566" cy="6858000"/>
+            <a:chOff x="-1" y="0"/>
+            <a:chExt cx="12165566" cy="6858000"/>
+          </a:xfrm>
+        </p:grpSpPr>
+        <p:sp>
+          <p:nvSpPr>
+            <p:cNvPr id="14" name="Rectangle 13">
+              <a:extLst>
+                <a:ext uri="{FF2B5EF4-FFF2-40B4-BE49-F238E27FC236}">
+                  <a16:creationId xmlns:a16="http://schemas.microsoft.com/office/drawing/2014/main" id="{33E5F303-EAC6-47BA-BC08-2AA48388F971}"/>
+                </a:ext>
+              </a:extLst>
+            </p:cNvPr>
+            <p:cNvSpPr/>
+            <p:nvPr/>
+          </p:nvSpPr>
+          <p:spPr>
+            <a:xfrm>
+              <a:off x="1006777" y="0"/>
+              <a:ext cx="1830655" cy="6858000"/>
+            </a:xfrm>
+            <a:prstGeom prst="rect">
+              <a:avLst/>
+            </a:prstGeom>
+            <a:solidFill>
+              <a:srgbClr val="7EA861"/>
+            </a:solidFill>
+            <a:ln>
+              <a:solidFill>
+                <a:srgbClr val="7EA861"/>
+              </a:solidFill>
+            </a:ln>
+          </p:spPr>
+          <p:style>
+            <a:lnRef idx="2">
+              <a:schemeClr val="accent1">
+                <a:shade val="50000"/>
+              </a:schemeClr>
+            </a:lnRef>
+            <a:fillRef idx="1">
+              <a:schemeClr val="accent1"/>
+            </a:fillRef>
+            <a:effectRef idx="0">
+              <a:schemeClr val="accent1"/>
+            </a:effectRef>
+            <a:fontRef idx="minor">
+              <a:schemeClr val="lt1"/>
+            </a:fontRef>
+          </p:style>
+          <p:txBody>
+            <a:bodyPr rtlCol="0" anchor="ctr"/>
+            <a:lstStyle/>
+            <a:p>
+              <a:pPr algn="ctr"/>
+              <a:endParaRPr lang="en-US" dirty="0"/>
+            </a:p>
+          </p:txBody>
+        </p:sp>
+        <p:sp>
+          <p:nvSpPr>
+            <p:cNvPr id="11" name="Rectangle 10">
+              <a:extLst>
+                <a:ext uri="{FF2B5EF4-FFF2-40B4-BE49-F238E27FC236}">
+                  <a16:creationId xmlns:a16="http://schemas.microsoft.com/office/drawing/2014/main" id="{8FF6D1F6-BE0D-405C-9028-EC70AF75D232}"/>
+                </a:ext>
+              </a:extLst>
+            </p:cNvPr>
+            <p:cNvSpPr/>
+            <p:nvPr/>
+          </p:nvSpPr>
+          <p:spPr>
+            <a:xfrm>
+              <a:off x="-1" y="0"/>
+              <a:ext cx="2013557" cy="6858000"/>
+            </a:xfrm>
+            <a:prstGeom prst="rect">
+              <a:avLst/>
+            </a:prstGeom>
+            <a:solidFill>
+              <a:srgbClr val="262626"/>
+            </a:solidFill>
+          </p:spPr>
+          <p:style>
+            <a:lnRef idx="2">
+              <a:schemeClr val="accent1">
+                <a:shade val="50000"/>
+              </a:schemeClr>
+            </a:lnRef>
+            <a:fillRef idx="1">
+              <a:schemeClr val="accent1"/>
+            </a:fillRef>
+            <a:effectRef idx="0">
+              <a:schemeClr val="accent1"/>
+            </a:effectRef>
+            <a:fontRef idx="minor">
+              <a:schemeClr val="lt1"/>
+            </a:fontRef>
+          </p:style>
+          <p:txBody>
+            <a:bodyPr rtlCol="0" anchor="ctr"/>
+            <a:lstStyle/>
+            <a:p>
+              <a:pPr algn="ctr"/>
+              <a:endParaRPr lang="en-US"/>
+            </a:p>
+          </p:txBody>
+        </p:sp>
+        <p:sp>
+          <p:nvSpPr>
+            <p:cNvPr id="23" name="Rectangle 22">
+              <a:extLst>
+                <a:ext uri="{FF2B5EF4-FFF2-40B4-BE49-F238E27FC236}">
+                  <a16:creationId xmlns:a16="http://schemas.microsoft.com/office/drawing/2014/main" id="{28403A2A-F5B0-4C1E-92F8-F68B4185D272}"/>
+                </a:ext>
+              </a:extLst>
+            </p:cNvPr>
+            <p:cNvSpPr/>
+            <p:nvPr/>
+          </p:nvSpPr>
+          <p:spPr>
+            <a:xfrm>
+              <a:off x="2499360" y="6541462"/>
+              <a:ext cx="9666205" cy="316538"/>
+            </a:xfrm>
+            <a:prstGeom prst="rect">
+              <a:avLst/>
+            </a:prstGeom>
+            <a:solidFill>
+              <a:srgbClr val="7EA861"/>
+            </a:solidFill>
+            <a:ln>
+              <a:solidFill>
+                <a:srgbClr val="7EA861"/>
+              </a:solidFill>
+            </a:ln>
+          </p:spPr>
+          <p:style>
+            <a:lnRef idx="2">
+              <a:schemeClr val="accent1">
+                <a:shade val="50000"/>
+              </a:schemeClr>
+            </a:lnRef>
+            <a:fillRef idx="1">
+              <a:schemeClr val="accent1"/>
+            </a:fillRef>
+            <a:effectRef idx="0">
+              <a:schemeClr val="accent1"/>
+            </a:effectRef>
+            <a:fontRef idx="minor">
+              <a:schemeClr val="lt1"/>
+            </a:fontRef>
+          </p:style>
+          <p:txBody>
+            <a:bodyPr rtlCol="0" anchor="ctr"/>
+            <a:lstStyle/>
+            <a:p>
+              <a:pPr algn="ctr"/>
+              <a:endParaRPr lang="en-US"/>
+            </a:p>
+          </p:txBody>
+        </p:sp>
+      </p:grpSp>
+      <p:sp>
+        <p:nvSpPr>
+          <p:cNvPr id="16" name="TextBox 15">
+            <a:extLst>
+              <a:ext uri="{FF2B5EF4-FFF2-40B4-BE49-F238E27FC236}">
+                <a16:creationId xmlns:a16="http://schemas.microsoft.com/office/drawing/2014/main" id="{28E357FE-66D7-4860-8B9C-16293153E14E}"/>
+              </a:ext>
+            </a:extLst>
+          </p:cNvPr>
+          <p:cNvSpPr txBox="1"/>
+          <p:nvPr/>
+        </p:nvSpPr>
+        <p:spPr>
+          <a:xfrm>
+            <a:off x="2928872" y="848926"/>
+            <a:ext cx="6593224" cy="369332"/>
+          </a:xfrm>
+          <a:prstGeom prst="rect">
+            <a:avLst/>
+          </a:prstGeom>
+          <a:noFill/>
+        </p:spPr>
+        <p:txBody>
+          <a:bodyPr wrap="square" rtlCol="0">
+            <a:spAutoFit/>
+          </a:bodyPr>
+          <a:lstStyle/>
+          <a:p>
+            <a:r>
+              <a:rPr lang="en-US" b="1" dirty="0">
+                <a:solidFill>
+                  <a:schemeClr val="accent6">
+                    <a:lumMod val="75000"/>
+                  </a:schemeClr>
+                </a:solidFill>
+              </a:rPr>
+              <a:t>Where’s the information?</a:t>
+            </a:r>
+            <a:endParaRPr lang="en-US" b="1" dirty="0"/>
+          </a:p>
+        </p:txBody>
+      </p:sp>
+      <p:sp>
+        <p:nvSpPr>
+          <p:cNvPr id="3" name="Rectangle 2">
+            <a:extLst>
+              <a:ext uri="{FF2B5EF4-FFF2-40B4-BE49-F238E27FC236}">
+                <a16:creationId xmlns:a16="http://schemas.microsoft.com/office/drawing/2014/main" id="{69480590-2FF0-4D28-B943-D29C7874E490}"/>
+              </a:ext>
+            </a:extLst>
+          </p:cNvPr>
+          <p:cNvSpPr/>
+          <p:nvPr/>
+        </p:nvSpPr>
+        <p:spPr>
+          <a:xfrm>
+            <a:off x="5519635" y="1405508"/>
+            <a:ext cx="6096000" cy="1323439"/>
+          </a:xfrm>
+          <a:prstGeom prst="rect">
+            <a:avLst/>
+          </a:prstGeom>
+        </p:spPr>
+        <p:txBody>
+          <a:bodyPr>
+            <a:spAutoFit/>
+          </a:bodyPr>
+          <a:lstStyle/>
+          <a:p>
+            <a:pPr marL="285750" lvl="3" indent="-285750">
+              <a:buFont typeface="Arial" panose="020B0604020202020204" pitchFamily="34" charset="0"/>
+              <a:buChar char="•"/>
+            </a:pPr>
+            <a:r>
+              <a:rPr lang="en-US" sz="2000" dirty="0"/>
+              <a:t>The data exploration and cleanup process (accompanied by your </a:t>
+            </a:r>
+            <a:r>
+              <a:rPr lang="en-US" sz="2000" dirty="0" err="1"/>
+              <a:t>Jupyter</a:t>
+            </a:r>
+            <a:r>
+              <a:rPr lang="en-US" sz="2000" dirty="0"/>
+              <a:t> Notebook)</a:t>
+            </a:r>
+          </a:p>
+          <a:p>
+            <a:pPr marL="285750" lvl="3" indent="-285750">
+              <a:buFont typeface="Arial" panose="020B0604020202020204" pitchFamily="34" charset="0"/>
+              <a:buChar char="•"/>
+            </a:pPr>
+            <a:r>
+              <a:rPr lang="en-US" sz="2000" dirty="0"/>
+              <a:t>The analysis process (accompanied by your </a:t>
+            </a:r>
+            <a:r>
+              <a:rPr lang="en-US" sz="2000" dirty="0" err="1"/>
+              <a:t>Jupyter</a:t>
+            </a:r>
+            <a:r>
+              <a:rPr lang="en-US" sz="2000" dirty="0"/>
+              <a:t> Notebook)</a:t>
+            </a:r>
+          </a:p>
+        </p:txBody>
+      </p:sp>
+      <p:sp>
+        <p:nvSpPr>
+          <p:cNvPr id="20" name="Subtitle 2">
+            <a:extLst>
+              <a:ext uri="{FF2B5EF4-FFF2-40B4-BE49-F238E27FC236}">
+                <a16:creationId xmlns:a16="http://schemas.microsoft.com/office/drawing/2014/main" id="{A57814C1-BF80-4E15-B171-D6F88EAE04E4}"/>
+              </a:ext>
+            </a:extLst>
+          </p:cNvPr>
+          <p:cNvSpPr txBox="1">
+            <a:spLocks/>
+          </p:cNvSpPr>
+          <p:nvPr/>
+        </p:nvSpPr>
+        <p:spPr>
+          <a:xfrm>
+            <a:off x="1778000" y="20859"/>
+            <a:ext cx="8236968" cy="838831"/>
+          </a:xfrm>
+          <a:prstGeom prst="rect">
+            <a:avLst/>
+          </a:prstGeom>
+        </p:spPr>
+        <p:txBody>
+          <a:bodyPr vert="horz" lIns="91440" tIns="45720" rIns="91440" bIns="45720" rtlCol="0" anchor="b">
+            <a:noAutofit/>
+          </a:bodyPr>
+          <a:lstStyle>
+            <a:lvl1pPr marL="0" indent="0" algn="l" defTabSz="914400" rtl="0" eaLnBrk="1" latinLnBrk="0" hangingPunct="1">
+              <a:lnSpc>
+                <a:spcPct val="90000"/>
+              </a:lnSpc>
+              <a:spcBef>
+                <a:spcPts val="1000"/>
+              </a:spcBef>
+              <a:buFont typeface="Arial" panose="020B0604020202020204" pitchFamily="34" charset="0"/>
+              <a:buNone/>
+              <a:defRPr sz="2400" b="1" kern="1200">
+                <a:solidFill>
+                  <a:schemeClr val="tx1"/>
+                </a:solidFill>
+                <a:latin typeface="+mn-lt"/>
+                <a:ea typeface="+mn-ea"/>
+                <a:cs typeface="+mn-cs"/>
+              </a:defRPr>
+            </a:lvl1pPr>
+            <a:lvl2pPr marL="457200" indent="0" algn="l" defTabSz="914400" rtl="0" eaLnBrk="1" latinLnBrk="0" hangingPunct="1">
+              <a:lnSpc>
+                <a:spcPct val="90000"/>
+              </a:lnSpc>
+              <a:spcBef>
+                <a:spcPts val="500"/>
+              </a:spcBef>
+              <a:buFont typeface="Arial" panose="020B0604020202020204" pitchFamily="34" charset="0"/>
+              <a:buNone/>
+              <a:defRPr sz="2000" b="1" kern="1200">
+                <a:solidFill>
+                  <a:schemeClr val="tx1"/>
+                </a:solidFill>
+                <a:latin typeface="+mn-lt"/>
+                <a:ea typeface="+mn-ea"/>
+                <a:cs typeface="+mn-cs"/>
+              </a:defRPr>
+            </a:lvl2pPr>
+            <a:lvl3pPr marL="914400" indent="0" algn="l" defTabSz="914400" rtl="0" eaLnBrk="1" latinLnBrk="0" hangingPunct="1">
+              <a:lnSpc>
+                <a:spcPct val="90000"/>
+              </a:lnSpc>
+              <a:spcBef>
+                <a:spcPts val="500"/>
+              </a:spcBef>
+              <a:buFont typeface="Arial" panose="020B0604020202020204" pitchFamily="34" charset="0"/>
+              <a:buNone/>
+              <a:defRPr sz="1800" b="1" kern="1200">
+                <a:solidFill>
+                  <a:schemeClr val="tx1"/>
+                </a:solidFill>
+                <a:latin typeface="+mn-lt"/>
+                <a:ea typeface="+mn-ea"/>
+                <a:cs typeface="+mn-cs"/>
+              </a:defRPr>
+            </a:lvl3pPr>
+            <a:lvl4pPr marL="1371600" indent="0" algn="l" defTabSz="914400" rtl="0" eaLnBrk="1" latinLnBrk="0" hangingPunct="1">
+              <a:lnSpc>
+                <a:spcPct val="90000"/>
+              </a:lnSpc>
+              <a:spcBef>
+                <a:spcPts val="500"/>
+              </a:spcBef>
+              <a:buFont typeface="Arial" panose="020B0604020202020204" pitchFamily="34" charset="0"/>
+              <a:buNone/>
+              <a:defRPr sz="1600" b="1" kern="1200">
+                <a:solidFill>
+                  <a:schemeClr val="tx1"/>
+                </a:solidFill>
+                <a:latin typeface="+mn-lt"/>
+                <a:ea typeface="+mn-ea"/>
+                <a:cs typeface="+mn-cs"/>
+              </a:defRPr>
+            </a:lvl4pPr>
+            <a:lvl5pPr marL="1828800" indent="0" algn="l" defTabSz="914400" rtl="0" eaLnBrk="1" latinLnBrk="0" hangingPunct="1">
+              <a:lnSpc>
+                <a:spcPct val="90000"/>
+              </a:lnSpc>
+              <a:spcBef>
+                <a:spcPts val="500"/>
+              </a:spcBef>
+              <a:buFont typeface="Arial" panose="020B0604020202020204" pitchFamily="34" charset="0"/>
+              <a:buNone/>
+              <a:defRPr sz="1600" b="1" kern="1200">
+                <a:solidFill>
+                  <a:schemeClr val="tx1"/>
+                </a:solidFill>
+                <a:latin typeface="+mn-lt"/>
+                <a:ea typeface="+mn-ea"/>
+                <a:cs typeface="+mn-cs"/>
+              </a:defRPr>
+            </a:lvl5pPr>
+            <a:lvl6pPr marL="2286000" indent="0" algn="l" defTabSz="914400" rtl="0" eaLnBrk="1" latinLnBrk="0" hangingPunct="1">
+              <a:lnSpc>
+                <a:spcPct val="90000"/>
+              </a:lnSpc>
+              <a:spcBef>
+                <a:spcPts val="500"/>
+              </a:spcBef>
+              <a:buFont typeface="Arial" panose="020B0604020202020204" pitchFamily="34" charset="0"/>
+              <a:buNone/>
+              <a:defRPr sz="1600" b="1" kern="1200">
+                <a:solidFill>
+                  <a:schemeClr val="tx1"/>
+                </a:solidFill>
+                <a:latin typeface="+mn-lt"/>
+                <a:ea typeface="+mn-ea"/>
+                <a:cs typeface="+mn-cs"/>
+              </a:defRPr>
+            </a:lvl6pPr>
+            <a:lvl7pPr marL="2743200" indent="0" algn="l" defTabSz="914400" rtl="0" eaLnBrk="1" latinLnBrk="0" hangingPunct="1">
+              <a:lnSpc>
+                <a:spcPct val="90000"/>
+              </a:lnSpc>
+              <a:spcBef>
+                <a:spcPts val="500"/>
+              </a:spcBef>
+              <a:buFont typeface="Arial" panose="020B0604020202020204" pitchFamily="34" charset="0"/>
+              <a:buNone/>
+              <a:defRPr sz="1600" b="1" kern="1200">
+                <a:solidFill>
+                  <a:schemeClr val="tx1"/>
+                </a:solidFill>
+                <a:latin typeface="+mn-lt"/>
+                <a:ea typeface="+mn-ea"/>
+                <a:cs typeface="+mn-cs"/>
+              </a:defRPr>
+            </a:lvl7pPr>
+            <a:lvl8pPr marL="3200400" indent="0" algn="l" defTabSz="914400" rtl="0" eaLnBrk="1" latinLnBrk="0" hangingPunct="1">
+              <a:lnSpc>
+                <a:spcPct val="90000"/>
+              </a:lnSpc>
+              <a:spcBef>
+                <a:spcPts val="500"/>
+              </a:spcBef>
+              <a:buFont typeface="Arial" panose="020B0604020202020204" pitchFamily="34" charset="0"/>
+              <a:buNone/>
+              <a:defRPr sz="1600" b="1" kern="1200">
+                <a:solidFill>
+                  <a:schemeClr val="tx1"/>
+                </a:solidFill>
+                <a:latin typeface="+mn-lt"/>
+                <a:ea typeface="+mn-ea"/>
+                <a:cs typeface="+mn-cs"/>
+              </a:defRPr>
+            </a:lvl8pPr>
+            <a:lvl9pPr marL="3657600" indent="0" algn="l" defTabSz="914400" rtl="0" eaLnBrk="1" latinLnBrk="0" hangingPunct="1">
+              <a:lnSpc>
+                <a:spcPct val="90000"/>
+              </a:lnSpc>
+              <a:spcBef>
+                <a:spcPts val="500"/>
+              </a:spcBef>
+              <a:buFont typeface="Arial" panose="020B0604020202020204" pitchFamily="34" charset="0"/>
+              <a:buNone/>
+              <a:defRPr sz="1600" b="1" kern="1200">
+                <a:solidFill>
+                  <a:schemeClr val="tx1"/>
+                </a:solidFill>
+                <a:latin typeface="+mn-lt"/>
+                <a:ea typeface="+mn-ea"/>
+                <a:cs typeface="+mn-cs"/>
+              </a:defRPr>
+            </a:lvl9pPr>
+          </a:lstStyle>
+          <a:p>
+            <a:pPr algn="r"/>
+            <a:r>
+              <a:rPr lang="en-US" sz="3600" dirty="0"/>
+              <a:t>Data Exploration &amp; Clean-up Process</a:t>
+            </a:r>
+            <a:endParaRPr lang="en-US" sz="3600" dirty="0">
+              <a:solidFill>
+                <a:srgbClr val="000000"/>
+              </a:solidFill>
+            </a:endParaRPr>
+          </a:p>
+        </p:txBody>
+      </p:sp>
+      <p:sp>
+        <p:nvSpPr>
+          <p:cNvPr id="4" name="Rectangle 3">
+            <a:extLst>
+              <a:ext uri="{FF2B5EF4-FFF2-40B4-BE49-F238E27FC236}">
+                <a16:creationId xmlns:a16="http://schemas.microsoft.com/office/drawing/2014/main" id="{A7A3A4F4-CC49-41CD-8A92-003B16BA2A95}"/>
+              </a:ext>
+            </a:extLst>
+          </p:cNvPr>
+          <p:cNvSpPr/>
+          <p:nvPr/>
+        </p:nvSpPr>
+        <p:spPr>
+          <a:xfrm>
+            <a:off x="3642840" y="3091781"/>
+            <a:ext cx="6096000" cy="1938992"/>
+          </a:xfrm>
+          <a:prstGeom prst="rect">
+            <a:avLst/>
+          </a:prstGeom>
+        </p:spPr>
+        <p:txBody>
+          <a:bodyPr>
+            <a:spAutoFit/>
+          </a:bodyPr>
+          <a:lstStyle/>
+          <a:p>
+            <a:pPr marL="285750" lvl="3" indent="-285750">
+              <a:buFont typeface="Arial" panose="020B0604020202020204" pitchFamily="34" charset="0"/>
+              <a:buChar char="•"/>
+            </a:pPr>
+            <a:r>
+              <a:rPr lang="en-US" sz="2000" dirty="0"/>
+              <a:t>Your conclusions. This should include a numerical summary as well as visualizations of that summary</a:t>
+            </a:r>
+          </a:p>
+          <a:p>
+            <a:pPr marL="285750" lvl="3" indent="-285750">
+              <a:buFont typeface="Arial" panose="020B0604020202020204" pitchFamily="34" charset="0"/>
+              <a:buChar char="•"/>
+            </a:pPr>
+            <a:r>
+              <a:rPr lang="en-US" sz="2000" dirty="0"/>
+              <a:t>Discuss the implications of your findings. This is where you get to have an open-ended discussion about what your findings "mean</a:t>
+            </a:r>
+          </a:p>
+          <a:p>
+            <a:pPr marL="285750" lvl="3" indent="-285750">
+              <a:buFont typeface="Arial" panose="020B0604020202020204" pitchFamily="34" charset="0"/>
+              <a:buChar char="•"/>
+            </a:pPr>
+            <a:r>
+              <a:rPr lang="en-US" sz="2000" dirty="0"/>
+              <a:t>Q&amp;A session to follow your presentation</a:t>
+            </a:r>
+          </a:p>
+        </p:txBody>
+      </p:sp>
+    </p:spTree>
+    <p:extLst>
+      <p:ext uri="{BB962C8B-B14F-4D97-AF65-F5344CB8AC3E}">
+        <p14:creationId xmlns:p14="http://schemas.microsoft.com/office/powerpoint/2010/main" val="653423298"/>
+      </p:ext>
+    </p:extLst>
+  </p:cSld>
+  <p:clrMapOvr>
+    <a:masterClrMapping/>
+  </p:clrMapOvr>
+</p:sld>
+</file>
+
+<file path=ppt/slides/slide11.xml><?xml version="1.0" encoding="utf-8"?>
+<p:sld xmlns:a="http://schemas.openxmlformats.org/drawingml/2006/main" xmlns:r="http://schemas.openxmlformats.org/officeDocument/2006/relationships" xmlns:p="http://schemas.openxmlformats.org/presentationml/2006/main">
+  <p:cSld>
+    <p:bg>
+      <p:bgPr>
+        <a:solidFill>
+          <a:srgbClr val="542C39"/>
+        </a:solidFill>
+        <a:effectLst/>
+      </p:bgPr>
+    </p:bg>
+    <p:spTree>
+      <p:nvGrpSpPr>
+        <p:cNvPr id="1" name=""/>
+        <p:cNvGrpSpPr/>
+        <p:nvPr/>
+      </p:nvGrpSpPr>
+      <p:grpSpPr>
+        <a:xfrm>
+          <a:off x="0" y="0"/>
+          <a:ext cx="0" cy="0"/>
+          <a:chOff x="0" y="0"/>
+          <a:chExt cx="0" cy="0"/>
+        </a:xfrm>
+      </p:grpSpPr>
+      <p:sp>
+        <p:nvSpPr>
+          <p:cNvPr id="18" name="Rectangle 14">
+            <a:extLst>
+              <a:ext uri="{FF2B5EF4-FFF2-40B4-BE49-F238E27FC236}">
+                <a16:creationId xmlns:a16="http://schemas.microsoft.com/office/drawing/2014/main" id="{6753252F-4873-4F63-801D-CC719279A7D5}"/>
+              </a:ext>
+              <a:ext uri="{C183D7F6-B498-43B3-948B-1728B52AA6E4}">
+                <adec:decorative xmlns:adec="http://schemas.microsoft.com/office/drawing/2017/decorative" val="1"/>
+              </a:ext>
+            </a:extLst>
+          </p:cNvPr>
+          <p:cNvSpPr>
+            <a:spLocks noGrp="1" noRot="1" noChangeAspect="1" noMove="1" noResize="1" noEditPoints="1" noAdjustHandles="1" noChangeArrowheads="1" noChangeShapeType="1" noTextEdit="1"/>
+          </p:cNvSpPr>
+          <p:nvPr>
+            <p:extLst>
+              <p:ext uri="{386F3935-93C4-4BCD-93E2-E3B085C9AB24}">
+                <p16:designElem xmlns:p16="http://schemas.microsoft.com/office/powerpoint/2015/main" val="1"/>
+              </p:ext>
+            </p:extLst>
+          </p:nvPr>
+        </p:nvSpPr>
+        <p:spPr>
+          <a:xfrm>
+            <a:off x="0" y="0"/>
+            <a:ext cx="12192000" cy="6858000"/>
+          </a:xfrm>
+          <a:prstGeom prst="rect">
+            <a:avLst/>
+          </a:prstGeom>
+          <a:solidFill>
+            <a:srgbClr val="FFFFFF"/>
+          </a:solidFill>
+          <a:ln>
+            <a:noFill/>
+          </a:ln>
+        </p:spPr>
+        <p:style>
+          <a:lnRef idx="2">
+            <a:schemeClr val="accent1">
+              <a:shade val="50000"/>
+            </a:schemeClr>
+          </a:lnRef>
+          <a:fillRef idx="1">
+            <a:schemeClr val="accent1"/>
+          </a:fillRef>
+          <a:effectRef idx="0">
+            <a:schemeClr val="accent1"/>
+          </a:effectRef>
+          <a:fontRef idx="minor">
+            <a:schemeClr val="lt1"/>
+          </a:fontRef>
+        </p:style>
+        <p:txBody>
+          <a:bodyPr rtlCol="0" anchor="ctr"/>
+          <a:lstStyle/>
+          <a:p>
+            <a:pPr algn="ctr"/>
+            <a:endParaRPr lang="en-US"/>
+          </a:p>
+        </p:txBody>
+      </p:sp>
+      <p:sp>
+        <p:nvSpPr>
+          <p:cNvPr id="17" name="Rectangle 16">
+            <a:extLst>
+              <a:ext uri="{FF2B5EF4-FFF2-40B4-BE49-F238E27FC236}">
+                <a16:creationId xmlns:a16="http://schemas.microsoft.com/office/drawing/2014/main" id="{047C8CCB-F95D-4249-92DD-651249D3535A}"/>
+              </a:ext>
+              <a:ext uri="{C183D7F6-B498-43B3-948B-1728B52AA6E4}">
+                <adec:decorative xmlns:adec="http://schemas.microsoft.com/office/drawing/2017/decorative" val="1"/>
+              </a:ext>
+            </a:extLst>
+          </p:cNvPr>
+          <p:cNvSpPr>
+            <a:spLocks noGrp="1" noRot="1" noChangeAspect="1" noMove="1" noResize="1" noEditPoints="1" noAdjustHandles="1" noChangeArrowheads="1" noChangeShapeType="1" noTextEdit="1"/>
+          </p:cNvSpPr>
+          <p:nvPr>
+            <p:extLst>
+              <p:ext uri="{386F3935-93C4-4BCD-93E2-E3B085C9AB24}">
+                <p16:designElem xmlns:p16="http://schemas.microsoft.com/office/powerpoint/2015/main" val="1"/>
+              </p:ext>
+            </p:extLst>
+          </p:nvPr>
+        </p:nvSpPr>
+        <p:spPr>
+          <a:xfrm>
+            <a:off x="0" y="0"/>
+            <a:ext cx="2013557" cy="6858000"/>
+          </a:xfrm>
+          <a:prstGeom prst="rect">
+            <a:avLst/>
+          </a:prstGeom>
+          <a:solidFill>
+            <a:srgbClr val="542C39"/>
+          </a:solidFill>
+          <a:ln>
+            <a:noFill/>
+          </a:ln>
+        </p:spPr>
+        <p:style>
+          <a:lnRef idx="2">
+            <a:schemeClr val="accent1">
+              <a:shade val="50000"/>
+            </a:schemeClr>
+          </a:lnRef>
+          <a:fillRef idx="1">
+            <a:schemeClr val="accent1"/>
+          </a:fillRef>
+          <a:effectRef idx="0">
+            <a:schemeClr val="accent1"/>
+          </a:effectRef>
+          <a:fontRef idx="minor">
+            <a:schemeClr val="lt1"/>
+          </a:fontRef>
+        </p:style>
+        <p:txBody>
+          <a:bodyPr rtlCol="0" anchor="ctr"/>
+          <a:lstStyle/>
+          <a:p>
+            <a:pPr algn="ctr"/>
+            <a:endParaRPr lang="en-US"/>
+          </a:p>
+        </p:txBody>
+      </p:sp>
+      <p:sp>
+        <p:nvSpPr>
+          <p:cNvPr id="23" name="Rectangle 22">
+            <a:extLst>
+              <a:ext uri="{FF2B5EF4-FFF2-40B4-BE49-F238E27FC236}">
+                <a16:creationId xmlns:a16="http://schemas.microsoft.com/office/drawing/2014/main" id="{28403A2A-F5B0-4C1E-92F8-F68B4185D272}"/>
+              </a:ext>
+            </a:extLst>
+          </p:cNvPr>
+          <p:cNvSpPr/>
+          <p:nvPr/>
+        </p:nvSpPr>
+        <p:spPr>
+          <a:xfrm>
+            <a:off x="2499360" y="6541462"/>
+            <a:ext cx="9666205" cy="316538"/>
+          </a:xfrm>
+          <a:prstGeom prst="rect">
+            <a:avLst/>
+          </a:prstGeom>
+          <a:solidFill>
+            <a:srgbClr val="7EA861"/>
+          </a:solidFill>
+          <a:ln>
+            <a:solidFill>
+              <a:srgbClr val="7EA861"/>
+            </a:solidFill>
+          </a:ln>
+        </p:spPr>
+        <p:style>
+          <a:lnRef idx="2">
+            <a:schemeClr val="accent1">
+              <a:shade val="50000"/>
+            </a:schemeClr>
+          </a:lnRef>
+          <a:fillRef idx="1">
+            <a:schemeClr val="accent1"/>
+          </a:fillRef>
+          <a:effectRef idx="0">
+            <a:schemeClr val="accent1"/>
+          </a:effectRef>
+          <a:fontRef idx="minor">
+            <a:schemeClr val="lt1"/>
+          </a:fontRef>
+        </p:style>
+        <p:txBody>
+          <a:bodyPr rtlCol="0" anchor="ctr"/>
+          <a:lstStyle/>
+          <a:p>
+            <a:pPr algn="ctr"/>
+            <a:endParaRPr lang="en-US"/>
+          </a:p>
+        </p:txBody>
+      </p:sp>
+      <p:pic>
+        <p:nvPicPr>
+          <p:cNvPr id="9" name="Content Placeholder 15" descr="A screenshot of a cell phone&#10;&#10;Description automatically generated">
+            <a:extLst>
+              <a:ext uri="{FF2B5EF4-FFF2-40B4-BE49-F238E27FC236}">
+                <a16:creationId xmlns:a16="http://schemas.microsoft.com/office/drawing/2014/main" id="{9F157A56-63A0-4AFD-85DB-BD84CD803572}"/>
+              </a:ext>
+            </a:extLst>
+          </p:cNvPr>
+          <p:cNvPicPr>
+            <a:picLocks noGrp="1" noChangeAspect="1"/>
+          </p:cNvPicPr>
+          <p:nvPr>
+            <p:ph sz="half" idx="2"/>
+          </p:nvPr>
+        </p:nvPicPr>
+        <p:blipFill rotWithShape="1">
+          <a:blip r:embed="rId2"/>
+          <a:srcRect l="10627" r="13937"/>
+          <a:stretch/>
+        </p:blipFill>
+        <p:spPr>
+          <a:xfrm>
+            <a:off x="2424322" y="1766948"/>
+            <a:ext cx="5209674" cy="3511723"/>
+          </a:xfrm>
+        </p:spPr>
+      </p:pic>
+      <p:sp>
+        <p:nvSpPr>
+          <p:cNvPr id="8" name="Subtitle 2">
+            <a:extLst>
+              <a:ext uri="{FF2B5EF4-FFF2-40B4-BE49-F238E27FC236}">
+                <a16:creationId xmlns:a16="http://schemas.microsoft.com/office/drawing/2014/main" id="{3FD876A2-3892-42BE-9CDA-650985982439}"/>
+              </a:ext>
+            </a:extLst>
+          </p:cNvPr>
+          <p:cNvSpPr txBox="1">
+            <a:spLocks/>
+          </p:cNvSpPr>
+          <p:nvPr/>
+        </p:nvSpPr>
+        <p:spPr>
+          <a:xfrm>
+            <a:off x="2555433" y="248456"/>
+            <a:ext cx="5354320" cy="597617"/>
+          </a:xfrm>
+          <a:prstGeom prst="rect">
+            <a:avLst/>
+          </a:prstGeom>
+        </p:spPr>
+        <p:txBody>
+          <a:bodyPr vert="horz" lIns="91440" tIns="45720" rIns="91440" bIns="45720" rtlCol="0" anchor="b">
+            <a:normAutofit fontScale="55000" lnSpcReduction="20000"/>
+          </a:bodyPr>
+          <a:lstStyle>
+            <a:lvl1pPr marL="0" indent="0" algn="l" defTabSz="914400" rtl="0" eaLnBrk="1" latinLnBrk="0" hangingPunct="1">
+              <a:lnSpc>
+                <a:spcPct val="90000"/>
+              </a:lnSpc>
+              <a:spcBef>
+                <a:spcPts val="1000"/>
+              </a:spcBef>
+              <a:buFont typeface="Arial" panose="020B0604020202020204" pitchFamily="34" charset="0"/>
+              <a:buNone/>
+              <a:defRPr sz="2400" b="1" kern="1200">
+                <a:solidFill>
+                  <a:schemeClr val="tx1"/>
+                </a:solidFill>
+                <a:latin typeface="+mn-lt"/>
+                <a:ea typeface="+mn-ea"/>
+                <a:cs typeface="+mn-cs"/>
+              </a:defRPr>
+            </a:lvl1pPr>
+            <a:lvl2pPr marL="457200" indent="0" algn="l" defTabSz="914400" rtl="0" eaLnBrk="1" latinLnBrk="0" hangingPunct="1">
+              <a:lnSpc>
+                <a:spcPct val="90000"/>
+              </a:lnSpc>
+              <a:spcBef>
+                <a:spcPts val="500"/>
+              </a:spcBef>
+              <a:buFont typeface="Arial" panose="020B0604020202020204" pitchFamily="34" charset="0"/>
+              <a:buNone/>
+              <a:defRPr sz="2000" b="1" kern="1200">
+                <a:solidFill>
+                  <a:schemeClr val="tx1"/>
+                </a:solidFill>
+                <a:latin typeface="+mn-lt"/>
+                <a:ea typeface="+mn-ea"/>
+                <a:cs typeface="+mn-cs"/>
+              </a:defRPr>
+            </a:lvl2pPr>
+            <a:lvl3pPr marL="914400" indent="0" algn="l" defTabSz="914400" rtl="0" eaLnBrk="1" latinLnBrk="0" hangingPunct="1">
+              <a:lnSpc>
+                <a:spcPct val="90000"/>
+              </a:lnSpc>
+              <a:spcBef>
+                <a:spcPts val="500"/>
+              </a:spcBef>
+              <a:buFont typeface="Arial" panose="020B0604020202020204" pitchFamily="34" charset="0"/>
+              <a:buNone/>
+              <a:defRPr sz="1800" b="1" kern="1200">
+                <a:solidFill>
+                  <a:schemeClr val="tx1"/>
+                </a:solidFill>
+                <a:latin typeface="+mn-lt"/>
+                <a:ea typeface="+mn-ea"/>
+                <a:cs typeface="+mn-cs"/>
+              </a:defRPr>
+            </a:lvl3pPr>
+            <a:lvl4pPr marL="1371600" indent="0" algn="l" defTabSz="914400" rtl="0" eaLnBrk="1" latinLnBrk="0" hangingPunct="1">
+              <a:lnSpc>
+                <a:spcPct val="90000"/>
+              </a:lnSpc>
+              <a:spcBef>
+                <a:spcPts val="500"/>
+              </a:spcBef>
+              <a:buFont typeface="Arial" panose="020B0604020202020204" pitchFamily="34" charset="0"/>
+              <a:buNone/>
+              <a:defRPr sz="1600" b="1" kern="1200">
+                <a:solidFill>
+                  <a:schemeClr val="tx1"/>
+                </a:solidFill>
+                <a:latin typeface="+mn-lt"/>
+                <a:ea typeface="+mn-ea"/>
+                <a:cs typeface="+mn-cs"/>
+              </a:defRPr>
+            </a:lvl4pPr>
+            <a:lvl5pPr marL="1828800" indent="0" algn="l" defTabSz="914400" rtl="0" eaLnBrk="1" latinLnBrk="0" hangingPunct="1">
+              <a:lnSpc>
+                <a:spcPct val="90000"/>
+              </a:lnSpc>
+              <a:spcBef>
+                <a:spcPts val="500"/>
+              </a:spcBef>
+              <a:buFont typeface="Arial" panose="020B0604020202020204" pitchFamily="34" charset="0"/>
+              <a:buNone/>
+              <a:defRPr sz="1600" b="1" kern="1200">
+                <a:solidFill>
+                  <a:schemeClr val="tx1"/>
+                </a:solidFill>
+                <a:latin typeface="+mn-lt"/>
+                <a:ea typeface="+mn-ea"/>
+                <a:cs typeface="+mn-cs"/>
+              </a:defRPr>
+            </a:lvl5pPr>
+            <a:lvl6pPr marL="2286000" indent="0" algn="l" defTabSz="914400" rtl="0" eaLnBrk="1" latinLnBrk="0" hangingPunct="1">
+              <a:lnSpc>
+                <a:spcPct val="90000"/>
+              </a:lnSpc>
+              <a:spcBef>
+                <a:spcPts val="500"/>
+              </a:spcBef>
+              <a:buFont typeface="Arial" panose="020B0604020202020204" pitchFamily="34" charset="0"/>
+              <a:buNone/>
+              <a:defRPr sz="1600" b="1" kern="1200">
+                <a:solidFill>
+                  <a:schemeClr val="tx1"/>
+                </a:solidFill>
+                <a:latin typeface="+mn-lt"/>
+                <a:ea typeface="+mn-ea"/>
+                <a:cs typeface="+mn-cs"/>
+              </a:defRPr>
+            </a:lvl6pPr>
+            <a:lvl7pPr marL="2743200" indent="0" algn="l" defTabSz="914400" rtl="0" eaLnBrk="1" latinLnBrk="0" hangingPunct="1">
+              <a:lnSpc>
+                <a:spcPct val="90000"/>
+              </a:lnSpc>
+              <a:spcBef>
+                <a:spcPts val="500"/>
+              </a:spcBef>
+              <a:buFont typeface="Arial" panose="020B0604020202020204" pitchFamily="34" charset="0"/>
+              <a:buNone/>
+              <a:defRPr sz="1600" b="1" kern="1200">
+                <a:solidFill>
+                  <a:schemeClr val="tx1"/>
+                </a:solidFill>
+                <a:latin typeface="+mn-lt"/>
+                <a:ea typeface="+mn-ea"/>
+                <a:cs typeface="+mn-cs"/>
+              </a:defRPr>
+            </a:lvl7pPr>
+            <a:lvl8pPr marL="3200400" indent="0" algn="l" defTabSz="914400" rtl="0" eaLnBrk="1" latinLnBrk="0" hangingPunct="1">
+              <a:lnSpc>
+                <a:spcPct val="90000"/>
+              </a:lnSpc>
+              <a:spcBef>
+                <a:spcPts val="500"/>
+              </a:spcBef>
+              <a:buFont typeface="Arial" panose="020B0604020202020204" pitchFamily="34" charset="0"/>
+              <a:buNone/>
+              <a:defRPr sz="1600" b="1" kern="1200">
+                <a:solidFill>
+                  <a:schemeClr val="tx1"/>
+                </a:solidFill>
+                <a:latin typeface="+mn-lt"/>
+                <a:ea typeface="+mn-ea"/>
+                <a:cs typeface="+mn-cs"/>
+              </a:defRPr>
+            </a:lvl8pPr>
+            <a:lvl9pPr marL="3657600" indent="0" algn="l" defTabSz="914400" rtl="0" eaLnBrk="1" latinLnBrk="0" hangingPunct="1">
+              <a:lnSpc>
+                <a:spcPct val="90000"/>
+              </a:lnSpc>
+              <a:spcBef>
+                <a:spcPts val="500"/>
+              </a:spcBef>
+              <a:buFont typeface="Arial" panose="020B0604020202020204" pitchFamily="34" charset="0"/>
+              <a:buNone/>
+              <a:defRPr sz="1600" b="1" kern="1200">
+                <a:solidFill>
+                  <a:schemeClr val="tx1"/>
+                </a:solidFill>
+                <a:latin typeface="+mn-lt"/>
+                <a:ea typeface="+mn-ea"/>
+                <a:cs typeface="+mn-cs"/>
+              </a:defRPr>
+            </a:lvl9pPr>
+          </a:lstStyle>
+          <a:p>
+            <a:pPr algn="r"/>
+            <a:r>
+              <a:rPr lang="en-US" sz="5400" dirty="0">
+                <a:solidFill>
+                  <a:srgbClr val="000000"/>
+                </a:solidFill>
+              </a:rPr>
+              <a:t>Conclusions: Happiness Factors</a:t>
+            </a:r>
+          </a:p>
+        </p:txBody>
+      </p:sp>
+      <p:sp>
+        <p:nvSpPr>
+          <p:cNvPr id="12" name="Rectangle 11">
+            <a:extLst>
+              <a:ext uri="{FF2B5EF4-FFF2-40B4-BE49-F238E27FC236}">
+                <a16:creationId xmlns:a16="http://schemas.microsoft.com/office/drawing/2014/main" id="{667506F0-E964-4E08-93A1-B31E6BB62A25}"/>
+              </a:ext>
+            </a:extLst>
+          </p:cNvPr>
+          <p:cNvSpPr/>
+          <p:nvPr/>
+        </p:nvSpPr>
+        <p:spPr>
+          <a:xfrm>
+            <a:off x="1006777" y="0"/>
+            <a:ext cx="1830655" cy="6858000"/>
+          </a:xfrm>
+          <a:prstGeom prst="rect">
+            <a:avLst/>
+          </a:prstGeom>
+          <a:solidFill>
+            <a:srgbClr val="7EA861"/>
+          </a:solidFill>
+          <a:ln>
+            <a:solidFill>
+              <a:srgbClr val="7EA861"/>
+            </a:solidFill>
+          </a:ln>
+        </p:spPr>
+        <p:style>
+          <a:lnRef idx="2">
+            <a:schemeClr val="accent1">
+              <a:shade val="50000"/>
+            </a:schemeClr>
+          </a:lnRef>
+          <a:fillRef idx="1">
+            <a:schemeClr val="accent1"/>
+          </a:fillRef>
+          <a:effectRef idx="0">
+            <a:schemeClr val="accent1"/>
+          </a:effectRef>
+          <a:fontRef idx="minor">
+            <a:schemeClr val="lt1"/>
+          </a:fontRef>
+        </p:style>
+        <p:txBody>
+          <a:bodyPr rtlCol="0" anchor="ctr"/>
+          <a:lstStyle/>
+          <a:p>
+            <a:pPr algn="ctr"/>
+            <a:endParaRPr lang="en-US"/>
+          </a:p>
+        </p:txBody>
+      </p:sp>
+      <p:pic>
+        <p:nvPicPr>
+          <p:cNvPr id="10" name="Content Placeholder 17" descr="A screenshot of a cell phone&#10;&#10;Description automatically generated">
+            <a:extLst>
+              <a:ext uri="{FF2B5EF4-FFF2-40B4-BE49-F238E27FC236}">
+                <a16:creationId xmlns:a16="http://schemas.microsoft.com/office/drawing/2014/main" id="{FFA15AE0-B7BB-49CB-9BD6-DD974CA10C3E}"/>
+              </a:ext>
+            </a:extLst>
+          </p:cNvPr>
+          <p:cNvPicPr>
+            <a:picLocks noGrp="1" noChangeAspect="1"/>
+          </p:cNvPicPr>
+          <p:nvPr>
+            <p:ph sz="quarter" idx="4"/>
+          </p:nvPr>
+        </p:nvPicPr>
+        <p:blipFill rotWithShape="1">
+          <a:blip r:embed="rId3"/>
+          <a:srcRect l="14281" r="16440"/>
+          <a:stretch/>
+        </p:blipFill>
+        <p:spPr>
+          <a:xfrm>
+            <a:off x="7355131" y="1766947"/>
+            <a:ext cx="4915353" cy="3511723"/>
+          </a:xfrm>
+        </p:spPr>
+      </p:pic>
+      <p:sp>
+        <p:nvSpPr>
+          <p:cNvPr id="11" name="Rectangle 10">
+            <a:extLst>
+              <a:ext uri="{FF2B5EF4-FFF2-40B4-BE49-F238E27FC236}">
+                <a16:creationId xmlns:a16="http://schemas.microsoft.com/office/drawing/2014/main" id="{8FF6D1F6-BE0D-405C-9028-EC70AF75D232}"/>
+              </a:ext>
+            </a:extLst>
+          </p:cNvPr>
+          <p:cNvSpPr/>
+          <p:nvPr/>
+        </p:nvSpPr>
+        <p:spPr>
+          <a:xfrm>
+            <a:off x="-1" y="0"/>
+            <a:ext cx="2013557" cy="6858000"/>
+          </a:xfrm>
+          <a:prstGeom prst="rect">
+            <a:avLst/>
+          </a:prstGeom>
+          <a:solidFill>
+            <a:srgbClr val="262626"/>
+          </a:solidFill>
+        </p:spPr>
+        <p:style>
+          <a:lnRef idx="2">
+            <a:schemeClr val="accent1">
+              <a:shade val="50000"/>
+            </a:schemeClr>
+          </a:lnRef>
+          <a:fillRef idx="1">
+            <a:schemeClr val="accent1"/>
+          </a:fillRef>
+          <a:effectRef idx="0">
+            <a:schemeClr val="accent1"/>
+          </a:effectRef>
+          <a:fontRef idx="minor">
+            <a:schemeClr val="lt1"/>
+          </a:fontRef>
+        </p:style>
+        <p:txBody>
+          <a:bodyPr rtlCol="0" anchor="ctr"/>
+          <a:lstStyle/>
+          <a:p>
+            <a:pPr algn="ctr"/>
+            <a:endParaRPr lang="en-US"/>
+          </a:p>
+        </p:txBody>
+      </p:sp>
+      <p:sp>
+        <p:nvSpPr>
+          <p:cNvPr id="13" name="TextBox 12">
+            <a:extLst>
+              <a:ext uri="{FF2B5EF4-FFF2-40B4-BE49-F238E27FC236}">
+                <a16:creationId xmlns:a16="http://schemas.microsoft.com/office/drawing/2014/main" id="{AFE8CD97-6182-471A-A81E-F229407DE265}"/>
+              </a:ext>
+            </a:extLst>
+          </p:cNvPr>
+          <p:cNvSpPr txBox="1"/>
+          <p:nvPr/>
+        </p:nvSpPr>
+        <p:spPr>
+          <a:xfrm>
+            <a:off x="2905153" y="783251"/>
+            <a:ext cx="7571373" cy="861774"/>
+          </a:xfrm>
+          <a:prstGeom prst="rect">
+            <a:avLst/>
+          </a:prstGeom>
+          <a:noFill/>
+        </p:spPr>
+        <p:txBody>
+          <a:bodyPr wrap="square" rtlCol="0">
+            <a:spAutoFit/>
+          </a:bodyPr>
+          <a:lstStyle/>
+          <a:p>
+            <a:r>
+              <a:rPr lang="en-US" b="1" dirty="0">
+                <a:solidFill>
+                  <a:schemeClr val="accent6">
+                    <a:lumMod val="75000"/>
+                  </a:schemeClr>
+                </a:solidFill>
+              </a:rPr>
+              <a:t>How do the different happiness factors correlate? </a:t>
+            </a:r>
+          </a:p>
+          <a:p>
+            <a:r>
+              <a:rPr lang="en-US" sz="1400" dirty="0"/>
+              <a:t>Analyzing household income</a:t>
+            </a:r>
+          </a:p>
+          <a:p>
+            <a:endParaRPr lang="en-US" dirty="0"/>
+          </a:p>
+        </p:txBody>
+      </p:sp>
+    </p:spTree>
+    <p:extLst>
+      <p:ext uri="{BB962C8B-B14F-4D97-AF65-F5344CB8AC3E}">
+        <p14:creationId xmlns:p14="http://schemas.microsoft.com/office/powerpoint/2010/main" val="551049074"/>
+      </p:ext>
+    </p:extLst>
+  </p:cSld>
+  <p:clrMapOvr>
+    <a:masterClrMapping/>
+  </p:clrMapOvr>
+  <p:timing>
+    <p:tnLst>
+      <p:par>
+        <p:cTn id="1" dur="indefinite" restart="never" nodeType="tmRoot">
+          <p:childTnLst>
+            <p:seq concurrent="1" nextAc="seek">
+              <p:cTn id="2" dur="indefinite" nodeType="mainSeq">
+                <p:childTnLst>
+                  <p:par>
+                    <p:cTn id="3" fill="hold">
+                      <p:stCondLst>
+                        <p:cond delay="indefinite"/>
+                      </p:stCondLst>
+                      <p:childTnLst>
+                        <p:par>
+                          <p:cTn id="4" fill="hold">
+                            <p:stCondLst>
+                              <p:cond delay="0"/>
+                            </p:stCondLst>
+                            <p:childTnLst>
+                              <p:par>
+                                <p:cTn id="5" presetID="9" presetClass="entr" presetSubtype="0" fill="hold" nodeType="clickEffect">
+                                  <p:stCondLst>
+                                    <p:cond delay="0"/>
+                                  </p:stCondLst>
+                                  <p:childTnLst>
+                                    <p:set>
+                                      <p:cBhvr>
+                                        <p:cTn id="6" dur="1" fill="hold">
+                                          <p:stCondLst>
+                                            <p:cond delay="0"/>
+                                          </p:stCondLst>
+                                        </p:cTn>
+                                        <p:tgtEl>
+                                          <p:spTgt spid="9"/>
+                                        </p:tgtEl>
+                                        <p:attrNameLst>
+                                          <p:attrName>style.visibility</p:attrName>
+                                        </p:attrNameLst>
+                                      </p:cBhvr>
+                                      <p:to>
+                                        <p:strVal val="visible"/>
+                                      </p:to>
+                                    </p:set>
+                                    <p:animEffect transition="in" filter="dissolve">
+                                      <p:cBhvr>
+                                        <p:cTn id="7" dur="500"/>
+                                        <p:tgtEl>
+                                          <p:spTgt spid="9"/>
+                                        </p:tgtEl>
+                                      </p:cBhvr>
+                                    </p:animEffect>
+                                  </p:childTnLst>
+                                </p:cTn>
+                              </p:par>
+                            </p:childTnLst>
+                          </p:cTn>
+                        </p:par>
+                      </p:childTnLst>
+                    </p:cTn>
+                  </p:par>
+                  <p:par>
+                    <p:cTn id="8" fill="hold">
+                      <p:stCondLst>
+                        <p:cond delay="indefinite"/>
+                      </p:stCondLst>
+                      <p:childTnLst>
+                        <p:par>
+                          <p:cTn id="9" fill="hold">
+                            <p:stCondLst>
+                              <p:cond delay="0"/>
+                            </p:stCondLst>
+                            <p:childTnLst>
+                              <p:par>
+                                <p:cTn id="10" presetID="9" presetClass="entr" presetSubtype="0" fill="hold" nodeType="clickEffect">
+                                  <p:stCondLst>
+                                    <p:cond delay="0"/>
+                                  </p:stCondLst>
+                                  <p:childTnLst>
+                                    <p:set>
+                                      <p:cBhvr>
+                                        <p:cTn id="11" dur="1" fill="hold">
+                                          <p:stCondLst>
+                                            <p:cond delay="0"/>
+                                          </p:stCondLst>
+                                        </p:cTn>
+                                        <p:tgtEl>
+                                          <p:spTgt spid="10"/>
+                                        </p:tgtEl>
+                                        <p:attrNameLst>
+                                          <p:attrName>style.visibility</p:attrName>
+                                        </p:attrNameLst>
+                                      </p:cBhvr>
+                                      <p:to>
+                                        <p:strVal val="visible"/>
+                                      </p:to>
+                                    </p:set>
+                                    <p:animEffect transition="in" filter="dissolve">
+                                      <p:cBhvr>
+                                        <p:cTn id="12" dur="500"/>
+                                        <p:tgtEl>
+                                          <p:spTgt spid="10"/>
+                                        </p:tgtEl>
+                                      </p:cBhvr>
+                                    </p:animEffect>
+                                  </p:childTnLst>
+                                </p:cTn>
+                              </p:par>
+                            </p:childTnLst>
+                          </p:cTn>
+                        </p:par>
+                      </p:childTnLst>
+                    </p:cTn>
+                  </p:par>
+                </p:childTnLst>
+              </p:cTn>
+              <p:prevCondLst>
+                <p:cond evt="onPrev" delay="0">
+                  <p:tgtEl>
+                    <p:sldTgt/>
+                  </p:tgtEl>
+                </p:cond>
+              </p:prevCondLst>
+              <p:nextCondLst>
+                <p:cond evt="onNext" delay="0">
+                  <p:tgtEl>
+                    <p:sldTgt/>
+                  </p:tgtEl>
+                </p:cond>
+              </p:nextCondLst>
+            </p:seq>
+          </p:childTnLst>
+        </p:cTn>
+      </p:par>
+    </p:tnLst>
+  </p:timing>
+</p:sld>
+</file>
+
+<file path=ppt/slides/slide12.xml><?xml version="1.0" encoding="utf-8"?>
+<p:sld xmlns:a="http://schemas.openxmlformats.org/drawingml/2006/main" xmlns:r="http://schemas.openxmlformats.org/officeDocument/2006/relationships" xmlns:p="http://schemas.openxmlformats.org/presentationml/2006/main">
+  <p:cSld>
+    <p:bg>
+      <p:bgPr>
+        <a:solidFill>
+          <a:srgbClr val="542C39"/>
+        </a:solidFill>
+        <a:effectLst/>
+      </p:bgPr>
+    </p:bg>
+    <p:spTree>
+      <p:nvGrpSpPr>
+        <p:cNvPr id="1" name=""/>
+        <p:cNvGrpSpPr/>
+        <p:nvPr/>
+      </p:nvGrpSpPr>
+      <p:grpSpPr>
+        <a:xfrm>
+          <a:off x="0" y="0"/>
+          <a:ext cx="0" cy="0"/>
+          <a:chOff x="0" y="0"/>
+          <a:chExt cx="0" cy="0"/>
+        </a:xfrm>
+      </p:grpSpPr>
+      <p:sp>
+        <p:nvSpPr>
+          <p:cNvPr id="18" name="Rectangle 14">
+            <a:extLst>
+              <a:ext uri="{FF2B5EF4-FFF2-40B4-BE49-F238E27FC236}">
+                <a16:creationId xmlns:a16="http://schemas.microsoft.com/office/drawing/2014/main" id="{6753252F-4873-4F63-801D-CC719279A7D5}"/>
+              </a:ext>
+              <a:ext uri="{C183D7F6-B498-43B3-948B-1728B52AA6E4}">
+                <adec:decorative xmlns:adec="http://schemas.microsoft.com/office/drawing/2017/decorative" val="1"/>
+              </a:ext>
+            </a:extLst>
+          </p:cNvPr>
+          <p:cNvSpPr>
+            <a:spLocks noGrp="1" noRot="1" noChangeAspect="1" noMove="1" noResize="1" noEditPoints="1" noAdjustHandles="1" noChangeArrowheads="1" noChangeShapeType="1" noTextEdit="1"/>
+          </p:cNvSpPr>
+          <p:nvPr>
+            <p:extLst>
+              <p:ext uri="{386F3935-93C4-4BCD-93E2-E3B085C9AB24}">
+                <p16:designElem xmlns:p16="http://schemas.microsoft.com/office/powerpoint/2015/main" val="1"/>
+              </p:ext>
+            </p:extLst>
+          </p:nvPr>
+        </p:nvSpPr>
+        <p:spPr>
+          <a:xfrm>
+            <a:off x="0" y="0"/>
+            <a:ext cx="12192000" cy="6858000"/>
+          </a:xfrm>
+          <a:prstGeom prst="rect">
+            <a:avLst/>
+          </a:prstGeom>
+          <a:solidFill>
+            <a:srgbClr val="FFFFFF"/>
+          </a:solidFill>
+          <a:ln>
+            <a:noFill/>
+          </a:ln>
+        </p:spPr>
+        <p:style>
+          <a:lnRef idx="2">
+            <a:schemeClr val="accent1">
+              <a:shade val="50000"/>
+            </a:schemeClr>
+          </a:lnRef>
+          <a:fillRef idx="1">
+            <a:schemeClr val="accent1"/>
+          </a:fillRef>
+          <a:effectRef idx="0">
+            <a:schemeClr val="accent1"/>
+          </a:effectRef>
+          <a:fontRef idx="minor">
+            <a:schemeClr val="lt1"/>
+          </a:fontRef>
+        </p:style>
+        <p:txBody>
+          <a:bodyPr rtlCol="0" anchor="ctr"/>
+          <a:lstStyle/>
+          <a:p>
+            <a:pPr algn="ctr"/>
+            <a:endParaRPr lang="en-US"/>
+          </a:p>
+        </p:txBody>
+      </p:sp>
+      <p:sp>
+        <p:nvSpPr>
+          <p:cNvPr id="17" name="Rectangle 16">
+            <a:extLst>
+              <a:ext uri="{FF2B5EF4-FFF2-40B4-BE49-F238E27FC236}">
+                <a16:creationId xmlns:a16="http://schemas.microsoft.com/office/drawing/2014/main" id="{047C8CCB-F95D-4249-92DD-651249D3535A}"/>
+              </a:ext>
+              <a:ext uri="{C183D7F6-B498-43B3-948B-1728B52AA6E4}">
+                <adec:decorative xmlns:adec="http://schemas.microsoft.com/office/drawing/2017/decorative" val="1"/>
+              </a:ext>
+            </a:extLst>
+          </p:cNvPr>
+          <p:cNvSpPr>
+            <a:spLocks noGrp="1" noRot="1" noChangeAspect="1" noMove="1" noResize="1" noEditPoints="1" noAdjustHandles="1" noChangeArrowheads="1" noChangeShapeType="1" noTextEdit="1"/>
+          </p:cNvSpPr>
+          <p:nvPr>
+            <p:extLst>
+              <p:ext uri="{386F3935-93C4-4BCD-93E2-E3B085C9AB24}">
+                <p16:designElem xmlns:p16="http://schemas.microsoft.com/office/powerpoint/2015/main" val="1"/>
+              </p:ext>
+            </p:extLst>
+          </p:nvPr>
+        </p:nvSpPr>
+        <p:spPr>
+          <a:xfrm>
+            <a:off x="0" y="0"/>
+            <a:ext cx="2013557" cy="6858000"/>
+          </a:xfrm>
+          <a:prstGeom prst="rect">
+            <a:avLst/>
+          </a:prstGeom>
+          <a:solidFill>
+            <a:srgbClr val="542C39"/>
+          </a:solidFill>
+          <a:ln>
+            <a:noFill/>
+          </a:ln>
+        </p:spPr>
+        <p:style>
+          <a:lnRef idx="2">
+            <a:schemeClr val="accent1">
+              <a:shade val="50000"/>
+            </a:schemeClr>
+          </a:lnRef>
+          <a:fillRef idx="1">
+            <a:schemeClr val="accent1"/>
+          </a:fillRef>
+          <a:effectRef idx="0">
+            <a:schemeClr val="accent1"/>
+          </a:effectRef>
+          <a:fontRef idx="minor">
+            <a:schemeClr val="lt1"/>
+          </a:fontRef>
+        </p:style>
+        <p:txBody>
+          <a:bodyPr rtlCol="0" anchor="ctr"/>
+          <a:lstStyle/>
+          <a:p>
+            <a:pPr algn="ctr"/>
+            <a:endParaRPr lang="en-US"/>
+          </a:p>
+        </p:txBody>
+      </p:sp>
       <p:sp>
         <p:nvSpPr>
           <p:cNvPr id="23" name="Rectangle 22">
@@ -5031,7 +6511,7 @@
 </p:sld>
 </file>
 
-<file path=ppt/slides/slide11.xml><?xml version="1.0" encoding="utf-8"?>
+<file path=ppt/slides/slide13.xml><?xml version="1.0" encoding="utf-8"?>
 <p:sld xmlns:a="http://schemas.openxmlformats.org/drawingml/2006/main" xmlns:r="http://schemas.openxmlformats.org/officeDocument/2006/relationships" xmlns:p="http://schemas.openxmlformats.org/presentationml/2006/main">
   <p:cSld>
     <p:bg>
@@ -5556,7 +7036,7 @@
 </p:sld>
 </file>
 
-<file path=ppt/slides/slide12.xml><?xml version="1.0" encoding="utf-8"?>
+<file path=ppt/slides/slide14.xml><?xml version="1.0" encoding="utf-8"?>
 <p:sld xmlns:a="http://schemas.openxmlformats.org/drawingml/2006/main" xmlns:r="http://schemas.openxmlformats.org/officeDocument/2006/relationships" xmlns:p="http://schemas.openxmlformats.org/presentationml/2006/main">
   <p:cSld>
     <p:spTree>
@@ -8013,72 +9493,6 @@
           </a:p>
         </p:txBody>
       </p:sp>
-      <p:sp>
-        <p:nvSpPr>
-          <p:cNvPr id="6" name="Rectangle 5">
-            <a:extLst>
-              <a:ext uri="{FF2B5EF4-FFF2-40B4-BE49-F238E27FC236}">
-                <a16:creationId xmlns:a16="http://schemas.microsoft.com/office/drawing/2014/main" id="{1C7D7DF3-24AA-4CDC-B870-2D7A29CFC50A}"/>
-              </a:ext>
-            </a:extLst>
-          </p:cNvPr>
-          <p:cNvSpPr>
-            <a:spLocks noChangeAspect="1"/>
-          </p:cNvSpPr>
-          <p:nvPr/>
-        </p:nvSpPr>
-        <p:spPr>
-          <a:xfrm>
-            <a:off x="2941665" y="5052486"/>
-            <a:ext cx="4043260" cy="1938992"/>
-          </a:xfrm>
-          <a:prstGeom prst="rect">
-            <a:avLst/>
-          </a:prstGeom>
-        </p:spPr>
-        <p:txBody>
-          <a:bodyPr wrap="square">
-            <a:spAutoFit/>
-          </a:bodyPr>
-          <a:lstStyle/>
-          <a:p>
-            <a:pPr marL="285750" lvl="3" indent="-285750">
-              <a:buFont typeface="Arial" panose="020B0604020202020204" pitchFamily="34" charset="0"/>
-              <a:buChar char="•"/>
-            </a:pPr>
-            <a:r>
-              <a:rPr lang="en-US" sz="2000" dirty="0"/>
-              <a:t>The data exploration and cleanup process (accompanied by your </a:t>
-            </a:r>
-            <a:r>
-              <a:rPr lang="en-US" sz="2000" dirty="0" err="1"/>
-              <a:t>Jupyter</a:t>
-            </a:r>
-            <a:r>
-              <a:rPr lang="en-US" sz="2000" dirty="0"/>
-              <a:t> Notebook)</a:t>
-            </a:r>
-          </a:p>
-          <a:p>
-            <a:pPr marL="285750" lvl="3" indent="-285750">
-              <a:buFont typeface="Arial" panose="020B0604020202020204" pitchFamily="34" charset="0"/>
-              <a:buChar char="•"/>
-            </a:pPr>
-            <a:r>
-              <a:rPr lang="en-US" sz="2000" dirty="0"/>
-              <a:t>The analysis process (accompanied by your </a:t>
-            </a:r>
-            <a:r>
-              <a:rPr lang="en-US" sz="2000" dirty="0" err="1"/>
-              <a:t>Jupyter</a:t>
-            </a:r>
-            <a:r>
-              <a:rPr lang="en-US" sz="2000" dirty="0"/>
-              <a:t> Notebook)</a:t>
-            </a:r>
-          </a:p>
-        </p:txBody>
-      </p:sp>
       <p:pic>
         <p:nvPicPr>
           <p:cNvPr id="1026" name="Picture 2" descr="Image result for cloud icon">
@@ -8191,8 +9605,38 @@
         </p:blipFill>
         <p:spPr>
           <a:xfrm>
-            <a:off x="5914924" y="1259539"/>
+            <a:off x="5950823" y="996184"/>
             <a:ext cx="6059630" cy="2368772"/>
+          </a:xfrm>
+          <a:prstGeom prst="rect">
+            <a:avLst/>
+          </a:prstGeom>
+        </p:spPr>
+      </p:pic>
+      <p:pic>
+        <p:nvPicPr>
+          <p:cNvPr id="3" name="Picture 2">
+            <a:extLst>
+              <a:ext uri="{FF2B5EF4-FFF2-40B4-BE49-F238E27FC236}">
+                <a16:creationId xmlns:a16="http://schemas.microsoft.com/office/drawing/2014/main" id="{E71B2E66-4986-47C6-920C-C371D3510AB1}"/>
+              </a:ext>
+            </a:extLst>
+          </p:cNvPr>
+          <p:cNvPicPr>
+            <a:picLocks noChangeAspect="1"/>
+          </p:cNvPicPr>
+          <p:nvPr/>
+        </p:nvPicPr>
+        <p:blipFill>
+          <a:blip r:embed="rId4"/>
+          <a:stretch>
+            <a:fillRect/>
+          </a:stretch>
+        </p:blipFill>
+        <p:spPr>
+          <a:xfrm>
+            <a:off x="6023728" y="3429000"/>
+            <a:ext cx="3259436" cy="2900467"/>
           </a:xfrm>
           <a:prstGeom prst="rect">
             <a:avLst/>
@@ -9035,6 +10479,793 @@
       </p:sp>
       <p:sp>
         <p:nvSpPr>
+          <p:cNvPr id="14" name="Rectangle 13">
+            <a:extLst>
+              <a:ext uri="{FF2B5EF4-FFF2-40B4-BE49-F238E27FC236}">
+                <a16:creationId xmlns:a16="http://schemas.microsoft.com/office/drawing/2014/main" id="{33E5F303-EAC6-47BA-BC08-2AA48388F971}"/>
+              </a:ext>
+            </a:extLst>
+          </p:cNvPr>
+          <p:cNvSpPr/>
+          <p:nvPr/>
+        </p:nvSpPr>
+        <p:spPr>
+          <a:xfrm>
+            <a:off x="1006777" y="0"/>
+            <a:ext cx="1830655" cy="6858000"/>
+          </a:xfrm>
+          <a:prstGeom prst="rect">
+            <a:avLst/>
+          </a:prstGeom>
+          <a:solidFill>
+            <a:srgbClr val="7EA861"/>
+          </a:solidFill>
+          <a:ln>
+            <a:solidFill>
+              <a:srgbClr val="7EA861"/>
+            </a:solidFill>
+          </a:ln>
+        </p:spPr>
+        <p:style>
+          <a:lnRef idx="2">
+            <a:schemeClr val="accent1">
+              <a:shade val="50000"/>
+            </a:schemeClr>
+          </a:lnRef>
+          <a:fillRef idx="1">
+            <a:schemeClr val="accent1"/>
+          </a:fillRef>
+          <a:effectRef idx="0">
+            <a:schemeClr val="accent1"/>
+          </a:effectRef>
+          <a:fontRef idx="minor">
+            <a:schemeClr val="lt1"/>
+          </a:fontRef>
+        </p:style>
+        <p:txBody>
+          <a:bodyPr rtlCol="0" anchor="ctr"/>
+          <a:lstStyle/>
+          <a:p>
+            <a:pPr algn="ctr"/>
+            <a:endParaRPr lang="en-US"/>
+          </a:p>
+        </p:txBody>
+      </p:sp>
+      <p:sp>
+        <p:nvSpPr>
+          <p:cNvPr id="17" name="Rectangle 16">
+            <a:extLst>
+              <a:ext uri="{FF2B5EF4-FFF2-40B4-BE49-F238E27FC236}">
+                <a16:creationId xmlns:a16="http://schemas.microsoft.com/office/drawing/2014/main" id="{047C8CCB-F95D-4249-92DD-651249D3535A}"/>
+              </a:ext>
+              <a:ext uri="{C183D7F6-B498-43B3-948B-1728B52AA6E4}">
+                <adec:decorative xmlns:adec="http://schemas.microsoft.com/office/drawing/2017/decorative" val="1"/>
+              </a:ext>
+            </a:extLst>
+          </p:cNvPr>
+          <p:cNvSpPr>
+            <a:spLocks noGrp="1" noRot="1" noChangeAspect="1" noMove="1" noResize="1" noEditPoints="1" noAdjustHandles="1" noChangeArrowheads="1" noChangeShapeType="1" noTextEdit="1"/>
+          </p:cNvSpPr>
+          <p:nvPr>
+            <p:extLst>
+              <p:ext uri="{386F3935-93C4-4BCD-93E2-E3B085C9AB24}">
+                <p16:designElem xmlns:p16="http://schemas.microsoft.com/office/powerpoint/2015/main" val="1"/>
+              </p:ext>
+            </p:extLst>
+          </p:nvPr>
+        </p:nvSpPr>
+        <p:spPr>
+          <a:xfrm>
+            <a:off x="0" y="0"/>
+            <a:ext cx="2013557" cy="6858000"/>
+          </a:xfrm>
+          <a:prstGeom prst="rect">
+            <a:avLst/>
+          </a:prstGeom>
+          <a:solidFill>
+            <a:srgbClr val="542C39"/>
+          </a:solidFill>
+          <a:ln>
+            <a:noFill/>
+          </a:ln>
+        </p:spPr>
+        <p:style>
+          <a:lnRef idx="2">
+            <a:schemeClr val="accent1">
+              <a:shade val="50000"/>
+            </a:schemeClr>
+          </a:lnRef>
+          <a:fillRef idx="1">
+            <a:schemeClr val="accent1"/>
+          </a:fillRef>
+          <a:effectRef idx="0">
+            <a:schemeClr val="accent1"/>
+          </a:effectRef>
+          <a:fontRef idx="minor">
+            <a:schemeClr val="lt1"/>
+          </a:fontRef>
+        </p:style>
+        <p:txBody>
+          <a:bodyPr rtlCol="0" anchor="ctr"/>
+          <a:lstStyle/>
+          <a:p>
+            <a:pPr algn="ctr"/>
+            <a:endParaRPr lang="en-US"/>
+          </a:p>
+        </p:txBody>
+      </p:sp>
+      <p:sp>
+        <p:nvSpPr>
+          <p:cNvPr id="11" name="Rectangle 10">
+            <a:extLst>
+              <a:ext uri="{FF2B5EF4-FFF2-40B4-BE49-F238E27FC236}">
+                <a16:creationId xmlns:a16="http://schemas.microsoft.com/office/drawing/2014/main" id="{8FF6D1F6-BE0D-405C-9028-EC70AF75D232}"/>
+              </a:ext>
+            </a:extLst>
+          </p:cNvPr>
+          <p:cNvSpPr/>
+          <p:nvPr/>
+        </p:nvSpPr>
+        <p:spPr>
+          <a:xfrm>
+            <a:off x="-1" y="0"/>
+            <a:ext cx="2013557" cy="6858000"/>
+          </a:xfrm>
+          <a:prstGeom prst="rect">
+            <a:avLst/>
+          </a:prstGeom>
+          <a:solidFill>
+            <a:srgbClr val="262626"/>
+          </a:solidFill>
+        </p:spPr>
+        <p:style>
+          <a:lnRef idx="2">
+            <a:schemeClr val="accent1">
+              <a:shade val="50000"/>
+            </a:schemeClr>
+          </a:lnRef>
+          <a:fillRef idx="1">
+            <a:schemeClr val="accent1"/>
+          </a:fillRef>
+          <a:effectRef idx="0">
+            <a:schemeClr val="accent1"/>
+          </a:effectRef>
+          <a:fontRef idx="minor">
+            <a:schemeClr val="lt1"/>
+          </a:fontRef>
+        </p:style>
+        <p:txBody>
+          <a:bodyPr rtlCol="0" anchor="ctr"/>
+          <a:lstStyle/>
+          <a:p>
+            <a:pPr algn="ctr"/>
+            <a:endParaRPr lang="en-US"/>
+          </a:p>
+        </p:txBody>
+      </p:sp>
+      <p:sp>
+        <p:nvSpPr>
+          <p:cNvPr id="23" name="Rectangle 22">
+            <a:extLst>
+              <a:ext uri="{FF2B5EF4-FFF2-40B4-BE49-F238E27FC236}">
+                <a16:creationId xmlns:a16="http://schemas.microsoft.com/office/drawing/2014/main" id="{28403A2A-F5B0-4C1E-92F8-F68B4185D272}"/>
+              </a:ext>
+            </a:extLst>
+          </p:cNvPr>
+          <p:cNvSpPr/>
+          <p:nvPr/>
+        </p:nvSpPr>
+        <p:spPr>
+          <a:xfrm>
+            <a:off x="2499360" y="6541462"/>
+            <a:ext cx="9666205" cy="316538"/>
+          </a:xfrm>
+          <a:prstGeom prst="rect">
+            <a:avLst/>
+          </a:prstGeom>
+          <a:solidFill>
+            <a:srgbClr val="7EA861"/>
+          </a:solidFill>
+          <a:ln>
+            <a:solidFill>
+              <a:srgbClr val="7EA861"/>
+            </a:solidFill>
+          </a:ln>
+        </p:spPr>
+        <p:style>
+          <a:lnRef idx="2">
+            <a:schemeClr val="accent1">
+              <a:shade val="50000"/>
+            </a:schemeClr>
+          </a:lnRef>
+          <a:fillRef idx="1">
+            <a:schemeClr val="accent1"/>
+          </a:fillRef>
+          <a:effectRef idx="0">
+            <a:schemeClr val="accent1"/>
+          </a:effectRef>
+          <a:fontRef idx="minor">
+            <a:schemeClr val="lt1"/>
+          </a:fontRef>
+        </p:style>
+        <p:txBody>
+          <a:bodyPr rtlCol="0" anchor="ctr"/>
+          <a:lstStyle/>
+          <a:p>
+            <a:pPr algn="ctr"/>
+            <a:endParaRPr lang="en-US"/>
+          </a:p>
+        </p:txBody>
+      </p:sp>
+      <p:pic>
+        <p:nvPicPr>
+          <p:cNvPr id="8" name="Graphic 7">
+            <a:extLst>
+              <a:ext uri="{FF2B5EF4-FFF2-40B4-BE49-F238E27FC236}">
+                <a16:creationId xmlns:a16="http://schemas.microsoft.com/office/drawing/2014/main" id="{DBFC207F-9F95-4B47-B561-FA585005A74A}"/>
+              </a:ext>
+            </a:extLst>
+          </p:cNvPr>
+          <p:cNvPicPr>
+            <a:picLocks noChangeAspect="1"/>
+          </p:cNvPicPr>
+          <p:nvPr/>
+        </p:nvPicPr>
+        <p:blipFill>
+          <a:blip r:embed="rId2">
+            <a:extLst>
+              <a:ext uri="{96DAC541-7B7A-43D3-8B79-37D633B846F1}">
+                <asvg:svgBlip xmlns:asvg="http://schemas.microsoft.com/office/drawing/2016/SVG/main" r:embed="rId3"/>
+              </a:ext>
+            </a:extLst>
+          </a:blip>
+          <a:stretch>
+            <a:fillRect/>
+          </a:stretch>
+        </p:blipFill>
+        <p:spPr>
+          <a:xfrm>
+            <a:off x="2968316" y="1691857"/>
+            <a:ext cx="3457884" cy="1258669"/>
+          </a:xfrm>
+          <a:prstGeom prst="rect">
+            <a:avLst/>
+          </a:prstGeom>
+        </p:spPr>
+      </p:pic>
+      <p:sp>
+        <p:nvSpPr>
+          <p:cNvPr id="9" name="TextBox 8">
+            <a:extLst>
+              <a:ext uri="{FF2B5EF4-FFF2-40B4-BE49-F238E27FC236}">
+                <a16:creationId xmlns:a16="http://schemas.microsoft.com/office/drawing/2014/main" id="{CE335163-405F-40F2-9D3D-CF98CF983DF9}"/>
+              </a:ext>
+            </a:extLst>
+          </p:cNvPr>
+          <p:cNvSpPr txBox="1"/>
+          <p:nvPr/>
+        </p:nvSpPr>
+        <p:spPr>
+          <a:xfrm>
+            <a:off x="3127107" y="3066549"/>
+            <a:ext cx="3669957" cy="1077218"/>
+          </a:xfrm>
+          <a:prstGeom prst="rect">
+            <a:avLst/>
+          </a:prstGeom>
+          <a:noFill/>
+        </p:spPr>
+        <p:txBody>
+          <a:bodyPr wrap="square" rtlCol="0">
+            <a:spAutoFit/>
+          </a:bodyPr>
+          <a:lstStyle/>
+          <a:p>
+            <a:r>
+              <a:rPr lang="en-US" b="1" dirty="0">
+                <a:solidFill>
+                  <a:schemeClr val="accent6">
+                    <a:lumMod val="75000"/>
+                  </a:schemeClr>
+                </a:solidFill>
+              </a:rPr>
+              <a:t>relative mean absolute difference</a:t>
+            </a:r>
+          </a:p>
+          <a:p>
+            <a:r>
+              <a:rPr lang="en-US" sz="1400" dirty="0"/>
+              <a:t>which is mathematically equivalent to the Lorenz curve definition</a:t>
+            </a:r>
+          </a:p>
+          <a:p>
+            <a:endParaRPr lang="en-US" dirty="0"/>
+          </a:p>
+        </p:txBody>
+      </p:sp>
+      <p:pic>
+        <p:nvPicPr>
+          <p:cNvPr id="10" name="Picture 9" descr="A close up of a knife&#10;&#10;Description automatically generated">
+            <a:extLst>
+              <a:ext uri="{FF2B5EF4-FFF2-40B4-BE49-F238E27FC236}">
+                <a16:creationId xmlns:a16="http://schemas.microsoft.com/office/drawing/2014/main" id="{FCC40411-337D-458D-9B3D-E88EBD257669}"/>
+              </a:ext>
+            </a:extLst>
+          </p:cNvPr>
+          <p:cNvPicPr>
+            <a:picLocks noChangeAspect="1"/>
+          </p:cNvPicPr>
+          <p:nvPr/>
+        </p:nvPicPr>
+        <p:blipFill>
+          <a:blip r:embed="rId4">
+            <a:duotone>
+              <a:schemeClr val="accent6">
+                <a:shade val="45000"/>
+                <a:satMod val="135000"/>
+              </a:schemeClr>
+              <a:prstClr val="white"/>
+            </a:duotone>
+          </a:blip>
+          <a:stretch>
+            <a:fillRect/>
+          </a:stretch>
+        </p:blipFill>
+        <p:spPr>
+          <a:xfrm>
+            <a:off x="7054524" y="1243338"/>
+            <a:ext cx="5111041" cy="5111041"/>
+          </a:xfrm>
+          <a:prstGeom prst="rect">
+            <a:avLst/>
+          </a:prstGeom>
+        </p:spPr>
+      </p:pic>
+      <p:sp>
+        <p:nvSpPr>
+          <p:cNvPr id="12" name="Subtitle 2">
+            <a:extLst>
+              <a:ext uri="{FF2B5EF4-FFF2-40B4-BE49-F238E27FC236}">
+                <a16:creationId xmlns:a16="http://schemas.microsoft.com/office/drawing/2014/main" id="{2C713AD6-EF9C-4F34-8470-883D14E40341}"/>
+              </a:ext>
+            </a:extLst>
+          </p:cNvPr>
+          <p:cNvSpPr txBox="1">
+            <a:spLocks/>
+          </p:cNvSpPr>
+          <p:nvPr/>
+        </p:nvSpPr>
+        <p:spPr>
+          <a:xfrm>
+            <a:off x="2499360" y="837717"/>
+            <a:ext cx="2867688" cy="695557"/>
+          </a:xfrm>
+          <a:prstGeom prst="rect">
+            <a:avLst/>
+          </a:prstGeom>
+        </p:spPr>
+        <p:txBody>
+          <a:bodyPr vert="horz" lIns="91440" tIns="45720" rIns="91440" bIns="45720" rtlCol="0" anchor="b">
+            <a:normAutofit/>
+          </a:bodyPr>
+          <a:lstStyle>
+            <a:lvl1pPr marL="0" indent="0" algn="l" defTabSz="914400" rtl="0" eaLnBrk="1" latinLnBrk="0" hangingPunct="1">
+              <a:lnSpc>
+                <a:spcPct val="90000"/>
+              </a:lnSpc>
+              <a:spcBef>
+                <a:spcPts val="1000"/>
+              </a:spcBef>
+              <a:buFont typeface="Arial" panose="020B0604020202020204" pitchFamily="34" charset="0"/>
+              <a:buNone/>
+              <a:defRPr sz="2400" b="1" kern="1200">
+                <a:solidFill>
+                  <a:schemeClr val="tx1"/>
+                </a:solidFill>
+                <a:latin typeface="+mn-lt"/>
+                <a:ea typeface="+mn-ea"/>
+                <a:cs typeface="+mn-cs"/>
+              </a:defRPr>
+            </a:lvl1pPr>
+            <a:lvl2pPr marL="457200" indent="0" algn="l" defTabSz="914400" rtl="0" eaLnBrk="1" latinLnBrk="0" hangingPunct="1">
+              <a:lnSpc>
+                <a:spcPct val="90000"/>
+              </a:lnSpc>
+              <a:spcBef>
+                <a:spcPts val="500"/>
+              </a:spcBef>
+              <a:buFont typeface="Arial" panose="020B0604020202020204" pitchFamily="34" charset="0"/>
+              <a:buNone/>
+              <a:defRPr sz="2000" b="1" kern="1200">
+                <a:solidFill>
+                  <a:schemeClr val="tx1"/>
+                </a:solidFill>
+                <a:latin typeface="+mn-lt"/>
+                <a:ea typeface="+mn-ea"/>
+                <a:cs typeface="+mn-cs"/>
+              </a:defRPr>
+            </a:lvl2pPr>
+            <a:lvl3pPr marL="914400" indent="0" algn="l" defTabSz="914400" rtl="0" eaLnBrk="1" latinLnBrk="0" hangingPunct="1">
+              <a:lnSpc>
+                <a:spcPct val="90000"/>
+              </a:lnSpc>
+              <a:spcBef>
+                <a:spcPts val="500"/>
+              </a:spcBef>
+              <a:buFont typeface="Arial" panose="020B0604020202020204" pitchFamily="34" charset="0"/>
+              <a:buNone/>
+              <a:defRPr sz="1800" b="1" kern="1200">
+                <a:solidFill>
+                  <a:schemeClr val="tx1"/>
+                </a:solidFill>
+                <a:latin typeface="+mn-lt"/>
+                <a:ea typeface="+mn-ea"/>
+                <a:cs typeface="+mn-cs"/>
+              </a:defRPr>
+            </a:lvl3pPr>
+            <a:lvl4pPr marL="1371600" indent="0" algn="l" defTabSz="914400" rtl="0" eaLnBrk="1" latinLnBrk="0" hangingPunct="1">
+              <a:lnSpc>
+                <a:spcPct val="90000"/>
+              </a:lnSpc>
+              <a:spcBef>
+                <a:spcPts val="500"/>
+              </a:spcBef>
+              <a:buFont typeface="Arial" panose="020B0604020202020204" pitchFamily="34" charset="0"/>
+              <a:buNone/>
+              <a:defRPr sz="1600" b="1" kern="1200">
+                <a:solidFill>
+                  <a:schemeClr val="tx1"/>
+                </a:solidFill>
+                <a:latin typeface="+mn-lt"/>
+                <a:ea typeface="+mn-ea"/>
+                <a:cs typeface="+mn-cs"/>
+              </a:defRPr>
+            </a:lvl4pPr>
+            <a:lvl5pPr marL="1828800" indent="0" algn="l" defTabSz="914400" rtl="0" eaLnBrk="1" latinLnBrk="0" hangingPunct="1">
+              <a:lnSpc>
+                <a:spcPct val="90000"/>
+              </a:lnSpc>
+              <a:spcBef>
+                <a:spcPts val="500"/>
+              </a:spcBef>
+              <a:buFont typeface="Arial" panose="020B0604020202020204" pitchFamily="34" charset="0"/>
+              <a:buNone/>
+              <a:defRPr sz="1600" b="1" kern="1200">
+                <a:solidFill>
+                  <a:schemeClr val="tx1"/>
+                </a:solidFill>
+                <a:latin typeface="+mn-lt"/>
+                <a:ea typeface="+mn-ea"/>
+                <a:cs typeface="+mn-cs"/>
+              </a:defRPr>
+            </a:lvl5pPr>
+            <a:lvl6pPr marL="2286000" indent="0" algn="l" defTabSz="914400" rtl="0" eaLnBrk="1" latinLnBrk="0" hangingPunct="1">
+              <a:lnSpc>
+                <a:spcPct val="90000"/>
+              </a:lnSpc>
+              <a:spcBef>
+                <a:spcPts val="500"/>
+              </a:spcBef>
+              <a:buFont typeface="Arial" panose="020B0604020202020204" pitchFamily="34" charset="0"/>
+              <a:buNone/>
+              <a:defRPr sz="1600" b="1" kern="1200">
+                <a:solidFill>
+                  <a:schemeClr val="tx1"/>
+                </a:solidFill>
+                <a:latin typeface="+mn-lt"/>
+                <a:ea typeface="+mn-ea"/>
+                <a:cs typeface="+mn-cs"/>
+              </a:defRPr>
+            </a:lvl6pPr>
+            <a:lvl7pPr marL="2743200" indent="0" algn="l" defTabSz="914400" rtl="0" eaLnBrk="1" latinLnBrk="0" hangingPunct="1">
+              <a:lnSpc>
+                <a:spcPct val="90000"/>
+              </a:lnSpc>
+              <a:spcBef>
+                <a:spcPts val="500"/>
+              </a:spcBef>
+              <a:buFont typeface="Arial" panose="020B0604020202020204" pitchFamily="34" charset="0"/>
+              <a:buNone/>
+              <a:defRPr sz="1600" b="1" kern="1200">
+                <a:solidFill>
+                  <a:schemeClr val="tx1"/>
+                </a:solidFill>
+                <a:latin typeface="+mn-lt"/>
+                <a:ea typeface="+mn-ea"/>
+                <a:cs typeface="+mn-cs"/>
+              </a:defRPr>
+            </a:lvl7pPr>
+            <a:lvl8pPr marL="3200400" indent="0" algn="l" defTabSz="914400" rtl="0" eaLnBrk="1" latinLnBrk="0" hangingPunct="1">
+              <a:lnSpc>
+                <a:spcPct val="90000"/>
+              </a:lnSpc>
+              <a:spcBef>
+                <a:spcPts val="500"/>
+              </a:spcBef>
+              <a:buFont typeface="Arial" panose="020B0604020202020204" pitchFamily="34" charset="0"/>
+              <a:buNone/>
+              <a:defRPr sz="1600" b="1" kern="1200">
+                <a:solidFill>
+                  <a:schemeClr val="tx1"/>
+                </a:solidFill>
+                <a:latin typeface="+mn-lt"/>
+                <a:ea typeface="+mn-ea"/>
+                <a:cs typeface="+mn-cs"/>
+              </a:defRPr>
+            </a:lvl8pPr>
+            <a:lvl9pPr marL="3657600" indent="0" algn="l" defTabSz="914400" rtl="0" eaLnBrk="1" latinLnBrk="0" hangingPunct="1">
+              <a:lnSpc>
+                <a:spcPct val="90000"/>
+              </a:lnSpc>
+              <a:spcBef>
+                <a:spcPts val="500"/>
+              </a:spcBef>
+              <a:buFont typeface="Arial" panose="020B0604020202020204" pitchFamily="34" charset="0"/>
+              <a:buNone/>
+              <a:defRPr sz="1600" b="1" kern="1200">
+                <a:solidFill>
+                  <a:schemeClr val="tx1"/>
+                </a:solidFill>
+                <a:latin typeface="+mn-lt"/>
+                <a:ea typeface="+mn-ea"/>
+                <a:cs typeface="+mn-cs"/>
+              </a:defRPr>
+            </a:lvl9pPr>
+          </a:lstStyle>
+          <a:p>
+            <a:pPr algn="r"/>
+            <a:r>
+              <a:rPr lang="en-US" sz="2200" dirty="0"/>
+              <a:t>The Gini Coefficient</a:t>
+            </a:r>
+            <a:endParaRPr lang="en-US" sz="2200" dirty="0">
+              <a:solidFill>
+                <a:srgbClr val="000000"/>
+              </a:solidFill>
+            </a:endParaRPr>
+          </a:p>
+        </p:txBody>
+      </p:sp>
+      <p:sp>
+        <p:nvSpPr>
+          <p:cNvPr id="13" name="TextBox 12">
+            <a:extLst>
+              <a:ext uri="{FF2B5EF4-FFF2-40B4-BE49-F238E27FC236}">
+                <a16:creationId xmlns:a16="http://schemas.microsoft.com/office/drawing/2014/main" id="{62FFA060-329C-4A11-AA1F-72AB8581F143}"/>
+              </a:ext>
+            </a:extLst>
+          </p:cNvPr>
+          <p:cNvSpPr txBox="1"/>
+          <p:nvPr/>
+        </p:nvSpPr>
+        <p:spPr>
+          <a:xfrm>
+            <a:off x="3127107" y="4173515"/>
+            <a:ext cx="3954560" cy="2031325"/>
+          </a:xfrm>
+          <a:prstGeom prst="rect">
+            <a:avLst/>
+          </a:prstGeom>
+          <a:noFill/>
+        </p:spPr>
+        <p:txBody>
+          <a:bodyPr wrap="square" rtlCol="0">
+            <a:spAutoFit/>
+          </a:bodyPr>
+          <a:lstStyle/>
+          <a:p>
+            <a:r>
+              <a:rPr lang="en-US" dirty="0"/>
+              <a:t>A single number aimed at measuring the degree of inequality in a distribution. It is most often used in economics to measure how far a country's wealth or income distribution deviates from a totally equal distribution</a:t>
+            </a:r>
+          </a:p>
+        </p:txBody>
+      </p:sp>
+      <p:sp>
+        <p:nvSpPr>
+          <p:cNvPr id="16" name="Rectangle 15">
+            <a:extLst>
+              <a:ext uri="{FF2B5EF4-FFF2-40B4-BE49-F238E27FC236}">
+                <a16:creationId xmlns:a16="http://schemas.microsoft.com/office/drawing/2014/main" id="{177093B0-C47F-46BD-97AF-50F2A5FFE834}"/>
+              </a:ext>
+            </a:extLst>
+          </p:cNvPr>
+          <p:cNvSpPr/>
+          <p:nvPr/>
+        </p:nvSpPr>
+        <p:spPr>
+          <a:xfrm>
+            <a:off x="2876370" y="188969"/>
+            <a:ext cx="4768998" cy="461665"/>
+          </a:xfrm>
+          <a:prstGeom prst="rect">
+            <a:avLst/>
+          </a:prstGeom>
+        </p:spPr>
+        <p:txBody>
+          <a:bodyPr wrap="none">
+            <a:spAutoFit/>
+          </a:bodyPr>
+          <a:lstStyle/>
+          <a:p>
+            <a:r>
+              <a:rPr lang="en-US" sz="2400" b="1" dirty="0">
+                <a:solidFill>
+                  <a:srgbClr val="002060"/>
+                </a:solidFill>
+              </a:rPr>
+              <a:t>Data Exploration: Happiness Factors</a:t>
+            </a:r>
+          </a:p>
+        </p:txBody>
+      </p:sp>
+      <p:pic>
+        <p:nvPicPr>
+          <p:cNvPr id="19" name="Picture 18">
+            <a:extLst>
+              <a:ext uri="{FF2B5EF4-FFF2-40B4-BE49-F238E27FC236}">
+                <a16:creationId xmlns:a16="http://schemas.microsoft.com/office/drawing/2014/main" id="{78C9E4AE-9E62-4D4C-90F3-7E7C809A3779}"/>
+              </a:ext>
+            </a:extLst>
+          </p:cNvPr>
+          <p:cNvPicPr>
+            <a:picLocks noChangeAspect="1"/>
+          </p:cNvPicPr>
+          <p:nvPr/>
+        </p:nvPicPr>
+        <p:blipFill>
+          <a:blip r:embed="rId5"/>
+          <a:stretch>
+            <a:fillRect/>
+          </a:stretch>
+        </p:blipFill>
+        <p:spPr>
+          <a:xfrm>
+            <a:off x="7684306" y="103682"/>
+            <a:ext cx="693284" cy="609249"/>
+          </a:xfrm>
+          <a:prstGeom prst="rect">
+            <a:avLst/>
+          </a:prstGeom>
+        </p:spPr>
+      </p:pic>
+      <p:sp>
+        <p:nvSpPr>
+          <p:cNvPr id="20" name="Rectangle 19">
+            <a:extLst>
+              <a:ext uri="{FF2B5EF4-FFF2-40B4-BE49-F238E27FC236}">
+                <a16:creationId xmlns:a16="http://schemas.microsoft.com/office/drawing/2014/main" id="{58C79B57-E5FD-440B-9767-F51524A11683}"/>
+              </a:ext>
+            </a:extLst>
+          </p:cNvPr>
+          <p:cNvSpPr/>
+          <p:nvPr/>
+        </p:nvSpPr>
+        <p:spPr>
+          <a:xfrm>
+            <a:off x="8436455" y="194717"/>
+            <a:ext cx="3015505" cy="369332"/>
+          </a:xfrm>
+          <a:prstGeom prst="rect">
+            <a:avLst/>
+          </a:prstGeom>
+        </p:spPr>
+        <p:txBody>
+          <a:bodyPr wrap="none">
+            <a:spAutoFit/>
+          </a:bodyPr>
+          <a:lstStyle/>
+          <a:p>
+            <a:r>
+              <a:rPr lang="en-US" dirty="0"/>
+              <a:t>UN World Happiness Rankings</a:t>
+            </a:r>
+          </a:p>
+        </p:txBody>
+      </p:sp>
+    </p:spTree>
+    <p:extLst>
+      <p:ext uri="{BB962C8B-B14F-4D97-AF65-F5344CB8AC3E}">
+        <p14:creationId xmlns:p14="http://schemas.microsoft.com/office/powerpoint/2010/main" val="1999621410"/>
+      </p:ext>
+    </p:extLst>
+  </p:cSld>
+  <p:clrMapOvr>
+    <a:masterClrMapping/>
+  </p:clrMapOvr>
+</p:sld>
+</file>
+
+<file path=ppt/slides/slide7.xml><?xml version="1.0" encoding="utf-8"?>
+<p:sld xmlns:a="http://schemas.openxmlformats.org/drawingml/2006/main" xmlns:r="http://schemas.openxmlformats.org/officeDocument/2006/relationships" xmlns:p="http://schemas.openxmlformats.org/presentationml/2006/main">
+  <p:cSld>
+    <p:bg>
+      <p:bgPr>
+        <a:solidFill>
+          <a:srgbClr val="542C39"/>
+        </a:solidFill>
+        <a:effectLst/>
+      </p:bgPr>
+    </p:bg>
+    <p:spTree>
+      <p:nvGrpSpPr>
+        <p:cNvPr id="1" name=""/>
+        <p:cNvGrpSpPr/>
+        <p:nvPr/>
+      </p:nvGrpSpPr>
+      <p:grpSpPr>
+        <a:xfrm>
+          <a:off x="0" y="0"/>
+          <a:ext cx="0" cy="0"/>
+          <a:chOff x="0" y="0"/>
+          <a:chExt cx="0" cy="0"/>
+        </a:xfrm>
+      </p:grpSpPr>
+      <p:sp>
+        <p:nvSpPr>
+          <p:cNvPr id="18" name="Rectangle 14">
+            <a:extLst>
+              <a:ext uri="{FF2B5EF4-FFF2-40B4-BE49-F238E27FC236}">
+                <a16:creationId xmlns:a16="http://schemas.microsoft.com/office/drawing/2014/main" id="{6753252F-4873-4F63-801D-CC719279A7D5}"/>
+              </a:ext>
+              <a:ext uri="{C183D7F6-B498-43B3-948B-1728B52AA6E4}">
+                <adec:decorative xmlns:adec="http://schemas.microsoft.com/office/drawing/2017/decorative" val="1"/>
+              </a:ext>
+            </a:extLst>
+          </p:cNvPr>
+          <p:cNvSpPr>
+            <a:spLocks noGrp="1" noRot="1" noChangeAspect="1" noMove="1" noResize="1" noEditPoints="1" noAdjustHandles="1" noChangeArrowheads="1" noChangeShapeType="1" noTextEdit="1"/>
+          </p:cNvSpPr>
+          <p:nvPr>
+            <p:extLst>
+              <p:ext uri="{386F3935-93C4-4BCD-93E2-E3B085C9AB24}">
+                <p16:designElem xmlns:p16="http://schemas.microsoft.com/office/powerpoint/2015/main" val="1"/>
+              </p:ext>
+            </p:extLst>
+          </p:nvPr>
+        </p:nvSpPr>
+        <p:spPr>
+          <a:xfrm>
+            <a:off x="0" y="0"/>
+            <a:ext cx="12192000" cy="6858000"/>
+          </a:xfrm>
+          <a:prstGeom prst="rect">
+            <a:avLst/>
+          </a:prstGeom>
+          <a:solidFill>
+            <a:srgbClr val="FFFFFF"/>
+          </a:solidFill>
+          <a:ln>
+            <a:noFill/>
+          </a:ln>
+        </p:spPr>
+        <p:style>
+          <a:lnRef idx="2">
+            <a:schemeClr val="accent1">
+              <a:shade val="50000"/>
+            </a:schemeClr>
+          </a:lnRef>
+          <a:fillRef idx="1">
+            <a:schemeClr val="accent1"/>
+          </a:fillRef>
+          <a:effectRef idx="0">
+            <a:schemeClr val="accent1"/>
+          </a:effectRef>
+          <a:fontRef idx="minor">
+            <a:schemeClr val="lt1"/>
+          </a:fontRef>
+        </p:style>
+        <p:txBody>
+          <a:bodyPr rtlCol="0" anchor="ctr"/>
+          <a:lstStyle/>
+          <a:p>
+            <a:pPr algn="ctr"/>
+            <a:endParaRPr lang="en-US"/>
+          </a:p>
+        </p:txBody>
+      </p:sp>
+      <p:sp>
+        <p:nvSpPr>
           <p:cNvPr id="17" name="Rectangle 16">
             <a:extLst>
               <a:ext uri="{FF2B5EF4-FFF2-40B4-BE49-F238E27FC236}">
@@ -9591,7 +11822,7 @@
 </p:sld>
 </file>
 
-<file path=ppt/slides/slide7.xml><?xml version="1.0" encoding="utf-8"?>
+<file path=ppt/slides/slide8.xml><?xml version="1.0" encoding="utf-8"?>
 <p:sld xmlns:a="http://schemas.openxmlformats.org/drawingml/2006/main" xmlns:r="http://schemas.openxmlformats.org/officeDocument/2006/relationships" xmlns:p="http://schemas.openxmlformats.org/presentationml/2006/main">
   <p:cSld>
     <p:bg>
@@ -9934,7 +12165,7 @@
         </p:nvSpPr>
         <p:spPr>
           <a:xfrm>
-            <a:off x="2928872" y="848926"/>
+            <a:off x="2854005" y="664260"/>
             <a:ext cx="6593224" cy="369332"/>
           </a:xfrm>
           <a:prstGeom prst="rect">
@@ -9964,70 +12195,6 @@
       </p:sp>
       <p:sp>
         <p:nvSpPr>
-          <p:cNvPr id="3" name="Rectangle 2">
-            <a:extLst>
-              <a:ext uri="{FF2B5EF4-FFF2-40B4-BE49-F238E27FC236}">
-                <a16:creationId xmlns:a16="http://schemas.microsoft.com/office/drawing/2014/main" id="{69480590-2FF0-4D28-B943-D29C7874E490}"/>
-              </a:ext>
-            </a:extLst>
-          </p:cNvPr>
-          <p:cNvSpPr/>
-          <p:nvPr/>
-        </p:nvSpPr>
-        <p:spPr>
-          <a:xfrm>
-            <a:off x="5519635" y="1405508"/>
-            <a:ext cx="6096000" cy="1323439"/>
-          </a:xfrm>
-          <a:prstGeom prst="rect">
-            <a:avLst/>
-          </a:prstGeom>
-        </p:spPr>
-        <p:txBody>
-          <a:bodyPr>
-            <a:spAutoFit/>
-          </a:bodyPr>
-          <a:lstStyle/>
-          <a:p>
-            <a:pPr marL="285750" lvl="3" indent="-285750">
-              <a:buFont typeface="Arial" panose="020B0604020202020204" pitchFamily="34" charset="0"/>
-              <a:buChar char="•"/>
-            </a:pPr>
-            <a:r>
-              <a:rPr lang="en-US" sz="2000" dirty="0"/>
-              <a:t>The data exploration and cleanup process (accompanied by your </a:t>
-            </a:r>
-            <a:r>
-              <a:rPr lang="en-US" sz="2000" dirty="0" err="1"/>
-              <a:t>Jupyter</a:t>
-            </a:r>
-            <a:r>
-              <a:rPr lang="en-US" sz="2000" dirty="0"/>
-              <a:t> Notebook)</a:t>
-            </a:r>
-          </a:p>
-          <a:p>
-            <a:pPr marL="285750" lvl="3" indent="-285750">
-              <a:buFont typeface="Arial" panose="020B0604020202020204" pitchFamily="34" charset="0"/>
-              <a:buChar char="•"/>
-            </a:pPr>
-            <a:r>
-              <a:rPr lang="en-US" sz="2000" dirty="0"/>
-              <a:t>The analysis process (accompanied by your </a:t>
-            </a:r>
-            <a:r>
-              <a:rPr lang="en-US" sz="2000" dirty="0" err="1"/>
-              <a:t>Jupyter</a:t>
-            </a:r>
-            <a:r>
-              <a:rPr lang="en-US" sz="2000" dirty="0"/>
-              <a:t> Notebook)</a:t>
-            </a:r>
-          </a:p>
-        </p:txBody>
-      </p:sp>
-      <p:sp>
-        <p:nvSpPr>
           <p:cNvPr id="20" name="Subtitle 2">
             <a:extLst>
               <a:ext uri="{FF2B5EF4-FFF2-40B4-BE49-F238E27FC236}">
@@ -10042,8 +12209,8 @@
         </p:nvSpPr>
         <p:spPr>
           <a:xfrm>
-            <a:off x="1778000" y="20859"/>
-            <a:ext cx="8236968" cy="838831"/>
+            <a:off x="2668588" y="-40496"/>
+            <a:ext cx="4033870" cy="838831"/>
           </a:xfrm>
           <a:prstGeom prst="rect">
             <a:avLst/>
@@ -10220,10 +12387,10 @@
           <a:p>
             <a:pPr algn="r"/>
             <a:r>
-              <a:rPr lang="en-US" sz="3600" dirty="0"/>
-              <a:t>Data Exploration &amp; Clean-up Process</a:t>
+              <a:rPr lang="en-US" sz="4000" dirty="0"/>
+              <a:t>A Deep Data Dive</a:t>
             </a:r>
-            <a:endParaRPr lang="en-US" sz="3600" dirty="0">
+            <a:endParaRPr lang="en-US" sz="4000" dirty="0">
               <a:solidFill>
                 <a:srgbClr val="000000"/>
               </a:solidFill>
@@ -10236,7 +12403,7 @@
           <p:cNvPr id="4" name="Rectangle 3">
             <a:extLst>
               <a:ext uri="{FF2B5EF4-FFF2-40B4-BE49-F238E27FC236}">
-                <a16:creationId xmlns:a16="http://schemas.microsoft.com/office/drawing/2014/main" id="{A7A3A4F4-CC49-41CD-8A92-003B16BA2A95}"/>
+                <a16:creationId xmlns:a16="http://schemas.microsoft.com/office/drawing/2014/main" id="{465AA7FF-9D7F-4763-BA9C-3E0486BFA425}"/>
               </a:ext>
             </a:extLst>
           </p:cNvPr>
@@ -10245,944 +12412,368 @@
         </p:nvSpPr>
         <p:spPr>
           <a:xfrm>
-            <a:off x="3642840" y="3091781"/>
-            <a:ext cx="6096000" cy="1938992"/>
+            <a:off x="2897064" y="1074088"/>
+            <a:ext cx="2928943" cy="461665"/>
           </a:xfrm>
           <a:prstGeom prst="rect">
             <a:avLst/>
           </a:prstGeom>
         </p:spPr>
         <p:txBody>
-          <a:bodyPr>
+          <a:bodyPr wrap="none">
             <a:spAutoFit/>
           </a:bodyPr>
           <a:lstStyle/>
           <a:p>
-            <a:pPr marL="285750" lvl="3" indent="-285750">
-              <a:buFont typeface="Arial" panose="020B0604020202020204" pitchFamily="34" charset="0"/>
-              <a:buChar char="•"/>
-            </a:pPr>
             <a:r>
-              <a:rPr lang="en-US" sz="2000" dirty="0"/>
-              <a:t>Your conclusions. This should include a numerical summary as well as visualizations of that summary</a:t>
+              <a:rPr lang="en-US" sz="2400" b="1" dirty="0">
+                <a:solidFill>
+                  <a:srgbClr val="002060"/>
+                </a:solidFill>
+              </a:rPr>
+              <a:t>Data Cleanup Process</a:t>
             </a:r>
           </a:p>
-          <a:p>
-            <a:pPr marL="285750" lvl="3" indent="-285750">
-              <a:buFont typeface="Arial" panose="020B0604020202020204" pitchFamily="34" charset="0"/>
-              <a:buChar char="•"/>
-            </a:pPr>
-            <a:r>
-              <a:rPr lang="en-US" sz="2000" dirty="0"/>
-              <a:t>Discuss the implications of your findings. This is where you get to have an open-ended discussion about what your findings "mean</a:t>
-            </a:r>
-          </a:p>
-          <a:p>
-            <a:pPr marL="285750" lvl="3" indent="-285750">
-              <a:buFont typeface="Arial" panose="020B0604020202020204" pitchFamily="34" charset="0"/>
-              <a:buChar char="•"/>
-            </a:pPr>
-            <a:r>
-              <a:rPr lang="en-US" sz="2000" dirty="0"/>
-              <a:t>Q&amp;A session to follow your presentation</a:t>
-            </a:r>
-          </a:p>
-        </p:txBody>
-      </p:sp>
-    </p:spTree>
-    <p:extLst>
-      <p:ext uri="{BB962C8B-B14F-4D97-AF65-F5344CB8AC3E}">
-        <p14:creationId xmlns:p14="http://schemas.microsoft.com/office/powerpoint/2010/main" val="653423298"/>
-      </p:ext>
-    </p:extLst>
-  </p:cSld>
-  <p:clrMapOvr>
-    <a:masterClrMapping/>
-  </p:clrMapOvr>
-</p:sld>
-</file>
-
-<file path=ppt/slides/slide8.xml><?xml version="1.0" encoding="utf-8"?>
-<p:sld xmlns:a="http://schemas.openxmlformats.org/drawingml/2006/main" xmlns:r="http://schemas.openxmlformats.org/officeDocument/2006/relationships" xmlns:p="http://schemas.openxmlformats.org/presentationml/2006/main">
-  <p:cSld>
-    <p:bg>
-      <p:bgPr>
-        <a:solidFill>
-          <a:srgbClr val="542C39"/>
-        </a:solidFill>
-        <a:effectLst/>
-      </p:bgPr>
-    </p:bg>
-    <p:spTree>
-      <p:nvGrpSpPr>
-        <p:cNvPr id="1" name=""/>
-        <p:cNvGrpSpPr/>
-        <p:nvPr/>
-      </p:nvGrpSpPr>
-      <p:grpSpPr>
-        <a:xfrm>
-          <a:off x="0" y="0"/>
-          <a:ext cx="0" cy="0"/>
-          <a:chOff x="0" y="0"/>
-          <a:chExt cx="0" cy="0"/>
-        </a:xfrm>
-      </p:grpSpPr>
-      <p:sp>
-        <p:nvSpPr>
-          <p:cNvPr id="18" name="Rectangle 14">
-            <a:extLst>
-              <a:ext uri="{FF2B5EF4-FFF2-40B4-BE49-F238E27FC236}">
-                <a16:creationId xmlns:a16="http://schemas.microsoft.com/office/drawing/2014/main" id="{6753252F-4873-4F63-801D-CC719279A7D5}"/>
-              </a:ext>
-              <a:ext uri="{C183D7F6-B498-43B3-948B-1728B52AA6E4}">
-                <adec:decorative xmlns:adec="http://schemas.microsoft.com/office/drawing/2017/decorative" val="1"/>
-              </a:ext>
-            </a:extLst>
-          </p:cNvPr>
-          <p:cNvSpPr>
-            <a:spLocks noGrp="1" noRot="1" noChangeAspect="1" noMove="1" noResize="1" noEditPoints="1" noAdjustHandles="1" noChangeArrowheads="1" noChangeShapeType="1" noTextEdit="1"/>
-          </p:cNvSpPr>
-          <p:nvPr>
-            <p:extLst>
-              <p:ext uri="{386F3935-93C4-4BCD-93E2-E3B085C9AB24}">
-                <p16:designElem xmlns:p16="http://schemas.microsoft.com/office/powerpoint/2015/main" val="1"/>
-              </p:ext>
-            </p:extLst>
-          </p:nvPr>
+        </p:txBody>
+      </p:sp>
+      <p:grpSp>
+        <p:nvGrpSpPr>
+          <p:cNvPr id="5" name="Group 4">
+            <a:extLst>
+              <a:ext uri="{FF2B5EF4-FFF2-40B4-BE49-F238E27FC236}">
+                <a16:creationId xmlns:a16="http://schemas.microsoft.com/office/drawing/2014/main" id="{2BF7A79D-84C9-4D03-8709-0E2331F57A72}"/>
+              </a:ext>
+            </a:extLst>
+          </p:cNvPr>
+          <p:cNvGrpSpPr/>
+          <p:nvPr/>
+        </p:nvGrpSpPr>
+        <p:grpSpPr>
+          <a:xfrm>
+            <a:off x="2948294" y="3299943"/>
+            <a:ext cx="8635578" cy="1477328"/>
+            <a:chOff x="2935585" y="2174845"/>
+            <a:chExt cx="8635578" cy="1477328"/>
+          </a:xfrm>
+        </p:grpSpPr>
+        <p:pic>
+          <p:nvPicPr>
+            <p:cNvPr id="1026" name="Picture 2" descr="Image result for cloud icon">
+              <a:extLst>
+                <a:ext uri="{FF2B5EF4-FFF2-40B4-BE49-F238E27FC236}">
+                  <a16:creationId xmlns:a16="http://schemas.microsoft.com/office/drawing/2014/main" id="{EF3F22E6-DE85-4799-8A5A-D8D7082918B9}"/>
+                </a:ext>
+              </a:extLst>
+            </p:cNvPr>
+            <p:cNvPicPr>
+              <a:picLocks noChangeAspect="1" noChangeArrowheads="1"/>
+            </p:cNvPicPr>
+            <p:nvPr/>
+          </p:nvPicPr>
+          <p:blipFill>
+            <a:blip r:embed="rId2">
+              <a:duotone>
+                <a:schemeClr val="accent6">
+                  <a:shade val="45000"/>
+                  <a:satMod val="135000"/>
+                </a:schemeClr>
+                <a:prstClr val="white"/>
+              </a:duotone>
+              <a:extLst>
+                <a:ext uri="{28A0092B-C50C-407E-A947-70E740481C1C}">
+                  <a14:useLocalDpi xmlns:a14="http://schemas.microsoft.com/office/drawing/2010/main" val="0"/>
+                </a:ext>
+              </a:extLst>
+            </a:blip>
+            <a:srcRect/>
+            <a:stretch>
+              <a:fillRect/>
+            </a:stretch>
+          </p:blipFill>
+          <p:spPr bwMode="auto">
+            <a:xfrm>
+              <a:off x="2935585" y="2406589"/>
+              <a:ext cx="557151" cy="385827"/>
+            </a:xfrm>
+            <a:prstGeom prst="rect">
+              <a:avLst/>
+            </a:prstGeom>
+            <a:noFill/>
+            <a:extLst>
+              <a:ext uri="{909E8E84-426E-40DD-AFC4-6F175D3DCCD1}">
+                <a14:hiddenFill xmlns:a14="http://schemas.microsoft.com/office/drawing/2010/main">
+                  <a:solidFill>
+                    <a:srgbClr val="FFFFFF"/>
+                  </a:solidFill>
+                </a14:hiddenFill>
+              </a:ext>
+            </a:extLst>
+          </p:spPr>
+        </p:pic>
+        <p:sp>
+          <p:nvSpPr>
+            <p:cNvPr id="7" name="Rectangle 6">
+              <a:extLst>
+                <a:ext uri="{FF2B5EF4-FFF2-40B4-BE49-F238E27FC236}">
+                  <a16:creationId xmlns:a16="http://schemas.microsoft.com/office/drawing/2014/main" id="{19D33CC2-70F4-4593-BFAD-4BECC08195B1}"/>
+                </a:ext>
+              </a:extLst>
+            </p:cNvPr>
+            <p:cNvSpPr/>
+            <p:nvPr/>
+          </p:nvSpPr>
+          <p:spPr>
+            <a:xfrm>
+              <a:off x="3492736" y="2174845"/>
+              <a:ext cx="4590937" cy="1477328"/>
+            </a:xfrm>
+            <a:prstGeom prst="rect">
+              <a:avLst/>
+            </a:prstGeom>
+          </p:spPr>
+          <p:txBody>
+            <a:bodyPr wrap="none">
+              <a:spAutoFit/>
+            </a:bodyPr>
+            <a:lstStyle/>
+            <a:p>
+              <a:endParaRPr lang="en-US" dirty="0"/>
+            </a:p>
+            <a:p>
+              <a:r>
+                <a:rPr lang="en-US" dirty="0"/>
+                <a:t>Resolve Google API country code misalignment</a:t>
+              </a:r>
+            </a:p>
+            <a:p>
+              <a:endParaRPr lang="en-US" dirty="0"/>
+            </a:p>
+            <a:p>
+              <a:endParaRPr lang="en-US" dirty="0"/>
+            </a:p>
+            <a:p>
+              <a:endParaRPr lang="en-US" dirty="0"/>
+            </a:p>
+          </p:txBody>
+        </p:sp>
+        <p:pic>
+          <p:nvPicPr>
+            <p:cNvPr id="3" name="Picture 2">
+              <a:extLst>
+                <a:ext uri="{FF2B5EF4-FFF2-40B4-BE49-F238E27FC236}">
+                  <a16:creationId xmlns:a16="http://schemas.microsoft.com/office/drawing/2014/main" id="{04650995-74AF-4406-BF07-C47B17385E2D}"/>
+                </a:ext>
+              </a:extLst>
+            </p:cNvPr>
+            <p:cNvPicPr>
+              <a:picLocks noChangeAspect="1"/>
+            </p:cNvPicPr>
+            <p:nvPr/>
+          </p:nvPicPr>
+          <p:blipFill>
+            <a:blip r:embed="rId3"/>
+            <a:stretch>
+              <a:fillRect/>
+            </a:stretch>
+          </p:blipFill>
+          <p:spPr>
+            <a:xfrm>
+              <a:off x="5500772" y="2792416"/>
+              <a:ext cx="6070391" cy="759854"/>
+            </a:xfrm>
+            <a:prstGeom prst="rect">
+              <a:avLst/>
+            </a:prstGeom>
+          </p:spPr>
+        </p:pic>
+      </p:grpSp>
+      <p:sp>
+        <p:nvSpPr>
+          <p:cNvPr id="9" name="Rectangle 8">
+            <a:extLst>
+              <a:ext uri="{FF2B5EF4-FFF2-40B4-BE49-F238E27FC236}">
+                <a16:creationId xmlns:a16="http://schemas.microsoft.com/office/drawing/2014/main" id="{4B522AEC-D3E4-4A24-8048-2FEBF6DF6650}"/>
+              </a:ext>
+            </a:extLst>
+          </p:cNvPr>
+          <p:cNvSpPr/>
+          <p:nvPr/>
         </p:nvSpPr>
         <p:spPr>
           <a:xfrm>
-            <a:off x="0" y="0"/>
-            <a:ext cx="12192000" cy="6858000"/>
-          </a:xfrm>
-          <a:prstGeom prst="rect">
-            <a:avLst/>
-          </a:prstGeom>
-          <a:solidFill>
-            <a:srgbClr val="FFFFFF"/>
-          </a:solidFill>
-          <a:ln>
-            <a:noFill/>
-          </a:ln>
-        </p:spPr>
-        <p:style>
-          <a:lnRef idx="2">
-            <a:schemeClr val="accent1">
-              <a:shade val="50000"/>
-            </a:schemeClr>
-          </a:lnRef>
-          <a:fillRef idx="1">
-            <a:schemeClr val="accent1"/>
-          </a:fillRef>
-          <a:effectRef idx="0">
-            <a:schemeClr val="accent1"/>
-          </a:effectRef>
-          <a:fontRef idx="minor">
-            <a:schemeClr val="lt1"/>
-          </a:fontRef>
-        </p:style>
-        <p:txBody>
-          <a:bodyPr rtlCol="0" anchor="ctr"/>
-          <a:lstStyle/>
-          <a:p>
-            <a:pPr algn="ctr"/>
-            <a:endParaRPr lang="en-US"/>
-          </a:p>
-        </p:txBody>
-      </p:sp>
-      <p:sp>
-        <p:nvSpPr>
-          <p:cNvPr id="14" name="Rectangle 13">
-            <a:extLst>
-              <a:ext uri="{FF2B5EF4-FFF2-40B4-BE49-F238E27FC236}">
-                <a16:creationId xmlns:a16="http://schemas.microsoft.com/office/drawing/2014/main" id="{33E5F303-EAC6-47BA-BC08-2AA48388F971}"/>
-              </a:ext>
-            </a:extLst>
-          </p:cNvPr>
-          <p:cNvSpPr/>
-          <p:nvPr/>
-        </p:nvSpPr>
-        <p:spPr>
-          <a:xfrm>
-            <a:off x="1006777" y="0"/>
-            <a:ext cx="1830655" cy="6858000"/>
-          </a:xfrm>
-          <a:prstGeom prst="rect">
-            <a:avLst/>
-          </a:prstGeom>
-          <a:solidFill>
-            <a:srgbClr val="7EA861"/>
-          </a:solidFill>
-          <a:ln>
-            <a:solidFill>
-              <a:srgbClr val="7EA861"/>
-            </a:solidFill>
-          </a:ln>
-        </p:spPr>
-        <p:style>
-          <a:lnRef idx="2">
-            <a:schemeClr val="accent1">
-              <a:shade val="50000"/>
-            </a:schemeClr>
-          </a:lnRef>
-          <a:fillRef idx="1">
-            <a:schemeClr val="accent1"/>
-          </a:fillRef>
-          <a:effectRef idx="0">
-            <a:schemeClr val="accent1"/>
-          </a:effectRef>
-          <a:fontRef idx="minor">
-            <a:schemeClr val="lt1"/>
-          </a:fontRef>
-        </p:style>
-        <p:txBody>
-          <a:bodyPr rtlCol="0" anchor="ctr"/>
-          <a:lstStyle/>
-          <a:p>
-            <a:pPr algn="ctr"/>
-            <a:endParaRPr lang="en-US"/>
-          </a:p>
-        </p:txBody>
-      </p:sp>
-      <p:sp>
-        <p:nvSpPr>
-          <p:cNvPr id="17" name="Rectangle 16">
-            <a:extLst>
-              <a:ext uri="{FF2B5EF4-FFF2-40B4-BE49-F238E27FC236}">
-                <a16:creationId xmlns:a16="http://schemas.microsoft.com/office/drawing/2014/main" id="{047C8CCB-F95D-4249-92DD-651249D3535A}"/>
-              </a:ext>
-              <a:ext uri="{C183D7F6-B498-43B3-948B-1728B52AA6E4}">
-                <adec:decorative xmlns:adec="http://schemas.microsoft.com/office/drawing/2017/decorative" val="1"/>
-              </a:ext>
-            </a:extLst>
-          </p:cNvPr>
-          <p:cNvSpPr>
-            <a:spLocks noGrp="1" noRot="1" noChangeAspect="1" noMove="1" noResize="1" noEditPoints="1" noAdjustHandles="1" noChangeArrowheads="1" noChangeShapeType="1" noTextEdit="1"/>
-          </p:cNvSpPr>
-          <p:nvPr>
-            <p:extLst>
-              <p:ext uri="{386F3935-93C4-4BCD-93E2-E3B085C9AB24}">
-                <p16:designElem xmlns:p16="http://schemas.microsoft.com/office/powerpoint/2015/main" val="1"/>
-              </p:ext>
-            </p:extLst>
-          </p:nvPr>
-        </p:nvSpPr>
-        <p:spPr>
-          <a:xfrm>
-            <a:off x="0" y="0"/>
-            <a:ext cx="2013557" cy="6858000"/>
-          </a:xfrm>
-          <a:prstGeom prst="rect">
-            <a:avLst/>
-          </a:prstGeom>
-          <a:solidFill>
-            <a:srgbClr val="542C39"/>
-          </a:solidFill>
-          <a:ln>
-            <a:noFill/>
-          </a:ln>
-        </p:spPr>
-        <p:style>
-          <a:lnRef idx="2">
-            <a:schemeClr val="accent1">
-              <a:shade val="50000"/>
-            </a:schemeClr>
-          </a:lnRef>
-          <a:fillRef idx="1">
-            <a:schemeClr val="accent1"/>
-          </a:fillRef>
-          <a:effectRef idx="0">
-            <a:schemeClr val="accent1"/>
-          </a:effectRef>
-          <a:fontRef idx="minor">
-            <a:schemeClr val="lt1"/>
-          </a:fontRef>
-        </p:style>
-        <p:txBody>
-          <a:bodyPr rtlCol="0" anchor="ctr"/>
-          <a:lstStyle/>
-          <a:p>
-            <a:pPr algn="ctr"/>
-            <a:endParaRPr lang="en-US"/>
-          </a:p>
-        </p:txBody>
-      </p:sp>
-      <p:sp>
-        <p:nvSpPr>
-          <p:cNvPr id="11" name="Rectangle 10">
-            <a:extLst>
-              <a:ext uri="{FF2B5EF4-FFF2-40B4-BE49-F238E27FC236}">
-                <a16:creationId xmlns:a16="http://schemas.microsoft.com/office/drawing/2014/main" id="{8FF6D1F6-BE0D-405C-9028-EC70AF75D232}"/>
-              </a:ext>
-            </a:extLst>
-          </p:cNvPr>
-          <p:cNvSpPr/>
-          <p:nvPr/>
-        </p:nvSpPr>
-        <p:spPr>
-          <a:xfrm>
-            <a:off x="-1" y="0"/>
-            <a:ext cx="2013557" cy="6858000"/>
-          </a:xfrm>
-          <a:prstGeom prst="rect">
-            <a:avLst/>
-          </a:prstGeom>
-          <a:solidFill>
-            <a:srgbClr val="262626"/>
-          </a:solidFill>
-        </p:spPr>
-        <p:style>
-          <a:lnRef idx="2">
-            <a:schemeClr val="accent1">
-              <a:shade val="50000"/>
-            </a:schemeClr>
-          </a:lnRef>
-          <a:fillRef idx="1">
-            <a:schemeClr val="accent1"/>
-          </a:fillRef>
-          <a:effectRef idx="0">
-            <a:schemeClr val="accent1"/>
-          </a:effectRef>
-          <a:fontRef idx="minor">
-            <a:schemeClr val="lt1"/>
-          </a:fontRef>
-        </p:style>
-        <p:txBody>
-          <a:bodyPr rtlCol="0" anchor="ctr"/>
-          <a:lstStyle/>
-          <a:p>
-            <a:pPr algn="ctr"/>
-            <a:endParaRPr lang="en-US"/>
-          </a:p>
-        </p:txBody>
-      </p:sp>
-      <p:sp>
-        <p:nvSpPr>
-          <p:cNvPr id="23" name="Rectangle 22">
-            <a:extLst>
-              <a:ext uri="{FF2B5EF4-FFF2-40B4-BE49-F238E27FC236}">
-                <a16:creationId xmlns:a16="http://schemas.microsoft.com/office/drawing/2014/main" id="{28403A2A-F5B0-4C1E-92F8-F68B4185D272}"/>
-              </a:ext>
-            </a:extLst>
-          </p:cNvPr>
-          <p:cNvSpPr/>
-          <p:nvPr/>
-        </p:nvSpPr>
-        <p:spPr>
-          <a:xfrm>
-            <a:off x="2499360" y="6541462"/>
-            <a:ext cx="9666205" cy="316538"/>
-          </a:xfrm>
-          <a:prstGeom prst="rect">
-            <a:avLst/>
-          </a:prstGeom>
-          <a:solidFill>
-            <a:srgbClr val="7EA861"/>
-          </a:solidFill>
-          <a:ln>
-            <a:solidFill>
-              <a:srgbClr val="7EA861"/>
-            </a:solidFill>
-          </a:ln>
-        </p:spPr>
-        <p:style>
-          <a:lnRef idx="2">
-            <a:schemeClr val="accent1">
-              <a:shade val="50000"/>
-            </a:schemeClr>
-          </a:lnRef>
-          <a:fillRef idx="1">
-            <a:schemeClr val="accent1"/>
-          </a:fillRef>
-          <a:effectRef idx="0">
-            <a:schemeClr val="accent1"/>
-          </a:effectRef>
-          <a:fontRef idx="minor">
-            <a:schemeClr val="lt1"/>
-          </a:fontRef>
-        </p:style>
-        <p:txBody>
-          <a:bodyPr rtlCol="0" anchor="ctr"/>
-          <a:lstStyle/>
-          <a:p>
-            <a:pPr algn="ctr"/>
-            <a:endParaRPr lang="en-US"/>
-          </a:p>
-        </p:txBody>
-      </p:sp>
-      <p:pic>
-        <p:nvPicPr>
-          <p:cNvPr id="8" name="Graphic 7">
-            <a:extLst>
-              <a:ext uri="{FF2B5EF4-FFF2-40B4-BE49-F238E27FC236}">
-                <a16:creationId xmlns:a16="http://schemas.microsoft.com/office/drawing/2014/main" id="{DBFC207F-9F95-4B47-B561-FA585005A74A}"/>
-              </a:ext>
-            </a:extLst>
-          </p:cNvPr>
-          <p:cNvPicPr>
-            <a:picLocks noChangeAspect="1"/>
-          </p:cNvPicPr>
-          <p:nvPr/>
-        </p:nvPicPr>
-        <p:blipFill>
-          <a:blip r:embed="rId2">
-            <a:extLst>
-              <a:ext uri="{96DAC541-7B7A-43D3-8B79-37D633B846F1}">
-                <asvg:svgBlip xmlns:asvg="http://schemas.microsoft.com/office/drawing/2016/SVG/main" r:embed="rId3"/>
-              </a:ext>
-            </a:extLst>
-          </a:blip>
-          <a:stretch>
-            <a:fillRect/>
-          </a:stretch>
-        </p:blipFill>
-        <p:spPr>
-          <a:xfrm>
-            <a:off x="2968316" y="1691857"/>
-            <a:ext cx="3457884" cy="1258669"/>
+            <a:off x="3492736" y="2132446"/>
+            <a:ext cx="2629053" cy="369332"/>
           </a:xfrm>
           <a:prstGeom prst="rect">
             <a:avLst/>
           </a:prstGeom>
         </p:spPr>
-      </p:pic>
-      <p:sp>
-        <p:nvSpPr>
-          <p:cNvPr id="9" name="TextBox 8">
-            <a:extLst>
-              <a:ext uri="{FF2B5EF4-FFF2-40B4-BE49-F238E27FC236}">
-                <a16:creationId xmlns:a16="http://schemas.microsoft.com/office/drawing/2014/main" id="{CE335163-405F-40F2-9D3D-CF98CF983DF9}"/>
-              </a:ext>
-            </a:extLst>
-          </p:cNvPr>
-          <p:cNvSpPr txBox="1"/>
+        <p:txBody>
+          <a:bodyPr wrap="none">
+            <a:spAutoFit/>
+          </a:bodyPr>
+          <a:lstStyle/>
+          <a:p>
+            <a:r>
+              <a:rPr lang="en-US" dirty="0"/>
+              <a:t>Create country master list</a:t>
+            </a:r>
+          </a:p>
+        </p:txBody>
+      </p:sp>
+      <p:sp>
+        <p:nvSpPr>
+          <p:cNvPr id="19" name="Rectangle 18">
+            <a:extLst>
+              <a:ext uri="{FF2B5EF4-FFF2-40B4-BE49-F238E27FC236}">
+                <a16:creationId xmlns:a16="http://schemas.microsoft.com/office/drawing/2014/main" id="{A9222D1D-9CCD-40FD-9AD4-BB11D18EB79F}"/>
+              </a:ext>
+            </a:extLst>
+          </p:cNvPr>
+          <p:cNvSpPr/>
           <p:nvPr/>
         </p:nvSpPr>
         <p:spPr>
           <a:xfrm>
-            <a:off x="3127107" y="3066549"/>
-            <a:ext cx="3669957" cy="1077218"/>
+            <a:off x="3741960" y="2428771"/>
+            <a:ext cx="5555367" cy="923330"/>
+          </a:xfrm>
+          <a:prstGeom prst="rect">
+            <a:avLst/>
+          </a:prstGeom>
+        </p:spPr>
+        <p:txBody>
+          <a:bodyPr wrap="none">
+            <a:spAutoFit/>
+          </a:bodyPr>
+          <a:lstStyle/>
+          <a:p>
+            <a:pPr marL="285750" indent="-285750">
+              <a:buFont typeface="Arial" panose="020B0604020202020204" pitchFamily="34" charset="0"/>
+              <a:buChar char="•"/>
+            </a:pPr>
+            <a:r>
+              <a:rPr lang="en-US" dirty="0"/>
+              <a:t>Determine master source of country codes and names</a:t>
+            </a:r>
+          </a:p>
+          <a:p>
+            <a:pPr marL="285750" indent="-285750">
+              <a:buFont typeface="Arial" panose="020B0604020202020204" pitchFamily="34" charset="0"/>
+              <a:buChar char="•"/>
+            </a:pPr>
+            <a:r>
+              <a:rPr lang="en-US" dirty="0"/>
+              <a:t>VLOOKUPs, comparisons between .</a:t>
+            </a:r>
+            <a:r>
+              <a:rPr lang="en-US" dirty="0" err="1"/>
+              <a:t>csvs</a:t>
+            </a:r>
+            <a:endParaRPr lang="en-US" dirty="0"/>
+          </a:p>
+          <a:p>
+            <a:endParaRPr lang="en-US" dirty="0"/>
+          </a:p>
+        </p:txBody>
+      </p:sp>
+      <p:pic>
+        <p:nvPicPr>
+          <p:cNvPr id="10" name="Picture 2" descr="Image result for excel icon">
+            <a:extLst>
+              <a:ext uri="{FF2B5EF4-FFF2-40B4-BE49-F238E27FC236}">
+                <a16:creationId xmlns:a16="http://schemas.microsoft.com/office/drawing/2014/main" id="{42BB2766-3C6E-4841-A02F-9A6AF40A178D}"/>
+              </a:ext>
+            </a:extLst>
+          </p:cNvPr>
+          <p:cNvPicPr>
+            <a:picLocks noChangeAspect="1" noChangeArrowheads="1"/>
+          </p:cNvPicPr>
+          <p:nvPr/>
+        </p:nvPicPr>
+        <p:blipFill>
+          <a:blip r:embed="rId4">
+            <a:extLst>
+              <a:ext uri="{28A0092B-C50C-407E-A947-70E740481C1C}">
+                <a14:useLocalDpi xmlns:a14="http://schemas.microsoft.com/office/drawing/2010/main" val="0"/>
+              </a:ext>
+            </a:extLst>
+          </a:blip>
+          <a:srcRect/>
+          <a:stretch>
+            <a:fillRect/>
+          </a:stretch>
+        </p:blipFill>
+        <p:spPr bwMode="auto">
+          <a:xfrm>
+            <a:off x="2948294" y="2107197"/>
+            <a:ext cx="419830" cy="419830"/>
           </a:xfrm>
           <a:prstGeom prst="rect">
             <a:avLst/>
           </a:prstGeom>
           <a:noFill/>
+          <a:extLst>
+            <a:ext uri="{909E8E84-426E-40DD-AFC4-6F175D3DCCD1}">
+              <a14:hiddenFill xmlns:a14="http://schemas.microsoft.com/office/drawing/2010/main">
+                <a:solidFill>
+                  <a:srgbClr val="FFFFFF"/>
+                </a:solidFill>
+              </a14:hiddenFill>
+            </a:ext>
+          </a:extLst>
         </p:spPr>
-        <p:txBody>
-          <a:bodyPr wrap="square" rtlCol="0">
-            <a:spAutoFit/>
-          </a:bodyPr>
-          <a:lstStyle/>
-          <a:p>
-            <a:r>
-              <a:rPr lang="en-US" b="1" dirty="0">
-                <a:solidFill>
-                  <a:schemeClr val="accent6">
-                    <a:lumMod val="75000"/>
-                  </a:schemeClr>
-                </a:solidFill>
-              </a:rPr>
-              <a:t>relative mean absolute difference</a:t>
-            </a:r>
-          </a:p>
-          <a:p>
-            <a:r>
-              <a:rPr lang="en-US" sz="1400" dirty="0"/>
-              <a:t>which is mathematically equivalent to the Lorenz curve definition</a:t>
-            </a:r>
-          </a:p>
-          <a:p>
-            <a:endParaRPr lang="en-US" dirty="0"/>
-          </a:p>
-        </p:txBody>
-      </p:sp>
-      <p:pic>
-        <p:nvPicPr>
-          <p:cNvPr id="10" name="Picture 9" descr="A close up of a knife&#10;&#10;Description automatically generated">
-            <a:extLst>
-              <a:ext uri="{FF2B5EF4-FFF2-40B4-BE49-F238E27FC236}">
-                <a16:creationId xmlns:a16="http://schemas.microsoft.com/office/drawing/2014/main" id="{FCC40411-337D-458D-9B3D-E88EBD257669}"/>
-              </a:ext>
-            </a:extLst>
-          </p:cNvPr>
-          <p:cNvPicPr>
-            <a:picLocks noChangeAspect="1"/>
-          </p:cNvPicPr>
+      </p:pic>
+      <p:sp>
+        <p:nvSpPr>
+          <p:cNvPr id="21" name="Rectangle 20">
+            <a:extLst>
+              <a:ext uri="{FF2B5EF4-FFF2-40B4-BE49-F238E27FC236}">
+                <a16:creationId xmlns:a16="http://schemas.microsoft.com/office/drawing/2014/main" id="{2B1BC0DB-3D6E-4D38-A9A9-6A515C7614F6}"/>
+              </a:ext>
+            </a:extLst>
+          </p:cNvPr>
+          <p:cNvSpPr/>
           <p:nvPr/>
-        </p:nvPicPr>
-        <p:blipFill>
-          <a:blip r:embed="rId4">
-            <a:duotone>
-              <a:schemeClr val="accent6">
-                <a:shade val="45000"/>
-                <a:satMod val="135000"/>
-              </a:schemeClr>
-              <a:prstClr val="white"/>
-            </a:duotone>
-          </a:blip>
-          <a:stretch>
-            <a:fillRect/>
-          </a:stretch>
-        </p:blipFill>
+        </p:nvSpPr>
         <p:spPr>
           <a:xfrm>
-            <a:off x="7054524" y="1243338"/>
-            <a:ext cx="5111041" cy="5111041"/>
+            <a:off x="3497300" y="3686724"/>
+            <a:ext cx="237566" cy="1477328"/>
           </a:xfrm>
           <a:prstGeom prst="rect">
             <a:avLst/>
           </a:prstGeom>
         </p:spPr>
-      </p:pic>
-      <p:sp>
-        <p:nvSpPr>
-          <p:cNvPr id="12" name="Subtitle 2">
-            <a:extLst>
-              <a:ext uri="{FF2B5EF4-FFF2-40B4-BE49-F238E27FC236}">
-                <a16:creationId xmlns:a16="http://schemas.microsoft.com/office/drawing/2014/main" id="{2C713AD6-EF9C-4F34-8470-883D14E40341}"/>
-              </a:ext>
-            </a:extLst>
-          </p:cNvPr>
-          <p:cNvSpPr txBox="1">
-            <a:spLocks/>
-          </p:cNvSpPr>
-          <p:nvPr/>
-        </p:nvSpPr>
-        <p:spPr>
-          <a:xfrm>
-            <a:off x="2837432" y="714079"/>
-            <a:ext cx="2867688" cy="695557"/>
-          </a:xfrm>
-          <a:prstGeom prst="rect">
-            <a:avLst/>
-          </a:prstGeom>
-        </p:spPr>
-        <p:txBody>
-          <a:bodyPr vert="horz" lIns="91440" tIns="45720" rIns="91440" bIns="45720" rtlCol="0" anchor="b">
-            <a:normAutofit fontScale="92500"/>
-          </a:bodyPr>
-          <a:lstStyle>
-            <a:lvl1pPr marL="0" indent="0" algn="l" defTabSz="914400" rtl="0" eaLnBrk="1" latinLnBrk="0" hangingPunct="1">
-              <a:lnSpc>
-                <a:spcPct val="90000"/>
-              </a:lnSpc>
-              <a:spcBef>
-                <a:spcPts val="1000"/>
-              </a:spcBef>
-              <a:buFont typeface="Arial" panose="020B0604020202020204" pitchFamily="34" charset="0"/>
-              <a:buNone/>
-              <a:defRPr sz="2400" b="1" kern="1200">
-                <a:solidFill>
-                  <a:schemeClr val="tx1"/>
-                </a:solidFill>
-                <a:latin typeface="+mn-lt"/>
-                <a:ea typeface="+mn-ea"/>
-                <a:cs typeface="+mn-cs"/>
-              </a:defRPr>
-            </a:lvl1pPr>
-            <a:lvl2pPr marL="457200" indent="0" algn="l" defTabSz="914400" rtl="0" eaLnBrk="1" latinLnBrk="0" hangingPunct="1">
-              <a:lnSpc>
-                <a:spcPct val="90000"/>
-              </a:lnSpc>
-              <a:spcBef>
-                <a:spcPts val="500"/>
-              </a:spcBef>
-              <a:buFont typeface="Arial" panose="020B0604020202020204" pitchFamily="34" charset="0"/>
-              <a:buNone/>
-              <a:defRPr sz="2000" b="1" kern="1200">
-                <a:solidFill>
-                  <a:schemeClr val="tx1"/>
-                </a:solidFill>
-                <a:latin typeface="+mn-lt"/>
-                <a:ea typeface="+mn-ea"/>
-                <a:cs typeface="+mn-cs"/>
-              </a:defRPr>
-            </a:lvl2pPr>
-            <a:lvl3pPr marL="914400" indent="0" algn="l" defTabSz="914400" rtl="0" eaLnBrk="1" latinLnBrk="0" hangingPunct="1">
-              <a:lnSpc>
-                <a:spcPct val="90000"/>
-              </a:lnSpc>
-              <a:spcBef>
-                <a:spcPts val="500"/>
-              </a:spcBef>
-              <a:buFont typeface="Arial" panose="020B0604020202020204" pitchFamily="34" charset="0"/>
-              <a:buNone/>
-              <a:defRPr sz="1800" b="1" kern="1200">
-                <a:solidFill>
-                  <a:schemeClr val="tx1"/>
-                </a:solidFill>
-                <a:latin typeface="+mn-lt"/>
-                <a:ea typeface="+mn-ea"/>
-                <a:cs typeface="+mn-cs"/>
-              </a:defRPr>
-            </a:lvl3pPr>
-            <a:lvl4pPr marL="1371600" indent="0" algn="l" defTabSz="914400" rtl="0" eaLnBrk="1" latinLnBrk="0" hangingPunct="1">
-              <a:lnSpc>
-                <a:spcPct val="90000"/>
-              </a:lnSpc>
-              <a:spcBef>
-                <a:spcPts val="500"/>
-              </a:spcBef>
-              <a:buFont typeface="Arial" panose="020B0604020202020204" pitchFamily="34" charset="0"/>
-              <a:buNone/>
-              <a:defRPr sz="1600" b="1" kern="1200">
-                <a:solidFill>
-                  <a:schemeClr val="tx1"/>
-                </a:solidFill>
-                <a:latin typeface="+mn-lt"/>
-                <a:ea typeface="+mn-ea"/>
-                <a:cs typeface="+mn-cs"/>
-              </a:defRPr>
-            </a:lvl4pPr>
-            <a:lvl5pPr marL="1828800" indent="0" algn="l" defTabSz="914400" rtl="0" eaLnBrk="1" latinLnBrk="0" hangingPunct="1">
-              <a:lnSpc>
-                <a:spcPct val="90000"/>
-              </a:lnSpc>
-              <a:spcBef>
-                <a:spcPts val="500"/>
-              </a:spcBef>
-              <a:buFont typeface="Arial" panose="020B0604020202020204" pitchFamily="34" charset="0"/>
-              <a:buNone/>
-              <a:defRPr sz="1600" b="1" kern="1200">
-                <a:solidFill>
-                  <a:schemeClr val="tx1"/>
-                </a:solidFill>
-                <a:latin typeface="+mn-lt"/>
-                <a:ea typeface="+mn-ea"/>
-                <a:cs typeface="+mn-cs"/>
-              </a:defRPr>
-            </a:lvl5pPr>
-            <a:lvl6pPr marL="2286000" indent="0" algn="l" defTabSz="914400" rtl="0" eaLnBrk="1" latinLnBrk="0" hangingPunct="1">
-              <a:lnSpc>
-                <a:spcPct val="90000"/>
-              </a:lnSpc>
-              <a:spcBef>
-                <a:spcPts val="500"/>
-              </a:spcBef>
-              <a:buFont typeface="Arial" panose="020B0604020202020204" pitchFamily="34" charset="0"/>
-              <a:buNone/>
-              <a:defRPr sz="1600" b="1" kern="1200">
-                <a:solidFill>
-                  <a:schemeClr val="tx1"/>
-                </a:solidFill>
-                <a:latin typeface="+mn-lt"/>
-                <a:ea typeface="+mn-ea"/>
-                <a:cs typeface="+mn-cs"/>
-              </a:defRPr>
-            </a:lvl6pPr>
-            <a:lvl7pPr marL="2743200" indent="0" algn="l" defTabSz="914400" rtl="0" eaLnBrk="1" latinLnBrk="0" hangingPunct="1">
-              <a:lnSpc>
-                <a:spcPct val="90000"/>
-              </a:lnSpc>
-              <a:spcBef>
-                <a:spcPts val="500"/>
-              </a:spcBef>
-              <a:buFont typeface="Arial" panose="020B0604020202020204" pitchFamily="34" charset="0"/>
-              <a:buNone/>
-              <a:defRPr sz="1600" b="1" kern="1200">
-                <a:solidFill>
-                  <a:schemeClr val="tx1"/>
-                </a:solidFill>
-                <a:latin typeface="+mn-lt"/>
-                <a:ea typeface="+mn-ea"/>
-                <a:cs typeface="+mn-cs"/>
-              </a:defRPr>
-            </a:lvl7pPr>
-            <a:lvl8pPr marL="3200400" indent="0" algn="l" defTabSz="914400" rtl="0" eaLnBrk="1" latinLnBrk="0" hangingPunct="1">
-              <a:lnSpc>
-                <a:spcPct val="90000"/>
-              </a:lnSpc>
-              <a:spcBef>
-                <a:spcPts val="500"/>
-              </a:spcBef>
-              <a:buFont typeface="Arial" panose="020B0604020202020204" pitchFamily="34" charset="0"/>
-              <a:buNone/>
-              <a:defRPr sz="1600" b="1" kern="1200">
-                <a:solidFill>
-                  <a:schemeClr val="tx1"/>
-                </a:solidFill>
-                <a:latin typeface="+mn-lt"/>
-                <a:ea typeface="+mn-ea"/>
-                <a:cs typeface="+mn-cs"/>
-              </a:defRPr>
-            </a:lvl8pPr>
-            <a:lvl9pPr marL="3657600" indent="0" algn="l" defTabSz="914400" rtl="0" eaLnBrk="1" latinLnBrk="0" hangingPunct="1">
-              <a:lnSpc>
-                <a:spcPct val="90000"/>
-              </a:lnSpc>
-              <a:spcBef>
-                <a:spcPts val="500"/>
-              </a:spcBef>
-              <a:buFont typeface="Arial" panose="020B0604020202020204" pitchFamily="34" charset="0"/>
-              <a:buNone/>
-              <a:defRPr sz="1600" b="1" kern="1200">
-                <a:solidFill>
-                  <a:schemeClr val="tx1"/>
-                </a:solidFill>
-                <a:latin typeface="+mn-lt"/>
-                <a:ea typeface="+mn-ea"/>
-                <a:cs typeface="+mn-cs"/>
-              </a:defRPr>
-            </a:lvl9pPr>
-          </a:lstStyle>
-          <a:p>
-            <a:pPr algn="r"/>
-            <a:r>
-              <a:rPr lang="en-US" sz="2600" dirty="0"/>
-              <a:t>The Gini Coefficient</a:t>
-            </a:r>
-            <a:endParaRPr lang="en-US" sz="2600" dirty="0">
-              <a:solidFill>
-                <a:srgbClr val="000000"/>
-              </a:solidFill>
-            </a:endParaRPr>
-          </a:p>
-        </p:txBody>
-      </p:sp>
-      <p:sp>
-        <p:nvSpPr>
-          <p:cNvPr id="13" name="TextBox 12">
-            <a:extLst>
-              <a:ext uri="{FF2B5EF4-FFF2-40B4-BE49-F238E27FC236}">
-                <a16:creationId xmlns:a16="http://schemas.microsoft.com/office/drawing/2014/main" id="{62FFA060-329C-4A11-AA1F-72AB8581F143}"/>
-              </a:ext>
-            </a:extLst>
-          </p:cNvPr>
-          <p:cNvSpPr txBox="1"/>
-          <p:nvPr/>
-        </p:nvSpPr>
-        <p:spPr>
-          <a:xfrm>
-            <a:off x="3127107" y="4173515"/>
-            <a:ext cx="3954560" cy="2031325"/>
-          </a:xfrm>
-          <a:prstGeom prst="rect">
-            <a:avLst/>
-          </a:prstGeom>
-          <a:noFill/>
-        </p:spPr>
-        <p:txBody>
-          <a:bodyPr wrap="square" rtlCol="0">
+        <p:txBody>
+          <a:bodyPr wrap="none">
             <a:spAutoFit/>
           </a:bodyPr>
           <a:lstStyle/>
           <a:p>
+            <a:endParaRPr lang="en-US" dirty="0"/>
+          </a:p>
+          <a:p>
             <a:r>
               <a:rPr lang="en-US" dirty="0"/>
-              <a:t>A single number aimed at measuring the degree of inequality in a distribution. It is most often used in economics to measure how far a country's wealth or income distribution deviates from a totally equal distribution</a:t>
+              <a:t> </a:t>
             </a:r>
           </a:p>
-        </p:txBody>
-      </p:sp>
-      <p:sp>
-        <p:nvSpPr>
-          <p:cNvPr id="15" name="Subtitle 2">
-            <a:extLst>
-              <a:ext uri="{FF2B5EF4-FFF2-40B4-BE49-F238E27FC236}">
-                <a16:creationId xmlns:a16="http://schemas.microsoft.com/office/drawing/2014/main" id="{0ACEDCDA-A2A2-42F4-8459-E912092B2611}"/>
-              </a:ext>
-            </a:extLst>
-          </p:cNvPr>
-          <p:cNvSpPr txBox="1">
-            <a:spLocks/>
-          </p:cNvSpPr>
-          <p:nvPr/>
-        </p:nvSpPr>
-        <p:spPr>
-          <a:xfrm>
-            <a:off x="1778000" y="20859"/>
-            <a:ext cx="8236968" cy="838831"/>
-          </a:xfrm>
-          <a:prstGeom prst="rect">
-            <a:avLst/>
-          </a:prstGeom>
-        </p:spPr>
-        <p:txBody>
-          <a:bodyPr vert="horz" lIns="91440" tIns="45720" rIns="91440" bIns="45720" rtlCol="0" anchor="b">
-            <a:noAutofit/>
-          </a:bodyPr>
-          <a:lstStyle>
-            <a:lvl1pPr marL="0" indent="0" algn="l" defTabSz="914400" rtl="0" eaLnBrk="1" latinLnBrk="0" hangingPunct="1">
-              <a:lnSpc>
-                <a:spcPct val="90000"/>
-              </a:lnSpc>
-              <a:spcBef>
-                <a:spcPts val="1000"/>
-              </a:spcBef>
-              <a:buFont typeface="Arial" panose="020B0604020202020204" pitchFamily="34" charset="0"/>
-              <a:buNone/>
-              <a:defRPr sz="2400" b="1" kern="1200">
-                <a:solidFill>
-                  <a:schemeClr val="tx1"/>
-                </a:solidFill>
-                <a:latin typeface="+mn-lt"/>
-                <a:ea typeface="+mn-ea"/>
-                <a:cs typeface="+mn-cs"/>
-              </a:defRPr>
-            </a:lvl1pPr>
-            <a:lvl2pPr marL="457200" indent="0" algn="l" defTabSz="914400" rtl="0" eaLnBrk="1" latinLnBrk="0" hangingPunct="1">
-              <a:lnSpc>
-                <a:spcPct val="90000"/>
-              </a:lnSpc>
-              <a:spcBef>
-                <a:spcPts val="500"/>
-              </a:spcBef>
-              <a:buFont typeface="Arial" panose="020B0604020202020204" pitchFamily="34" charset="0"/>
-              <a:buNone/>
-              <a:defRPr sz="2000" b="1" kern="1200">
-                <a:solidFill>
-                  <a:schemeClr val="tx1"/>
-                </a:solidFill>
-                <a:latin typeface="+mn-lt"/>
-                <a:ea typeface="+mn-ea"/>
-                <a:cs typeface="+mn-cs"/>
-              </a:defRPr>
-            </a:lvl2pPr>
-            <a:lvl3pPr marL="914400" indent="0" algn="l" defTabSz="914400" rtl="0" eaLnBrk="1" latinLnBrk="0" hangingPunct="1">
-              <a:lnSpc>
-                <a:spcPct val="90000"/>
-              </a:lnSpc>
-              <a:spcBef>
-                <a:spcPts val="500"/>
-              </a:spcBef>
-              <a:buFont typeface="Arial" panose="020B0604020202020204" pitchFamily="34" charset="0"/>
-              <a:buNone/>
-              <a:defRPr sz="1800" b="1" kern="1200">
-                <a:solidFill>
-                  <a:schemeClr val="tx1"/>
-                </a:solidFill>
-                <a:latin typeface="+mn-lt"/>
-                <a:ea typeface="+mn-ea"/>
-                <a:cs typeface="+mn-cs"/>
-              </a:defRPr>
-            </a:lvl3pPr>
-            <a:lvl4pPr marL="1371600" indent="0" algn="l" defTabSz="914400" rtl="0" eaLnBrk="1" latinLnBrk="0" hangingPunct="1">
-              <a:lnSpc>
-                <a:spcPct val="90000"/>
-              </a:lnSpc>
-              <a:spcBef>
-                <a:spcPts val="500"/>
-              </a:spcBef>
-              <a:buFont typeface="Arial" panose="020B0604020202020204" pitchFamily="34" charset="0"/>
-              <a:buNone/>
-              <a:defRPr sz="1600" b="1" kern="1200">
-                <a:solidFill>
-                  <a:schemeClr val="tx1"/>
-                </a:solidFill>
-                <a:latin typeface="+mn-lt"/>
-                <a:ea typeface="+mn-ea"/>
-                <a:cs typeface="+mn-cs"/>
-              </a:defRPr>
-            </a:lvl4pPr>
-            <a:lvl5pPr marL="1828800" indent="0" algn="l" defTabSz="914400" rtl="0" eaLnBrk="1" latinLnBrk="0" hangingPunct="1">
-              <a:lnSpc>
-                <a:spcPct val="90000"/>
-              </a:lnSpc>
-              <a:spcBef>
-                <a:spcPts val="500"/>
-              </a:spcBef>
-              <a:buFont typeface="Arial" panose="020B0604020202020204" pitchFamily="34" charset="0"/>
-              <a:buNone/>
-              <a:defRPr sz="1600" b="1" kern="1200">
-                <a:solidFill>
-                  <a:schemeClr val="tx1"/>
-                </a:solidFill>
-                <a:latin typeface="+mn-lt"/>
-                <a:ea typeface="+mn-ea"/>
-                <a:cs typeface="+mn-cs"/>
-              </a:defRPr>
-            </a:lvl5pPr>
-            <a:lvl6pPr marL="2286000" indent="0" algn="l" defTabSz="914400" rtl="0" eaLnBrk="1" latinLnBrk="0" hangingPunct="1">
-              <a:lnSpc>
-                <a:spcPct val="90000"/>
-              </a:lnSpc>
-              <a:spcBef>
-                <a:spcPts val="500"/>
-              </a:spcBef>
-              <a:buFont typeface="Arial" panose="020B0604020202020204" pitchFamily="34" charset="0"/>
-              <a:buNone/>
-              <a:defRPr sz="1600" b="1" kern="1200">
-                <a:solidFill>
-                  <a:schemeClr val="tx1"/>
-                </a:solidFill>
-                <a:latin typeface="+mn-lt"/>
-                <a:ea typeface="+mn-ea"/>
-                <a:cs typeface="+mn-cs"/>
-              </a:defRPr>
-            </a:lvl6pPr>
-            <a:lvl7pPr marL="2743200" indent="0" algn="l" defTabSz="914400" rtl="0" eaLnBrk="1" latinLnBrk="0" hangingPunct="1">
-              <a:lnSpc>
-                <a:spcPct val="90000"/>
-              </a:lnSpc>
-              <a:spcBef>
-                <a:spcPts val="500"/>
-              </a:spcBef>
-              <a:buFont typeface="Arial" panose="020B0604020202020204" pitchFamily="34" charset="0"/>
-              <a:buNone/>
-              <a:defRPr sz="1600" b="1" kern="1200">
-                <a:solidFill>
-                  <a:schemeClr val="tx1"/>
-                </a:solidFill>
-                <a:latin typeface="+mn-lt"/>
-                <a:ea typeface="+mn-ea"/>
-                <a:cs typeface="+mn-cs"/>
-              </a:defRPr>
-            </a:lvl7pPr>
-            <a:lvl8pPr marL="3200400" indent="0" algn="l" defTabSz="914400" rtl="0" eaLnBrk="1" latinLnBrk="0" hangingPunct="1">
-              <a:lnSpc>
-                <a:spcPct val="90000"/>
-              </a:lnSpc>
-              <a:spcBef>
-                <a:spcPts val="500"/>
-              </a:spcBef>
-              <a:buFont typeface="Arial" panose="020B0604020202020204" pitchFamily="34" charset="0"/>
-              <a:buNone/>
-              <a:defRPr sz="1600" b="1" kern="1200">
-                <a:solidFill>
-                  <a:schemeClr val="tx1"/>
-                </a:solidFill>
-                <a:latin typeface="+mn-lt"/>
-                <a:ea typeface="+mn-ea"/>
-                <a:cs typeface="+mn-cs"/>
-              </a:defRPr>
-            </a:lvl8pPr>
-            <a:lvl9pPr marL="3657600" indent="0" algn="l" defTabSz="914400" rtl="0" eaLnBrk="1" latinLnBrk="0" hangingPunct="1">
-              <a:lnSpc>
-                <a:spcPct val="90000"/>
-              </a:lnSpc>
-              <a:spcBef>
-                <a:spcPts val="500"/>
-              </a:spcBef>
-              <a:buFont typeface="Arial" panose="020B0604020202020204" pitchFamily="34" charset="0"/>
-              <a:buNone/>
-              <a:defRPr sz="1600" b="1" kern="1200">
-                <a:solidFill>
-                  <a:schemeClr val="tx1"/>
-                </a:solidFill>
-                <a:latin typeface="+mn-lt"/>
-                <a:ea typeface="+mn-ea"/>
-                <a:cs typeface="+mn-cs"/>
-              </a:defRPr>
-            </a:lvl9pPr>
-          </a:lstStyle>
-          <a:p>
-            <a:pPr algn="r"/>
-            <a:r>
-              <a:rPr lang="en-US" sz="3600" dirty="0"/>
-              <a:t>Data Exploration &amp; Clean-up Process</a:t>
-            </a:r>
-            <a:endParaRPr lang="en-US" sz="3600" dirty="0">
-              <a:solidFill>
-                <a:srgbClr val="000000"/>
-              </a:solidFill>
-            </a:endParaRPr>
+          <a:p>
+            <a:endParaRPr lang="en-US" dirty="0"/>
+          </a:p>
+          <a:p>
+            <a:endParaRPr lang="en-US" dirty="0"/>
+          </a:p>
+          <a:p>
+            <a:endParaRPr lang="en-US" dirty="0"/>
           </a:p>
         </p:txBody>
       </p:sp>
     </p:spTree>
     <p:extLst>
       <p:ext uri="{BB962C8B-B14F-4D97-AF65-F5344CB8AC3E}">
-        <p14:creationId xmlns:p14="http://schemas.microsoft.com/office/powerpoint/2010/main" val="1999621410"/>
+        <p14:creationId xmlns:p14="http://schemas.microsoft.com/office/powerpoint/2010/main" val="2054415527"/>
       </p:ext>
     </p:extLst>
   </p:cSld>
@@ -11343,94 +12934,232 @@
           </a:p>
         </p:txBody>
       </p:sp>
-      <p:sp>
-        <p:nvSpPr>
-          <p:cNvPr id="23" name="Rectangle 22">
-            <a:extLst>
-              <a:ext uri="{FF2B5EF4-FFF2-40B4-BE49-F238E27FC236}">
-                <a16:creationId xmlns:a16="http://schemas.microsoft.com/office/drawing/2014/main" id="{28403A2A-F5B0-4C1E-92F8-F68B4185D272}"/>
-              </a:ext>
-            </a:extLst>
-          </p:cNvPr>
-          <p:cNvSpPr/>
+      <p:grpSp>
+        <p:nvGrpSpPr>
+          <p:cNvPr id="2" name="Group 1">
+            <a:extLst>
+              <a:ext uri="{FF2B5EF4-FFF2-40B4-BE49-F238E27FC236}">
+                <a16:creationId xmlns:a16="http://schemas.microsoft.com/office/drawing/2014/main" id="{0003F93F-024F-402C-9760-B3A204C64DF1}"/>
+              </a:ext>
+            </a:extLst>
+          </p:cNvPr>
+          <p:cNvGrpSpPr/>
+          <p:nvPr/>
+        </p:nvGrpSpPr>
+        <p:grpSpPr>
+          <a:xfrm>
+            <a:off x="-1" y="0"/>
+            <a:ext cx="12165566" cy="6858000"/>
+            <a:chOff x="-1" y="0"/>
+            <a:chExt cx="12165566" cy="6858000"/>
+          </a:xfrm>
+        </p:grpSpPr>
+        <p:sp>
+          <p:nvSpPr>
+            <p:cNvPr id="14" name="Rectangle 13">
+              <a:extLst>
+                <a:ext uri="{FF2B5EF4-FFF2-40B4-BE49-F238E27FC236}">
+                  <a16:creationId xmlns:a16="http://schemas.microsoft.com/office/drawing/2014/main" id="{33E5F303-EAC6-47BA-BC08-2AA48388F971}"/>
+                </a:ext>
+              </a:extLst>
+            </p:cNvPr>
+            <p:cNvSpPr/>
+            <p:nvPr/>
+          </p:nvSpPr>
+          <p:spPr>
+            <a:xfrm>
+              <a:off x="1006777" y="0"/>
+              <a:ext cx="1830655" cy="6858000"/>
+            </a:xfrm>
+            <a:prstGeom prst="rect">
+              <a:avLst/>
+            </a:prstGeom>
+            <a:solidFill>
+              <a:srgbClr val="7EA861"/>
+            </a:solidFill>
+            <a:ln>
+              <a:solidFill>
+                <a:srgbClr val="7EA861"/>
+              </a:solidFill>
+            </a:ln>
+          </p:spPr>
+          <p:style>
+            <a:lnRef idx="2">
+              <a:schemeClr val="accent1">
+                <a:shade val="50000"/>
+              </a:schemeClr>
+            </a:lnRef>
+            <a:fillRef idx="1">
+              <a:schemeClr val="accent1"/>
+            </a:fillRef>
+            <a:effectRef idx="0">
+              <a:schemeClr val="accent1"/>
+            </a:effectRef>
+            <a:fontRef idx="minor">
+              <a:schemeClr val="lt1"/>
+            </a:fontRef>
+          </p:style>
+          <p:txBody>
+            <a:bodyPr rtlCol="0" anchor="ctr"/>
+            <a:lstStyle/>
+            <a:p>
+              <a:pPr algn="ctr"/>
+              <a:endParaRPr lang="en-US" dirty="0"/>
+            </a:p>
+          </p:txBody>
+        </p:sp>
+        <p:sp>
+          <p:nvSpPr>
+            <p:cNvPr id="11" name="Rectangle 10">
+              <a:extLst>
+                <a:ext uri="{FF2B5EF4-FFF2-40B4-BE49-F238E27FC236}">
+                  <a16:creationId xmlns:a16="http://schemas.microsoft.com/office/drawing/2014/main" id="{8FF6D1F6-BE0D-405C-9028-EC70AF75D232}"/>
+                </a:ext>
+              </a:extLst>
+            </p:cNvPr>
+            <p:cNvSpPr/>
+            <p:nvPr/>
+          </p:nvSpPr>
+          <p:spPr>
+            <a:xfrm>
+              <a:off x="-1" y="0"/>
+              <a:ext cx="2013557" cy="6858000"/>
+            </a:xfrm>
+            <a:prstGeom prst="rect">
+              <a:avLst/>
+            </a:prstGeom>
+            <a:solidFill>
+              <a:srgbClr val="262626"/>
+            </a:solidFill>
+          </p:spPr>
+          <p:style>
+            <a:lnRef idx="2">
+              <a:schemeClr val="accent1">
+                <a:shade val="50000"/>
+              </a:schemeClr>
+            </a:lnRef>
+            <a:fillRef idx="1">
+              <a:schemeClr val="accent1"/>
+            </a:fillRef>
+            <a:effectRef idx="0">
+              <a:schemeClr val="accent1"/>
+            </a:effectRef>
+            <a:fontRef idx="minor">
+              <a:schemeClr val="lt1"/>
+            </a:fontRef>
+          </p:style>
+          <p:txBody>
+            <a:bodyPr rtlCol="0" anchor="ctr"/>
+            <a:lstStyle/>
+            <a:p>
+              <a:pPr algn="ctr"/>
+              <a:endParaRPr lang="en-US"/>
+            </a:p>
+          </p:txBody>
+        </p:sp>
+        <p:sp>
+          <p:nvSpPr>
+            <p:cNvPr id="23" name="Rectangle 22">
+              <a:extLst>
+                <a:ext uri="{FF2B5EF4-FFF2-40B4-BE49-F238E27FC236}">
+                  <a16:creationId xmlns:a16="http://schemas.microsoft.com/office/drawing/2014/main" id="{28403A2A-F5B0-4C1E-92F8-F68B4185D272}"/>
+                </a:ext>
+              </a:extLst>
+            </p:cNvPr>
+            <p:cNvSpPr/>
+            <p:nvPr/>
+          </p:nvSpPr>
+          <p:spPr>
+            <a:xfrm>
+              <a:off x="2499360" y="6541462"/>
+              <a:ext cx="9666205" cy="316538"/>
+            </a:xfrm>
+            <a:prstGeom prst="rect">
+              <a:avLst/>
+            </a:prstGeom>
+            <a:solidFill>
+              <a:srgbClr val="7EA861"/>
+            </a:solidFill>
+            <a:ln>
+              <a:solidFill>
+                <a:srgbClr val="7EA861"/>
+              </a:solidFill>
+            </a:ln>
+          </p:spPr>
+          <p:style>
+            <a:lnRef idx="2">
+              <a:schemeClr val="accent1">
+                <a:shade val="50000"/>
+              </a:schemeClr>
+            </a:lnRef>
+            <a:fillRef idx="1">
+              <a:schemeClr val="accent1"/>
+            </a:fillRef>
+            <a:effectRef idx="0">
+              <a:schemeClr val="accent1"/>
+            </a:effectRef>
+            <a:fontRef idx="minor">
+              <a:schemeClr val="lt1"/>
+            </a:fontRef>
+          </p:style>
+          <p:txBody>
+            <a:bodyPr rtlCol="0" anchor="ctr"/>
+            <a:lstStyle/>
+            <a:p>
+              <a:pPr algn="ctr"/>
+              <a:endParaRPr lang="en-US"/>
+            </a:p>
+          </p:txBody>
+        </p:sp>
+      </p:grpSp>
+      <p:sp>
+        <p:nvSpPr>
+          <p:cNvPr id="16" name="TextBox 15">
+            <a:extLst>
+              <a:ext uri="{FF2B5EF4-FFF2-40B4-BE49-F238E27FC236}">
+                <a16:creationId xmlns:a16="http://schemas.microsoft.com/office/drawing/2014/main" id="{28E357FE-66D7-4860-8B9C-16293153E14E}"/>
+              </a:ext>
+            </a:extLst>
+          </p:cNvPr>
+          <p:cNvSpPr txBox="1"/>
           <p:nvPr/>
         </p:nvSpPr>
         <p:spPr>
           <a:xfrm>
-            <a:off x="2499360" y="6541462"/>
-            <a:ext cx="9666205" cy="316538"/>
+            <a:off x="2854005" y="664260"/>
+            <a:ext cx="6593224" cy="369332"/>
           </a:xfrm>
           <a:prstGeom prst="rect">
             <a:avLst/>
           </a:prstGeom>
-          <a:solidFill>
-            <a:srgbClr val="7EA861"/>
-          </a:solidFill>
-          <a:ln>
-            <a:solidFill>
-              <a:srgbClr val="7EA861"/>
-            </a:solidFill>
-          </a:ln>
+          <a:noFill/>
         </p:spPr>
-        <p:style>
-          <a:lnRef idx="2">
-            <a:schemeClr val="accent1">
-              <a:shade val="50000"/>
-            </a:schemeClr>
-          </a:lnRef>
-          <a:fillRef idx="1">
-            <a:schemeClr val="accent1"/>
-          </a:fillRef>
-          <a:effectRef idx="0">
-            <a:schemeClr val="accent1"/>
-          </a:effectRef>
-          <a:fontRef idx="minor">
-            <a:schemeClr val="lt1"/>
-          </a:fontRef>
-        </p:style>
-        <p:txBody>
-          <a:bodyPr rtlCol="0" anchor="ctr"/>
+        <p:txBody>
+          <a:bodyPr wrap="square" rtlCol="0">
+            <a:spAutoFit/>
+          </a:bodyPr>
           <a:lstStyle/>
           <a:p>
-            <a:pPr algn="ctr"/>
-            <a:endParaRPr lang="en-US"/>
-          </a:p>
-        </p:txBody>
-      </p:sp>
-      <p:pic>
-        <p:nvPicPr>
-          <p:cNvPr id="9" name="Content Placeholder 15" descr="A screenshot of a cell phone&#10;&#10;Description automatically generated">
-            <a:extLst>
-              <a:ext uri="{FF2B5EF4-FFF2-40B4-BE49-F238E27FC236}">
-                <a16:creationId xmlns:a16="http://schemas.microsoft.com/office/drawing/2014/main" id="{9F157A56-63A0-4AFD-85DB-BD84CD803572}"/>
-              </a:ext>
-            </a:extLst>
-          </p:cNvPr>
-          <p:cNvPicPr>
-            <a:picLocks noGrp="1" noChangeAspect="1"/>
-          </p:cNvPicPr>
-          <p:nvPr>
-            <p:ph sz="half" idx="2"/>
-          </p:nvPr>
-        </p:nvPicPr>
-        <p:blipFill rotWithShape="1">
-          <a:blip r:embed="rId2"/>
-          <a:srcRect l="10627" r="13937"/>
-          <a:stretch/>
-        </p:blipFill>
-        <p:spPr>
-          <a:xfrm>
-            <a:off x="2424322" y="1766948"/>
-            <a:ext cx="5209674" cy="3511723"/>
-          </a:xfrm>
-        </p:spPr>
-      </p:pic>
-      <p:sp>
-        <p:nvSpPr>
-          <p:cNvPr id="8" name="Subtitle 2">
-            <a:extLst>
-              <a:ext uri="{FF2B5EF4-FFF2-40B4-BE49-F238E27FC236}">
-                <a16:creationId xmlns:a16="http://schemas.microsoft.com/office/drawing/2014/main" id="{3FD876A2-3892-42BE-9CDA-650985982439}"/>
+            <a:r>
+              <a:rPr lang="en-US" b="1" dirty="0">
+                <a:solidFill>
+                  <a:schemeClr val="accent6">
+                    <a:lumMod val="75000"/>
+                  </a:schemeClr>
+                </a:solidFill>
+              </a:rPr>
+              <a:t>Where’s the information?</a:t>
+            </a:r>
+            <a:endParaRPr lang="en-US" b="1" dirty="0"/>
+          </a:p>
+        </p:txBody>
+      </p:sp>
+      <p:sp>
+        <p:nvSpPr>
+          <p:cNvPr id="20" name="Subtitle 2">
+            <a:extLst>
+              <a:ext uri="{FF2B5EF4-FFF2-40B4-BE49-F238E27FC236}">
+                <a16:creationId xmlns:a16="http://schemas.microsoft.com/office/drawing/2014/main" id="{A57814C1-BF80-4E15-B171-D6F88EAE04E4}"/>
               </a:ext>
             </a:extLst>
           </p:cNvPr>
@@ -11441,8 +13170,8 @@
         </p:nvSpPr>
         <p:spPr>
           <a:xfrm>
-            <a:off x="2555433" y="248456"/>
-            <a:ext cx="5354320" cy="597617"/>
+            <a:off x="2668588" y="-40496"/>
+            <a:ext cx="4033870" cy="838831"/>
           </a:xfrm>
           <a:prstGeom prst="rect">
             <a:avLst/>
@@ -11450,7 +13179,7 @@
         </p:spPr>
         <p:txBody>
           <a:bodyPr vert="horz" lIns="91440" tIns="45720" rIns="91440" bIns="45720" rtlCol="0" anchor="b">
-            <a:normAutofit fontScale="55000" lnSpcReduction="20000"/>
+            <a:noAutofit/>
           </a:bodyPr>
           <a:lstStyle>
             <a:lvl1pPr marL="0" indent="0" algn="l" defTabSz="914400" rtl="0" eaLnBrk="1" latinLnBrk="0" hangingPunct="1">
@@ -11619,22 +13348,23 @@
           <a:p>
             <a:pPr algn="r"/>
             <a:r>
-              <a:rPr lang="en-US" sz="5400" dirty="0">
-                <a:solidFill>
-                  <a:srgbClr val="000000"/>
-                </a:solidFill>
-              </a:rPr>
-              <a:t>Conclusions: Happiness Factors</a:t>
+              <a:rPr lang="en-US" sz="4000" dirty="0"/>
+              <a:t>A Deep Data Dive</a:t>
             </a:r>
-          </a:p>
-        </p:txBody>
-      </p:sp>
-      <p:sp>
-        <p:nvSpPr>
-          <p:cNvPr id="12" name="Rectangle 11">
-            <a:extLst>
-              <a:ext uri="{FF2B5EF4-FFF2-40B4-BE49-F238E27FC236}">
-                <a16:creationId xmlns:a16="http://schemas.microsoft.com/office/drawing/2014/main" id="{667506F0-E964-4E08-93A1-B31E6BB62A25}"/>
+            <a:endParaRPr lang="en-US" sz="4000" dirty="0">
+              <a:solidFill>
+                <a:srgbClr val="000000"/>
+              </a:solidFill>
+            </a:endParaRPr>
+          </a:p>
+        </p:txBody>
+      </p:sp>
+      <p:sp>
+        <p:nvSpPr>
+          <p:cNvPr id="4" name="Rectangle 3">
+            <a:extLst>
+              <a:ext uri="{FF2B5EF4-FFF2-40B4-BE49-F238E27FC236}">
+                <a16:creationId xmlns:a16="http://schemas.microsoft.com/office/drawing/2014/main" id="{465AA7FF-9D7F-4763-BA9C-3E0486BFA425}"/>
               </a:ext>
             </a:extLst>
           </p:cNvPr>
@@ -11643,167 +13373,400 @@
         </p:nvSpPr>
         <p:spPr>
           <a:xfrm>
-            <a:off x="1006777" y="0"/>
-            <a:ext cx="1830655" cy="6858000"/>
+            <a:off x="2897064" y="1074088"/>
+            <a:ext cx="2928943" cy="461665"/>
           </a:xfrm>
           <a:prstGeom prst="rect">
             <a:avLst/>
           </a:prstGeom>
-          <a:solidFill>
-            <a:srgbClr val="7EA861"/>
-          </a:solidFill>
-          <a:ln>
-            <a:solidFill>
-              <a:srgbClr val="7EA861"/>
-            </a:solidFill>
-          </a:ln>
         </p:spPr>
-        <p:style>
-          <a:lnRef idx="2">
-            <a:schemeClr val="accent1">
-              <a:shade val="50000"/>
-            </a:schemeClr>
-          </a:lnRef>
-          <a:fillRef idx="1">
-            <a:schemeClr val="accent1"/>
-          </a:fillRef>
-          <a:effectRef idx="0">
-            <a:schemeClr val="accent1"/>
-          </a:effectRef>
-          <a:fontRef idx="minor">
-            <a:schemeClr val="lt1"/>
-          </a:fontRef>
-        </p:style>
-        <p:txBody>
-          <a:bodyPr rtlCol="0" anchor="ctr"/>
+        <p:txBody>
+          <a:bodyPr wrap="none">
+            <a:spAutoFit/>
+          </a:bodyPr>
           <a:lstStyle/>
           <a:p>
-            <a:pPr algn="ctr"/>
-            <a:endParaRPr lang="en-US"/>
-          </a:p>
-        </p:txBody>
-      </p:sp>
-      <p:pic>
-        <p:nvPicPr>
-          <p:cNvPr id="10" name="Content Placeholder 17" descr="A screenshot of a cell phone&#10;&#10;Description automatically generated">
-            <a:extLst>
-              <a:ext uri="{FF2B5EF4-FFF2-40B4-BE49-F238E27FC236}">
-                <a16:creationId xmlns:a16="http://schemas.microsoft.com/office/drawing/2014/main" id="{FFA15AE0-B7BB-49CB-9BD6-DD974CA10C3E}"/>
-              </a:ext>
-            </a:extLst>
-          </p:cNvPr>
-          <p:cNvPicPr>
-            <a:picLocks noGrp="1" noChangeAspect="1"/>
-          </p:cNvPicPr>
-          <p:nvPr>
-            <p:ph sz="quarter" idx="4"/>
-          </p:nvPr>
-        </p:nvPicPr>
-        <p:blipFill rotWithShape="1">
-          <a:blip r:embed="rId3"/>
-          <a:srcRect l="14281" r="16440"/>
-          <a:stretch/>
-        </p:blipFill>
+            <a:r>
+              <a:rPr lang="en-US" sz="2400" b="1" dirty="0">
+                <a:solidFill>
+                  <a:srgbClr val="002060"/>
+                </a:solidFill>
+              </a:rPr>
+              <a:t>Data Cleanup Process</a:t>
+            </a:r>
+          </a:p>
+        </p:txBody>
+      </p:sp>
+      <p:sp>
+        <p:nvSpPr>
+          <p:cNvPr id="6" name="Rectangle 5">
+            <a:extLst>
+              <a:ext uri="{FF2B5EF4-FFF2-40B4-BE49-F238E27FC236}">
+                <a16:creationId xmlns:a16="http://schemas.microsoft.com/office/drawing/2014/main" id="{1C7D7DF3-24AA-4CDC-B870-2D7A29CFC50A}"/>
+              </a:ext>
+            </a:extLst>
+          </p:cNvPr>
+          <p:cNvSpPr>
+            <a:spLocks noChangeAspect="1"/>
+          </p:cNvSpPr>
+          <p:nvPr/>
+        </p:nvSpPr>
         <p:spPr>
           <a:xfrm>
-            <a:off x="7355131" y="1766947"/>
-            <a:ext cx="4915353" cy="3511723"/>
-          </a:xfrm>
-        </p:spPr>
-      </p:pic>
-      <p:sp>
-        <p:nvSpPr>
-          <p:cNvPr id="11" name="Rectangle 10">
-            <a:extLst>
-              <a:ext uri="{FF2B5EF4-FFF2-40B4-BE49-F238E27FC236}">
-                <a16:creationId xmlns:a16="http://schemas.microsoft.com/office/drawing/2014/main" id="{8FF6D1F6-BE0D-405C-9028-EC70AF75D232}"/>
-              </a:ext>
-            </a:extLst>
-          </p:cNvPr>
-          <p:cNvSpPr/>
-          <p:nvPr/>
-        </p:nvSpPr>
-        <p:spPr>
-          <a:xfrm>
-            <a:off x="-1" y="0"/>
-            <a:ext cx="2013557" cy="6858000"/>
+            <a:off x="8159882" y="4919008"/>
+            <a:ext cx="4043260" cy="1938992"/>
           </a:xfrm>
           <a:prstGeom prst="rect">
             <a:avLst/>
           </a:prstGeom>
-          <a:solidFill>
-            <a:srgbClr val="262626"/>
-          </a:solidFill>
         </p:spPr>
-        <p:style>
-          <a:lnRef idx="2">
-            <a:schemeClr val="accent1">
-              <a:shade val="50000"/>
-            </a:schemeClr>
-          </a:lnRef>
-          <a:fillRef idx="1">
-            <a:schemeClr val="accent1"/>
-          </a:fillRef>
-          <a:effectRef idx="0">
-            <a:schemeClr val="accent1"/>
-          </a:effectRef>
-          <a:fontRef idx="minor">
-            <a:schemeClr val="lt1"/>
-          </a:fontRef>
-        </p:style>
-        <p:txBody>
-          <a:bodyPr rtlCol="0" anchor="ctr"/>
+        <p:txBody>
+          <a:bodyPr wrap="square">
+            <a:spAutoFit/>
+          </a:bodyPr>
           <a:lstStyle/>
           <a:p>
-            <a:pPr algn="ctr"/>
-            <a:endParaRPr lang="en-US"/>
-          </a:p>
-        </p:txBody>
-      </p:sp>
-      <p:sp>
-        <p:nvSpPr>
-          <p:cNvPr id="13" name="TextBox 12">
-            <a:extLst>
-              <a:ext uri="{FF2B5EF4-FFF2-40B4-BE49-F238E27FC236}">
-                <a16:creationId xmlns:a16="http://schemas.microsoft.com/office/drawing/2014/main" id="{AFE8CD97-6182-471A-A81E-F229407DE265}"/>
-              </a:ext>
-            </a:extLst>
-          </p:cNvPr>
-          <p:cNvSpPr txBox="1"/>
+            <a:pPr marL="285750" lvl="3" indent="-285750">
+              <a:buFont typeface="Arial" panose="020B0604020202020204" pitchFamily="34" charset="0"/>
+              <a:buChar char="•"/>
+            </a:pPr>
+            <a:r>
+              <a:rPr lang="en-US" sz="2000" dirty="0"/>
+              <a:t>The data exploration and cleanup process (accompanied by your </a:t>
+            </a:r>
+            <a:r>
+              <a:rPr lang="en-US" sz="2000" dirty="0" err="1"/>
+              <a:t>Jupyter</a:t>
+            </a:r>
+            <a:r>
+              <a:rPr lang="en-US" sz="2000" dirty="0"/>
+              <a:t> Notebook)</a:t>
+            </a:r>
+          </a:p>
+          <a:p>
+            <a:pPr marL="285750" lvl="3" indent="-285750">
+              <a:buFont typeface="Arial" panose="020B0604020202020204" pitchFamily="34" charset="0"/>
+              <a:buChar char="•"/>
+            </a:pPr>
+            <a:r>
+              <a:rPr lang="en-US" sz="2000" dirty="0"/>
+              <a:t>The analysis process (accompanied by your </a:t>
+            </a:r>
+            <a:r>
+              <a:rPr lang="en-US" sz="2000" dirty="0" err="1"/>
+              <a:t>Jupyter</a:t>
+            </a:r>
+            <a:r>
+              <a:rPr lang="en-US" sz="2000" dirty="0"/>
+              <a:t> Notebook)</a:t>
+            </a:r>
+          </a:p>
+        </p:txBody>
+      </p:sp>
+      <p:grpSp>
+        <p:nvGrpSpPr>
+          <p:cNvPr id="5" name="Group 4">
+            <a:extLst>
+              <a:ext uri="{FF2B5EF4-FFF2-40B4-BE49-F238E27FC236}">
+                <a16:creationId xmlns:a16="http://schemas.microsoft.com/office/drawing/2014/main" id="{2BF7A79D-84C9-4D03-8709-0E2331F57A72}"/>
+              </a:ext>
+            </a:extLst>
+          </p:cNvPr>
+          <p:cNvGrpSpPr/>
           <p:nvPr/>
-        </p:nvSpPr>
-        <p:spPr>
+        </p:nvGrpSpPr>
+        <p:grpSpPr>
           <a:xfrm>
-            <a:off x="2905153" y="783251"/>
-            <a:ext cx="7571373" cy="861774"/>
+            <a:off x="2948294" y="3238481"/>
+            <a:ext cx="3245259" cy="1477328"/>
+            <a:chOff x="2935585" y="2174845"/>
+            <a:chExt cx="3245259" cy="1477328"/>
+          </a:xfrm>
+        </p:grpSpPr>
+        <p:pic>
+          <p:nvPicPr>
+            <p:cNvPr id="1026" name="Picture 2" descr="Image result for cloud icon">
+              <a:extLst>
+                <a:ext uri="{FF2B5EF4-FFF2-40B4-BE49-F238E27FC236}">
+                  <a16:creationId xmlns:a16="http://schemas.microsoft.com/office/drawing/2014/main" id="{EF3F22E6-DE85-4799-8A5A-D8D7082918B9}"/>
+                </a:ext>
+              </a:extLst>
+            </p:cNvPr>
+            <p:cNvPicPr>
+              <a:picLocks noChangeAspect="1" noChangeArrowheads="1"/>
+            </p:cNvPicPr>
+            <p:nvPr/>
+          </p:nvPicPr>
+          <p:blipFill>
+            <a:blip r:embed="rId2">
+              <a:duotone>
+                <a:schemeClr val="accent6">
+                  <a:shade val="45000"/>
+                  <a:satMod val="135000"/>
+                </a:schemeClr>
+                <a:prstClr val="white"/>
+              </a:duotone>
+              <a:extLst>
+                <a:ext uri="{28A0092B-C50C-407E-A947-70E740481C1C}">
+                  <a14:useLocalDpi xmlns:a14="http://schemas.microsoft.com/office/drawing/2010/main" val="0"/>
+                </a:ext>
+              </a:extLst>
+            </a:blip>
+            <a:srcRect/>
+            <a:stretch>
+              <a:fillRect/>
+            </a:stretch>
+          </p:blipFill>
+          <p:spPr bwMode="auto">
+            <a:xfrm>
+              <a:off x="2935585" y="2406589"/>
+              <a:ext cx="557151" cy="385827"/>
+            </a:xfrm>
+            <a:prstGeom prst="rect">
+              <a:avLst/>
+            </a:prstGeom>
+            <a:noFill/>
+            <a:extLst>
+              <a:ext uri="{909E8E84-426E-40DD-AFC4-6F175D3DCCD1}">
+                <a14:hiddenFill xmlns:a14="http://schemas.microsoft.com/office/drawing/2010/main">
+                  <a:solidFill>
+                    <a:srgbClr val="FFFFFF"/>
+                  </a:solidFill>
+                </a14:hiddenFill>
+              </a:ext>
+            </a:extLst>
+          </p:spPr>
+        </p:pic>
+        <p:sp>
+          <p:nvSpPr>
+            <p:cNvPr id="7" name="Rectangle 6">
+              <a:extLst>
+                <a:ext uri="{FF2B5EF4-FFF2-40B4-BE49-F238E27FC236}">
+                  <a16:creationId xmlns:a16="http://schemas.microsoft.com/office/drawing/2014/main" id="{19D33CC2-70F4-4593-BFAD-4BECC08195B1}"/>
+                </a:ext>
+              </a:extLst>
+            </p:cNvPr>
+            <p:cNvSpPr/>
+            <p:nvPr/>
+          </p:nvSpPr>
+          <p:spPr>
+            <a:xfrm>
+              <a:off x="3492736" y="2174845"/>
+              <a:ext cx="2688108" cy="1477328"/>
+            </a:xfrm>
+            <a:prstGeom prst="rect">
+              <a:avLst/>
+            </a:prstGeom>
+          </p:spPr>
+          <p:txBody>
+            <a:bodyPr wrap="none">
+              <a:spAutoFit/>
+            </a:bodyPr>
+            <a:lstStyle/>
+            <a:p>
+              <a:endParaRPr lang="en-US" dirty="0"/>
+            </a:p>
+            <a:p>
+              <a:r>
+                <a:rPr lang="en-US" dirty="0"/>
+                <a:t>Merge Pandas </a:t>
+              </a:r>
+              <a:r>
+                <a:rPr lang="en-US" dirty="0" err="1"/>
+                <a:t>DataFrames</a:t>
+              </a:r>
+              <a:endParaRPr lang="en-US" dirty="0"/>
+            </a:p>
+            <a:p>
+              <a:endParaRPr lang="en-US" dirty="0"/>
+            </a:p>
+            <a:p>
+              <a:endParaRPr lang="en-US" dirty="0"/>
+            </a:p>
+            <a:p>
+              <a:endParaRPr lang="en-US" dirty="0"/>
+            </a:p>
+          </p:txBody>
+        </p:sp>
+      </p:grpSp>
+      <p:pic>
+        <p:nvPicPr>
+          <p:cNvPr id="10" name="Picture 2" descr="Image result for excel icon">
+            <a:extLst>
+              <a:ext uri="{FF2B5EF4-FFF2-40B4-BE49-F238E27FC236}">
+                <a16:creationId xmlns:a16="http://schemas.microsoft.com/office/drawing/2014/main" id="{42BB2766-3C6E-4841-A02F-9A6AF40A178D}"/>
+              </a:ext>
+            </a:extLst>
+          </p:cNvPr>
+          <p:cNvPicPr>
+            <a:picLocks noChangeAspect="1" noChangeArrowheads="1"/>
+          </p:cNvPicPr>
+          <p:nvPr/>
+        </p:nvPicPr>
+        <p:blipFill>
+          <a:blip r:embed="rId3">
+            <a:extLst>
+              <a:ext uri="{28A0092B-C50C-407E-A947-70E740481C1C}">
+                <a14:useLocalDpi xmlns:a14="http://schemas.microsoft.com/office/drawing/2010/main" val="0"/>
+              </a:ext>
+            </a:extLst>
+          </a:blip>
+          <a:srcRect/>
+          <a:stretch>
+            <a:fillRect/>
+          </a:stretch>
+        </p:blipFill>
+        <p:spPr bwMode="auto">
+          <a:xfrm>
+            <a:off x="2948294" y="1737544"/>
+            <a:ext cx="419830" cy="419830"/>
           </a:xfrm>
           <a:prstGeom prst="rect">
             <a:avLst/>
           </a:prstGeom>
           <a:noFill/>
+          <a:extLst>
+            <a:ext uri="{909E8E84-426E-40DD-AFC4-6F175D3DCCD1}">
+              <a14:hiddenFill xmlns:a14="http://schemas.microsoft.com/office/drawing/2010/main">
+                <a:solidFill>
+                  <a:srgbClr val="FFFFFF"/>
+                </a:solidFill>
+              </a14:hiddenFill>
+            </a:ext>
+          </a:extLst>
         </p:spPr>
-        <p:txBody>
-          <a:bodyPr wrap="square" rtlCol="0">
+      </p:pic>
+      <p:sp>
+        <p:nvSpPr>
+          <p:cNvPr id="21" name="Rectangle 20">
+            <a:extLst>
+              <a:ext uri="{FF2B5EF4-FFF2-40B4-BE49-F238E27FC236}">
+                <a16:creationId xmlns:a16="http://schemas.microsoft.com/office/drawing/2014/main" id="{2B1BC0DB-3D6E-4D38-A9A9-6A515C7614F6}"/>
+              </a:ext>
+            </a:extLst>
+          </p:cNvPr>
+          <p:cNvSpPr/>
+          <p:nvPr/>
+        </p:nvSpPr>
+        <p:spPr>
+          <a:xfrm>
+            <a:off x="3497300" y="3686724"/>
+            <a:ext cx="237566" cy="1477328"/>
+          </a:xfrm>
+          <a:prstGeom prst="rect">
+            <a:avLst/>
+          </a:prstGeom>
+        </p:spPr>
+        <p:txBody>
+          <a:bodyPr wrap="none">
             <a:spAutoFit/>
           </a:bodyPr>
           <a:lstStyle/>
           <a:p>
+            <a:endParaRPr lang="en-US" dirty="0"/>
+          </a:p>
+          <a:p>
             <a:r>
-              <a:rPr lang="en-US" b="1" dirty="0">
-                <a:solidFill>
-                  <a:schemeClr val="accent6">
-                    <a:lumMod val="75000"/>
-                  </a:schemeClr>
-                </a:solidFill>
-              </a:rPr>
-              <a:t>How do the different happiness factors correlate? </a:t>
+              <a:rPr lang="en-US" dirty="0"/>
+              <a:t> </a:t>
             </a:r>
           </a:p>
           <a:p>
+            <a:endParaRPr lang="en-US" dirty="0"/>
+          </a:p>
+          <a:p>
+            <a:endParaRPr lang="en-US" dirty="0"/>
+          </a:p>
+          <a:p>
+            <a:endParaRPr lang="en-US" dirty="0"/>
+          </a:p>
+        </p:txBody>
+      </p:sp>
+      <p:sp>
+        <p:nvSpPr>
+          <p:cNvPr id="22" name="Rectangle 21">
+            <a:extLst>
+              <a:ext uri="{FF2B5EF4-FFF2-40B4-BE49-F238E27FC236}">
+                <a16:creationId xmlns:a16="http://schemas.microsoft.com/office/drawing/2014/main" id="{ACB780E0-D6F2-42C1-AB7E-F236C88B9702}"/>
+              </a:ext>
+            </a:extLst>
+          </p:cNvPr>
+          <p:cNvSpPr/>
+          <p:nvPr/>
+        </p:nvSpPr>
+        <p:spPr>
+          <a:xfrm>
+            <a:off x="3478986" y="1497576"/>
+            <a:ext cx="3073405" cy="2585323"/>
+          </a:xfrm>
+          <a:prstGeom prst="rect">
+            <a:avLst/>
+          </a:prstGeom>
+        </p:spPr>
+        <p:txBody>
+          <a:bodyPr wrap="none">
+            <a:spAutoFit/>
+          </a:bodyPr>
+          <a:lstStyle/>
+          <a:p>
+            <a:endParaRPr lang="en-US" dirty="0"/>
+          </a:p>
+          <a:p>
             <a:r>
-              <a:rPr lang="en-US" sz="1400" dirty="0"/>
-              <a:t>Analyzing household income</a:t>
+              <a:rPr lang="en-US" dirty="0"/>
+              <a:t>Create Pandas </a:t>
             </a:r>
+            <a:r>
+              <a:rPr lang="en-US" dirty="0" err="1"/>
+              <a:t>DataFrames</a:t>
+            </a:r>
+            <a:r>
+              <a:rPr lang="en-US" dirty="0"/>
+              <a:t> for:</a:t>
+            </a:r>
+          </a:p>
+          <a:p>
+            <a:pPr marL="742950" lvl="1" indent="-285750">
+              <a:buFont typeface="Arial" panose="020B0604020202020204" pitchFamily="34" charset="0"/>
+              <a:buChar char="•"/>
+            </a:pPr>
+            <a:r>
+              <a:rPr lang="en-US" dirty="0"/>
+              <a:t>Alcohol data</a:t>
+            </a:r>
+          </a:p>
+          <a:p>
+            <a:pPr marL="742950" lvl="1" indent="-285750">
+              <a:buFont typeface="Arial" panose="020B0604020202020204" pitchFamily="34" charset="0"/>
+              <a:buChar char="•"/>
+            </a:pPr>
+            <a:r>
+              <a:rPr lang="en-US" dirty="0"/>
+              <a:t>Happiness data</a:t>
+            </a:r>
+          </a:p>
+          <a:p>
+            <a:pPr marL="742950" lvl="1" indent="-285750">
+              <a:buFont typeface="Arial" panose="020B0604020202020204" pitchFamily="34" charset="0"/>
+              <a:buChar char="•"/>
+            </a:pPr>
+            <a:r>
+              <a:rPr lang="en-US" dirty="0"/>
+              <a:t>Lat/Long data</a:t>
+            </a:r>
+          </a:p>
+          <a:p>
+            <a:pPr lvl="1"/>
+            <a:r>
+              <a:rPr lang="en-US" dirty="0"/>
+              <a:t> </a:t>
+            </a:r>
+          </a:p>
+          <a:p>
+            <a:endParaRPr lang="en-US" dirty="0"/>
+          </a:p>
+          <a:p>
+            <a:endParaRPr lang="en-US" dirty="0"/>
           </a:p>
           <a:p>
             <a:endParaRPr lang="en-US" dirty="0"/>
@@ -11813,149 +13776,13 @@
     </p:spTree>
     <p:extLst>
       <p:ext uri="{BB962C8B-B14F-4D97-AF65-F5344CB8AC3E}">
-        <p14:creationId xmlns:p14="http://schemas.microsoft.com/office/powerpoint/2010/main" val="551049074"/>
+        <p14:creationId xmlns:p14="http://schemas.microsoft.com/office/powerpoint/2010/main" val="81612011"/>
       </p:ext>
     </p:extLst>
   </p:cSld>
   <p:clrMapOvr>
     <a:masterClrMapping/>
   </p:clrMapOvr>
-  <p:timing>
-    <p:tnLst>
-      <p:par>
-        <p:cTn id="1" dur="indefinite" restart="never" nodeType="tmRoot">
-          <p:childTnLst>
-            <p:seq concurrent="1" nextAc="seek">
-              <p:cTn id="2" dur="indefinite" nodeType="mainSeq">
-                <p:childTnLst>
-                  <p:par>
-                    <p:cTn id="3" fill="hold">
-                      <p:stCondLst>
-                        <p:cond delay="indefinite"/>
-                      </p:stCondLst>
-                      <p:childTnLst>
-                        <p:par>
-                          <p:cTn id="4" fill="hold">
-                            <p:stCondLst>
-                              <p:cond delay="0"/>
-                            </p:stCondLst>
-                            <p:childTnLst>
-                              <p:par>
-                                <p:cTn id="5" presetID="9" presetClass="entr" presetSubtype="0" fill="hold" nodeType="clickEffect">
-                                  <p:stCondLst>
-                                    <p:cond delay="0"/>
-                                  </p:stCondLst>
-                                  <p:childTnLst>
-                                    <p:set>
-                                      <p:cBhvr>
-                                        <p:cTn id="6" dur="1" fill="hold">
-                                          <p:stCondLst>
-                                            <p:cond delay="0"/>
-                                          </p:stCondLst>
-                                        </p:cTn>
-                                        <p:tgtEl>
-                                          <p:spTgt spid="9"/>
-                                        </p:tgtEl>
-                                        <p:attrNameLst>
-                                          <p:attrName>style.visibility</p:attrName>
-                                        </p:attrNameLst>
-                                      </p:cBhvr>
-                                      <p:to>
-                                        <p:strVal val="visible"/>
-                                      </p:to>
-                                    </p:set>
-                                    <p:animEffect transition="in" filter="dissolve">
-                                      <p:cBhvr>
-                                        <p:cTn id="7" dur="500"/>
-                                        <p:tgtEl>
-                                          <p:spTgt spid="9"/>
-                                        </p:tgtEl>
-                                      </p:cBhvr>
-                                    </p:animEffect>
-                                  </p:childTnLst>
-                                </p:cTn>
-                              </p:par>
-                            </p:childTnLst>
-                          </p:cTn>
-                        </p:par>
-                      </p:childTnLst>
-                    </p:cTn>
-                  </p:par>
-                  <p:par>
-                    <p:cTn id="8" fill="hold">
-                      <p:stCondLst>
-                        <p:cond delay="indefinite"/>
-                      </p:stCondLst>
-                      <p:childTnLst>
-                        <p:par>
-                          <p:cTn id="9" fill="hold">
-                            <p:stCondLst>
-                              <p:cond delay="0"/>
-                            </p:stCondLst>
-                            <p:childTnLst>
-                              <p:par>
-                                <p:cTn id="10" presetID="9" presetClass="entr" presetSubtype="0" fill="hold" nodeType="clickEffect">
-                                  <p:stCondLst>
-                                    <p:cond delay="0"/>
-                                  </p:stCondLst>
-                                  <p:childTnLst>
-                                    <p:set>
-                                      <p:cBhvr>
-                                        <p:cTn id="11" dur="1" fill="hold">
-                                          <p:stCondLst>
-                                            <p:cond delay="0"/>
-                                          </p:stCondLst>
-                                        </p:cTn>
-                                        <p:tgtEl>
-                                          <p:spTgt spid="10"/>
-                                        </p:tgtEl>
-                                        <p:attrNameLst>
-                                          <p:attrName>style.visibility</p:attrName>
-                                        </p:attrNameLst>
-                                      </p:cBhvr>
-                                      <p:to>
-                                        <p:strVal val="visible"/>
-                                      </p:to>
-                                    </p:set>
-                                    <p:animEffect transition="in" filter="dissolve">
-                                      <p:cBhvr>
-                                        <p:cTn id="12" dur="500"/>
-                                        <p:tgtEl>
-                                          <p:spTgt spid="10"/>
-                                        </p:tgtEl>
-                                      </p:cBhvr>
-                                    </p:animEffect>
-                                  </p:childTnLst>
-                                </p:cTn>
-                              </p:par>
-                            </p:childTnLst>
-                          </p:cTn>
-                        </p:par>
-                      </p:childTnLst>
-                    </p:cTn>
-                  </p:par>
-                </p:childTnLst>
-              </p:cTn>
-              <p:prevCondLst>
-                <p:cond evt="onPrev" delay="0">
-                  <p:tgtEl>
-                    <p:sldTgt/>
-                  </p:tgtEl>
-                </p:cond>
-              </p:prevCondLst>
-              <p:nextCondLst>
-                <p:cond evt="onNext" delay="0">
-                  <p:tgtEl>
-                    <p:sldTgt/>
-                  </p:tgtEl>
-                </p:cond>
-              </p:nextCondLst>
-            </p:seq>
-          </p:childTnLst>
-        </p:cTn>
-      </p:par>
-    </p:tnLst>
-  </p:timing>
 </p:sld>
 </file>
 

--- a/DrinkandBeHappy_AY.pptx
+++ b/DrinkandBeHappy_AY.pptx
@@ -5,7 +5,7 @@
     <p:sldMasterId id="2147483648" r:id="rId1"/>
   </p:sldMasterIdLst>
   <p:notesMasterIdLst>
-    <p:notesMasterId r:id="rId17"/>
+    <p:notesMasterId r:id="rId18"/>
   </p:notesMasterIdLst>
   <p:sldIdLst>
     <p:sldId id="263" r:id="rId2"/>
@@ -19,10 +19,11 @@
     <p:sldId id="266" r:id="rId10"/>
     <p:sldId id="267" r:id="rId11"/>
     <p:sldId id="268" r:id="rId12"/>
-    <p:sldId id="262" r:id="rId13"/>
-    <p:sldId id="274" r:id="rId14"/>
-    <p:sldId id="275" r:id="rId15"/>
-    <p:sldId id="276" r:id="rId16"/>
+    <p:sldId id="278" r:id="rId13"/>
+    <p:sldId id="279" r:id="rId14"/>
+    <p:sldId id="274" r:id="rId15"/>
+    <p:sldId id="275" r:id="rId16"/>
+    <p:sldId id="276" r:id="rId17"/>
   </p:sldIdLst>
   <p:sldSz cx="12192000" cy="6858000"/>
   <p:notesSz cx="6858000" cy="9144000"/>
@@ -5576,40 +5577,527 @@
           <a:chExt cx="0" cy="0"/>
         </a:xfrm>
       </p:grpSpPr>
-      <p:sp>
-        <p:nvSpPr>
-          <p:cNvPr id="2" name="Title 1">
-            <a:extLst>
-              <a:ext uri="{FF2B5EF4-FFF2-40B4-BE49-F238E27FC236}">
-                <a16:creationId xmlns:a16="http://schemas.microsoft.com/office/drawing/2014/main" id="{C2D1F501-644D-4E69-9113-C701BB8C3ECE}"/>
-              </a:ext>
-            </a:extLst>
-          </p:cNvPr>
-          <p:cNvSpPr>
-            <a:spLocks noGrp="1"/>
-          </p:cNvSpPr>
-          <p:nvPr>
-            <p:ph type="title"/>
-          </p:nvPr>
+      <p:grpSp>
+        <p:nvGrpSpPr>
+          <p:cNvPr id="2" name="Group 1">
+            <a:extLst>
+              <a:ext uri="{FF2B5EF4-FFF2-40B4-BE49-F238E27FC236}">
+                <a16:creationId xmlns:a16="http://schemas.microsoft.com/office/drawing/2014/main" id="{0003F93F-024F-402C-9760-B3A204C64DF1}"/>
+              </a:ext>
+            </a:extLst>
+          </p:cNvPr>
+          <p:cNvGrpSpPr/>
+          <p:nvPr/>
+        </p:nvGrpSpPr>
+        <p:grpSpPr>
+          <a:xfrm>
+            <a:off x="-1" y="0"/>
+            <a:ext cx="12165566" cy="6858000"/>
+            <a:chOff x="-1" y="0"/>
+            <a:chExt cx="12165566" cy="6858000"/>
+          </a:xfrm>
+        </p:grpSpPr>
+        <p:sp>
+          <p:nvSpPr>
+            <p:cNvPr id="14" name="Rectangle 13">
+              <a:extLst>
+                <a:ext uri="{FF2B5EF4-FFF2-40B4-BE49-F238E27FC236}">
+                  <a16:creationId xmlns:a16="http://schemas.microsoft.com/office/drawing/2014/main" id="{33E5F303-EAC6-47BA-BC08-2AA48388F971}"/>
+                </a:ext>
+              </a:extLst>
+            </p:cNvPr>
+            <p:cNvSpPr/>
+            <p:nvPr/>
+          </p:nvSpPr>
+          <p:spPr>
+            <a:xfrm>
+              <a:off x="1006777" y="0"/>
+              <a:ext cx="1830655" cy="6858000"/>
+            </a:xfrm>
+            <a:prstGeom prst="rect">
+              <a:avLst/>
+            </a:prstGeom>
+            <a:solidFill>
+              <a:srgbClr val="7EA861"/>
+            </a:solidFill>
+            <a:ln>
+              <a:solidFill>
+                <a:srgbClr val="7EA861"/>
+              </a:solidFill>
+            </a:ln>
+          </p:spPr>
+          <p:style>
+            <a:lnRef idx="2">
+              <a:schemeClr val="accent1">
+                <a:shade val="50000"/>
+              </a:schemeClr>
+            </a:lnRef>
+            <a:fillRef idx="1">
+              <a:schemeClr val="accent1"/>
+            </a:fillRef>
+            <a:effectRef idx="0">
+              <a:schemeClr val="accent1"/>
+            </a:effectRef>
+            <a:fontRef idx="minor">
+              <a:schemeClr val="lt1"/>
+            </a:fontRef>
+          </p:style>
+          <p:txBody>
+            <a:bodyPr rtlCol="0" anchor="ctr"/>
+            <a:lstStyle/>
+            <a:p>
+              <a:pPr algn="ctr"/>
+              <a:endParaRPr lang="en-US" dirty="0"/>
+            </a:p>
+          </p:txBody>
+        </p:sp>
+        <p:sp>
+          <p:nvSpPr>
+            <p:cNvPr id="11" name="Rectangle 10">
+              <a:extLst>
+                <a:ext uri="{FF2B5EF4-FFF2-40B4-BE49-F238E27FC236}">
+                  <a16:creationId xmlns:a16="http://schemas.microsoft.com/office/drawing/2014/main" id="{8FF6D1F6-BE0D-405C-9028-EC70AF75D232}"/>
+                </a:ext>
+              </a:extLst>
+            </p:cNvPr>
+            <p:cNvSpPr/>
+            <p:nvPr/>
+          </p:nvSpPr>
+          <p:spPr>
+            <a:xfrm>
+              <a:off x="-1" y="0"/>
+              <a:ext cx="2013557" cy="6858000"/>
+            </a:xfrm>
+            <a:prstGeom prst="rect">
+              <a:avLst/>
+            </a:prstGeom>
+            <a:solidFill>
+              <a:srgbClr val="262626"/>
+            </a:solidFill>
+          </p:spPr>
+          <p:style>
+            <a:lnRef idx="2">
+              <a:schemeClr val="accent1">
+                <a:shade val="50000"/>
+              </a:schemeClr>
+            </a:lnRef>
+            <a:fillRef idx="1">
+              <a:schemeClr val="accent1"/>
+            </a:fillRef>
+            <a:effectRef idx="0">
+              <a:schemeClr val="accent1"/>
+            </a:effectRef>
+            <a:fontRef idx="minor">
+              <a:schemeClr val="lt1"/>
+            </a:fontRef>
+          </p:style>
+          <p:txBody>
+            <a:bodyPr rtlCol="0" anchor="ctr"/>
+            <a:lstStyle/>
+            <a:p>
+              <a:pPr algn="ctr"/>
+              <a:endParaRPr lang="en-US"/>
+            </a:p>
+          </p:txBody>
+        </p:sp>
+        <p:sp>
+          <p:nvSpPr>
+            <p:cNvPr id="23" name="Rectangle 22">
+              <a:extLst>
+                <a:ext uri="{FF2B5EF4-FFF2-40B4-BE49-F238E27FC236}">
+                  <a16:creationId xmlns:a16="http://schemas.microsoft.com/office/drawing/2014/main" id="{28403A2A-F5B0-4C1E-92F8-F68B4185D272}"/>
+                </a:ext>
+              </a:extLst>
+            </p:cNvPr>
+            <p:cNvSpPr/>
+            <p:nvPr/>
+          </p:nvSpPr>
+          <p:spPr>
+            <a:xfrm>
+              <a:off x="2499360" y="6541462"/>
+              <a:ext cx="9666205" cy="316538"/>
+            </a:xfrm>
+            <a:prstGeom prst="rect">
+              <a:avLst/>
+            </a:prstGeom>
+            <a:solidFill>
+              <a:srgbClr val="7EA861"/>
+            </a:solidFill>
+            <a:ln>
+              <a:solidFill>
+                <a:srgbClr val="7EA861"/>
+              </a:solidFill>
+            </a:ln>
+          </p:spPr>
+          <p:style>
+            <a:lnRef idx="2">
+              <a:schemeClr val="accent1">
+                <a:shade val="50000"/>
+              </a:schemeClr>
+            </a:lnRef>
+            <a:fillRef idx="1">
+              <a:schemeClr val="accent1"/>
+            </a:fillRef>
+            <a:effectRef idx="0">
+              <a:schemeClr val="accent1"/>
+            </a:effectRef>
+            <a:fontRef idx="minor">
+              <a:schemeClr val="lt1"/>
+            </a:fontRef>
+          </p:style>
+          <p:txBody>
+            <a:bodyPr rtlCol="0" anchor="ctr"/>
+            <a:lstStyle/>
+            <a:p>
+              <a:pPr algn="ctr"/>
+              <a:endParaRPr lang="en-US"/>
+            </a:p>
+          </p:txBody>
+        </p:sp>
+      </p:grpSp>
+      <p:sp>
+        <p:nvSpPr>
+          <p:cNvPr id="16" name="TextBox 15">
+            <a:extLst>
+              <a:ext uri="{FF2B5EF4-FFF2-40B4-BE49-F238E27FC236}">
+                <a16:creationId xmlns:a16="http://schemas.microsoft.com/office/drawing/2014/main" id="{28E357FE-66D7-4860-8B9C-16293153E14E}"/>
+              </a:ext>
+            </a:extLst>
+          </p:cNvPr>
+          <p:cNvSpPr txBox="1"/>
+          <p:nvPr/>
         </p:nvSpPr>
         <p:spPr>
           <a:xfrm>
-            <a:off x="839788" y="365125"/>
-            <a:ext cx="4646612" cy="1325563"/>
+            <a:off x="3000801" y="1044829"/>
+            <a:ext cx="6593224" cy="369332"/>
           </a:xfrm>
+          <a:prstGeom prst="rect">
+            <a:avLst/>
+          </a:prstGeom>
+          <a:noFill/>
         </p:spPr>
         <p:txBody>
-          <a:bodyPr/>
+          <a:bodyPr wrap="square" rtlCol="0">
+            <a:spAutoFit/>
+          </a:bodyPr>
           <a:lstStyle/>
           <a:p>
-            <a:endParaRPr lang="en-US" dirty="0"/>
+            <a:r>
+              <a:rPr lang="en-US" b="1" dirty="0">
+                <a:solidFill>
+                  <a:schemeClr val="accent6">
+                    <a:lumMod val="75000"/>
+                  </a:schemeClr>
+                </a:solidFill>
+              </a:rPr>
+              <a:t>Thots?</a:t>
+            </a:r>
+            <a:endParaRPr lang="en-US" b="1" dirty="0"/>
+          </a:p>
+        </p:txBody>
+      </p:sp>
+      <p:sp>
+        <p:nvSpPr>
+          <p:cNvPr id="3" name="Rectangle 2">
+            <a:extLst>
+              <a:ext uri="{FF2B5EF4-FFF2-40B4-BE49-F238E27FC236}">
+                <a16:creationId xmlns:a16="http://schemas.microsoft.com/office/drawing/2014/main" id="{69480590-2FF0-4D28-B943-D29C7874E490}"/>
+              </a:ext>
+            </a:extLst>
+          </p:cNvPr>
+          <p:cNvSpPr/>
+          <p:nvPr/>
+        </p:nvSpPr>
+        <p:spPr>
+          <a:xfrm>
+            <a:off x="3000801" y="1509605"/>
+            <a:ext cx="8614834" cy="3570208"/>
+          </a:xfrm>
+          <a:prstGeom prst="rect">
+            <a:avLst/>
+          </a:prstGeom>
+        </p:spPr>
+        <p:txBody>
+          <a:bodyPr wrap="square">
+            <a:spAutoFit/>
+          </a:bodyPr>
+          <a:lstStyle/>
+          <a:p>
+            <a:pPr marL="285750" lvl="4" indent="-285750">
+              <a:buFont typeface="Arial" panose="020B0604020202020204" pitchFamily="34" charset="0"/>
+              <a:buChar char="•"/>
+            </a:pPr>
+            <a:r>
+              <a:rPr lang="en-US" sz="2000" dirty="0"/>
+              <a:t>What are the most/least happy countries in the world?</a:t>
+            </a:r>
+          </a:p>
+          <a:p>
+            <a:pPr marL="742950" lvl="5" indent="-285750">
+              <a:buFont typeface="Arial" panose="020B0604020202020204" pitchFamily="34" charset="0"/>
+              <a:buChar char="•"/>
+            </a:pPr>
+            <a:r>
+              <a:rPr lang="en-US" sz="2000" dirty="0">
+                <a:latin typeface="Calibri" panose="020F0502020204030204" pitchFamily="34" charset="0"/>
+                <a:ea typeface="Calibri" panose="020F0502020204030204" pitchFamily="34" charset="0"/>
+                <a:cs typeface="Times New Roman" panose="02020603050405020304" pitchFamily="18" charset="0"/>
+              </a:rPr>
+              <a:t>The happiest countries appear to be located primarily in Scandinavia (3) and (7) Europe. The least happy countries are primarily found in Africa, with 9 of the bottom 10.</a:t>
+            </a:r>
+          </a:p>
+          <a:p>
+            <a:pPr marL="742950" lvl="5" indent="-285750">
+              <a:buFont typeface="Arial" panose="020B0604020202020204" pitchFamily="34" charset="0"/>
+              <a:buChar char="•"/>
+            </a:pPr>
+            <a:endParaRPr lang="en-US" sz="2000" dirty="0">
+              <a:latin typeface="Calibri" panose="020F0502020204030204" pitchFamily="34" charset="0"/>
+              <a:cs typeface="Times New Roman" panose="02020603050405020304" pitchFamily="18" charset="0"/>
+            </a:endParaRPr>
+          </a:p>
+          <a:p>
+            <a:pPr marL="285750" lvl="0" indent="-285750">
+              <a:buFont typeface="Arial" panose="020B0604020202020204" pitchFamily="34" charset="0"/>
+              <a:buChar char="•"/>
+            </a:pPr>
+            <a:r>
+              <a:rPr lang="en-US" dirty="0"/>
+              <a:t>Which countries have the most alcohol consumption? Least?</a:t>
+            </a:r>
+          </a:p>
+          <a:p>
+            <a:pPr marL="742950" lvl="1" indent="-285750">
+              <a:buFont typeface="Arial" panose="020B0604020202020204" pitchFamily="34" charset="0"/>
+              <a:buChar char="•"/>
+            </a:pPr>
+            <a:r>
+              <a:rPr lang="en-US" dirty="0"/>
+              <a:t>Least alcohol consumption title belongs to Somalia, but it is closely followed by a slew of Middle Eastern and North African countries that are in the surrounding geographical area</a:t>
+            </a:r>
+          </a:p>
+          <a:p>
+            <a:pPr marL="742950" lvl="1" indent="-285750">
+              <a:buFont typeface="Arial" panose="020B0604020202020204" pitchFamily="34" charset="0"/>
+              <a:buChar char="•"/>
+            </a:pPr>
+            <a:r>
+              <a:rPr lang="en-US" dirty="0"/>
+              <a:t>Most alcohol consumption title belongs to Estonia, with European countries rounding out the top 20 alcohol consumers, all above 10 liters per year consumption.</a:t>
+            </a:r>
+          </a:p>
+        </p:txBody>
+      </p:sp>
+      <p:sp>
+        <p:nvSpPr>
+          <p:cNvPr id="20" name="Subtitle 2">
+            <a:extLst>
+              <a:ext uri="{FF2B5EF4-FFF2-40B4-BE49-F238E27FC236}">
+                <a16:creationId xmlns:a16="http://schemas.microsoft.com/office/drawing/2014/main" id="{A57814C1-BF80-4E15-B171-D6F88EAE04E4}"/>
+              </a:ext>
+            </a:extLst>
+          </p:cNvPr>
+          <p:cNvSpPr txBox="1">
+            <a:spLocks/>
+          </p:cNvSpPr>
+          <p:nvPr/>
+        </p:nvSpPr>
+        <p:spPr>
+          <a:xfrm>
+            <a:off x="2837432" y="287665"/>
+            <a:ext cx="4943269" cy="838831"/>
+          </a:xfrm>
+          <a:prstGeom prst="rect">
+            <a:avLst/>
+          </a:prstGeom>
+        </p:spPr>
+        <p:txBody>
+          <a:bodyPr vert="horz" lIns="91440" tIns="45720" rIns="91440" bIns="45720" rtlCol="0" anchor="b">
+            <a:normAutofit/>
+          </a:bodyPr>
+          <a:lstStyle>
+            <a:lvl1pPr marL="0" indent="0" algn="l" defTabSz="914400" rtl="0" eaLnBrk="1" latinLnBrk="0" hangingPunct="1">
+              <a:lnSpc>
+                <a:spcPct val="90000"/>
+              </a:lnSpc>
+              <a:spcBef>
+                <a:spcPts val="1000"/>
+              </a:spcBef>
+              <a:buFont typeface="Arial" panose="020B0604020202020204" pitchFamily="34" charset="0"/>
+              <a:buNone/>
+              <a:defRPr sz="2400" b="1" kern="1200">
+                <a:solidFill>
+                  <a:schemeClr val="tx1"/>
+                </a:solidFill>
+                <a:latin typeface="+mn-lt"/>
+                <a:ea typeface="+mn-ea"/>
+                <a:cs typeface="+mn-cs"/>
+              </a:defRPr>
+            </a:lvl1pPr>
+            <a:lvl2pPr marL="457200" indent="0" algn="l" defTabSz="914400" rtl="0" eaLnBrk="1" latinLnBrk="0" hangingPunct="1">
+              <a:lnSpc>
+                <a:spcPct val="90000"/>
+              </a:lnSpc>
+              <a:spcBef>
+                <a:spcPts val="500"/>
+              </a:spcBef>
+              <a:buFont typeface="Arial" panose="020B0604020202020204" pitchFamily="34" charset="0"/>
+              <a:buNone/>
+              <a:defRPr sz="2000" b="1" kern="1200">
+                <a:solidFill>
+                  <a:schemeClr val="tx1"/>
+                </a:solidFill>
+                <a:latin typeface="+mn-lt"/>
+                <a:ea typeface="+mn-ea"/>
+                <a:cs typeface="+mn-cs"/>
+              </a:defRPr>
+            </a:lvl2pPr>
+            <a:lvl3pPr marL="914400" indent="0" algn="l" defTabSz="914400" rtl="0" eaLnBrk="1" latinLnBrk="0" hangingPunct="1">
+              <a:lnSpc>
+                <a:spcPct val="90000"/>
+              </a:lnSpc>
+              <a:spcBef>
+                <a:spcPts val="500"/>
+              </a:spcBef>
+              <a:buFont typeface="Arial" panose="020B0604020202020204" pitchFamily="34" charset="0"/>
+              <a:buNone/>
+              <a:defRPr sz="1800" b="1" kern="1200">
+                <a:solidFill>
+                  <a:schemeClr val="tx1"/>
+                </a:solidFill>
+                <a:latin typeface="+mn-lt"/>
+                <a:ea typeface="+mn-ea"/>
+                <a:cs typeface="+mn-cs"/>
+              </a:defRPr>
+            </a:lvl3pPr>
+            <a:lvl4pPr marL="1371600" indent="0" algn="l" defTabSz="914400" rtl="0" eaLnBrk="1" latinLnBrk="0" hangingPunct="1">
+              <a:lnSpc>
+                <a:spcPct val="90000"/>
+              </a:lnSpc>
+              <a:spcBef>
+                <a:spcPts val="500"/>
+              </a:spcBef>
+              <a:buFont typeface="Arial" panose="020B0604020202020204" pitchFamily="34" charset="0"/>
+              <a:buNone/>
+              <a:defRPr sz="1600" b="1" kern="1200">
+                <a:solidFill>
+                  <a:schemeClr val="tx1"/>
+                </a:solidFill>
+                <a:latin typeface="+mn-lt"/>
+                <a:ea typeface="+mn-ea"/>
+                <a:cs typeface="+mn-cs"/>
+              </a:defRPr>
+            </a:lvl4pPr>
+            <a:lvl5pPr marL="1828800" indent="0" algn="l" defTabSz="914400" rtl="0" eaLnBrk="1" latinLnBrk="0" hangingPunct="1">
+              <a:lnSpc>
+                <a:spcPct val="90000"/>
+              </a:lnSpc>
+              <a:spcBef>
+                <a:spcPts val="500"/>
+              </a:spcBef>
+              <a:buFont typeface="Arial" panose="020B0604020202020204" pitchFamily="34" charset="0"/>
+              <a:buNone/>
+              <a:defRPr sz="1600" b="1" kern="1200">
+                <a:solidFill>
+                  <a:schemeClr val="tx1"/>
+                </a:solidFill>
+                <a:latin typeface="+mn-lt"/>
+                <a:ea typeface="+mn-ea"/>
+                <a:cs typeface="+mn-cs"/>
+              </a:defRPr>
+            </a:lvl5pPr>
+            <a:lvl6pPr marL="2286000" indent="0" algn="l" defTabSz="914400" rtl="0" eaLnBrk="1" latinLnBrk="0" hangingPunct="1">
+              <a:lnSpc>
+                <a:spcPct val="90000"/>
+              </a:lnSpc>
+              <a:spcBef>
+                <a:spcPts val="500"/>
+              </a:spcBef>
+              <a:buFont typeface="Arial" panose="020B0604020202020204" pitchFamily="34" charset="0"/>
+              <a:buNone/>
+              <a:defRPr sz="1600" b="1" kern="1200">
+                <a:solidFill>
+                  <a:schemeClr val="tx1"/>
+                </a:solidFill>
+                <a:latin typeface="+mn-lt"/>
+                <a:ea typeface="+mn-ea"/>
+                <a:cs typeface="+mn-cs"/>
+              </a:defRPr>
+            </a:lvl6pPr>
+            <a:lvl7pPr marL="2743200" indent="0" algn="l" defTabSz="914400" rtl="0" eaLnBrk="1" latinLnBrk="0" hangingPunct="1">
+              <a:lnSpc>
+                <a:spcPct val="90000"/>
+              </a:lnSpc>
+              <a:spcBef>
+                <a:spcPts val="500"/>
+              </a:spcBef>
+              <a:buFont typeface="Arial" panose="020B0604020202020204" pitchFamily="34" charset="0"/>
+              <a:buNone/>
+              <a:defRPr sz="1600" b="1" kern="1200">
+                <a:solidFill>
+                  <a:schemeClr val="tx1"/>
+                </a:solidFill>
+                <a:latin typeface="+mn-lt"/>
+                <a:ea typeface="+mn-ea"/>
+                <a:cs typeface="+mn-cs"/>
+              </a:defRPr>
+            </a:lvl7pPr>
+            <a:lvl8pPr marL="3200400" indent="0" algn="l" defTabSz="914400" rtl="0" eaLnBrk="1" latinLnBrk="0" hangingPunct="1">
+              <a:lnSpc>
+                <a:spcPct val="90000"/>
+              </a:lnSpc>
+              <a:spcBef>
+                <a:spcPts val="500"/>
+              </a:spcBef>
+              <a:buFont typeface="Arial" panose="020B0604020202020204" pitchFamily="34" charset="0"/>
+              <a:buNone/>
+              <a:defRPr sz="1600" b="1" kern="1200">
+                <a:solidFill>
+                  <a:schemeClr val="tx1"/>
+                </a:solidFill>
+                <a:latin typeface="+mn-lt"/>
+                <a:ea typeface="+mn-ea"/>
+                <a:cs typeface="+mn-cs"/>
+              </a:defRPr>
+            </a:lvl8pPr>
+            <a:lvl9pPr marL="3657600" indent="0" algn="l" defTabSz="914400" rtl="0" eaLnBrk="1" latinLnBrk="0" hangingPunct="1">
+              <a:lnSpc>
+                <a:spcPct val="90000"/>
+              </a:lnSpc>
+              <a:spcBef>
+                <a:spcPts val="500"/>
+              </a:spcBef>
+              <a:buFont typeface="Arial" panose="020B0604020202020204" pitchFamily="34" charset="0"/>
+              <a:buNone/>
+              <a:defRPr sz="1600" b="1" kern="1200">
+                <a:solidFill>
+                  <a:schemeClr val="tx1"/>
+                </a:solidFill>
+                <a:latin typeface="+mn-lt"/>
+                <a:ea typeface="+mn-ea"/>
+                <a:cs typeface="+mn-cs"/>
+              </a:defRPr>
+            </a:lvl9pPr>
+          </a:lstStyle>
+          <a:p>
+            <a:pPr algn="r"/>
+            <a:r>
+              <a:rPr lang="en-US" sz="5400" dirty="0"/>
+              <a:t>Conclusions</a:t>
+            </a:r>
+            <a:endParaRPr lang="en-US" sz="5400" dirty="0">
+              <a:solidFill>
+                <a:srgbClr val="000000"/>
+              </a:solidFill>
+            </a:endParaRPr>
           </a:p>
         </p:txBody>
       </p:sp>
     </p:spTree>
     <p:extLst>
       <p:ext uri="{BB962C8B-B14F-4D97-AF65-F5344CB8AC3E}">
-        <p14:creationId xmlns:p14="http://schemas.microsoft.com/office/powerpoint/2010/main" val="3592645559"/>
+        <p14:creationId xmlns:p14="http://schemas.microsoft.com/office/powerpoint/2010/main" val="4029850878"/>
       </p:ext>
     </p:extLst>
   </p:cSld>
@@ -5620,6 +6108,589 @@
 </file>
 
 <file path=ppt/slides/slide13.xml><?xml version="1.0" encoding="utf-8"?>
+<p:sld xmlns:a="http://schemas.openxmlformats.org/drawingml/2006/main" xmlns:r="http://schemas.openxmlformats.org/officeDocument/2006/relationships" xmlns:p="http://schemas.openxmlformats.org/presentationml/2006/main">
+  <p:cSld>
+    <p:spTree>
+      <p:nvGrpSpPr>
+        <p:cNvPr id="1" name=""/>
+        <p:cNvGrpSpPr/>
+        <p:nvPr/>
+      </p:nvGrpSpPr>
+      <p:grpSpPr>
+        <a:xfrm>
+          <a:off x="0" y="0"/>
+          <a:ext cx="0" cy="0"/>
+          <a:chOff x="0" y="0"/>
+          <a:chExt cx="0" cy="0"/>
+        </a:xfrm>
+      </p:grpSpPr>
+      <p:grpSp>
+        <p:nvGrpSpPr>
+          <p:cNvPr id="2" name="Group 1">
+            <a:extLst>
+              <a:ext uri="{FF2B5EF4-FFF2-40B4-BE49-F238E27FC236}">
+                <a16:creationId xmlns:a16="http://schemas.microsoft.com/office/drawing/2014/main" id="{0003F93F-024F-402C-9760-B3A204C64DF1}"/>
+              </a:ext>
+            </a:extLst>
+          </p:cNvPr>
+          <p:cNvGrpSpPr/>
+          <p:nvPr/>
+        </p:nvGrpSpPr>
+        <p:grpSpPr>
+          <a:xfrm>
+            <a:off x="-1" y="0"/>
+            <a:ext cx="12165566" cy="6858000"/>
+            <a:chOff x="-1" y="0"/>
+            <a:chExt cx="12165566" cy="6858000"/>
+          </a:xfrm>
+        </p:grpSpPr>
+        <p:sp>
+          <p:nvSpPr>
+            <p:cNvPr id="14" name="Rectangle 13">
+              <a:extLst>
+                <a:ext uri="{FF2B5EF4-FFF2-40B4-BE49-F238E27FC236}">
+                  <a16:creationId xmlns:a16="http://schemas.microsoft.com/office/drawing/2014/main" id="{33E5F303-EAC6-47BA-BC08-2AA48388F971}"/>
+                </a:ext>
+              </a:extLst>
+            </p:cNvPr>
+            <p:cNvSpPr/>
+            <p:nvPr/>
+          </p:nvSpPr>
+          <p:spPr>
+            <a:xfrm>
+              <a:off x="1006777" y="0"/>
+              <a:ext cx="1830655" cy="6858000"/>
+            </a:xfrm>
+            <a:prstGeom prst="rect">
+              <a:avLst/>
+            </a:prstGeom>
+            <a:solidFill>
+              <a:srgbClr val="7EA861"/>
+            </a:solidFill>
+            <a:ln>
+              <a:solidFill>
+                <a:srgbClr val="7EA861"/>
+              </a:solidFill>
+            </a:ln>
+          </p:spPr>
+          <p:style>
+            <a:lnRef idx="2">
+              <a:schemeClr val="accent1">
+                <a:shade val="50000"/>
+              </a:schemeClr>
+            </a:lnRef>
+            <a:fillRef idx="1">
+              <a:schemeClr val="accent1"/>
+            </a:fillRef>
+            <a:effectRef idx="0">
+              <a:schemeClr val="accent1"/>
+            </a:effectRef>
+            <a:fontRef idx="minor">
+              <a:schemeClr val="lt1"/>
+            </a:fontRef>
+          </p:style>
+          <p:txBody>
+            <a:bodyPr rtlCol="0" anchor="ctr"/>
+            <a:lstStyle/>
+            <a:p>
+              <a:pPr algn="ctr"/>
+              <a:endParaRPr lang="en-US" dirty="0"/>
+            </a:p>
+          </p:txBody>
+        </p:sp>
+        <p:sp>
+          <p:nvSpPr>
+            <p:cNvPr id="11" name="Rectangle 10">
+              <a:extLst>
+                <a:ext uri="{FF2B5EF4-FFF2-40B4-BE49-F238E27FC236}">
+                  <a16:creationId xmlns:a16="http://schemas.microsoft.com/office/drawing/2014/main" id="{8FF6D1F6-BE0D-405C-9028-EC70AF75D232}"/>
+                </a:ext>
+              </a:extLst>
+            </p:cNvPr>
+            <p:cNvSpPr/>
+            <p:nvPr/>
+          </p:nvSpPr>
+          <p:spPr>
+            <a:xfrm>
+              <a:off x="-1" y="0"/>
+              <a:ext cx="2013557" cy="6858000"/>
+            </a:xfrm>
+            <a:prstGeom prst="rect">
+              <a:avLst/>
+            </a:prstGeom>
+            <a:solidFill>
+              <a:srgbClr val="262626"/>
+            </a:solidFill>
+          </p:spPr>
+          <p:style>
+            <a:lnRef idx="2">
+              <a:schemeClr val="accent1">
+                <a:shade val="50000"/>
+              </a:schemeClr>
+            </a:lnRef>
+            <a:fillRef idx="1">
+              <a:schemeClr val="accent1"/>
+            </a:fillRef>
+            <a:effectRef idx="0">
+              <a:schemeClr val="accent1"/>
+            </a:effectRef>
+            <a:fontRef idx="minor">
+              <a:schemeClr val="lt1"/>
+            </a:fontRef>
+          </p:style>
+          <p:txBody>
+            <a:bodyPr rtlCol="0" anchor="ctr"/>
+            <a:lstStyle/>
+            <a:p>
+              <a:pPr algn="ctr"/>
+              <a:endParaRPr lang="en-US"/>
+            </a:p>
+          </p:txBody>
+        </p:sp>
+        <p:sp>
+          <p:nvSpPr>
+            <p:cNvPr id="23" name="Rectangle 22">
+              <a:extLst>
+                <a:ext uri="{FF2B5EF4-FFF2-40B4-BE49-F238E27FC236}">
+                  <a16:creationId xmlns:a16="http://schemas.microsoft.com/office/drawing/2014/main" id="{28403A2A-F5B0-4C1E-92F8-F68B4185D272}"/>
+                </a:ext>
+              </a:extLst>
+            </p:cNvPr>
+            <p:cNvSpPr/>
+            <p:nvPr/>
+          </p:nvSpPr>
+          <p:spPr>
+            <a:xfrm>
+              <a:off x="2499360" y="6541462"/>
+              <a:ext cx="9666205" cy="316538"/>
+            </a:xfrm>
+            <a:prstGeom prst="rect">
+              <a:avLst/>
+            </a:prstGeom>
+            <a:solidFill>
+              <a:srgbClr val="7EA861"/>
+            </a:solidFill>
+            <a:ln>
+              <a:solidFill>
+                <a:srgbClr val="7EA861"/>
+              </a:solidFill>
+            </a:ln>
+          </p:spPr>
+          <p:style>
+            <a:lnRef idx="2">
+              <a:schemeClr val="accent1">
+                <a:shade val="50000"/>
+              </a:schemeClr>
+            </a:lnRef>
+            <a:fillRef idx="1">
+              <a:schemeClr val="accent1"/>
+            </a:fillRef>
+            <a:effectRef idx="0">
+              <a:schemeClr val="accent1"/>
+            </a:effectRef>
+            <a:fontRef idx="minor">
+              <a:schemeClr val="lt1"/>
+            </a:fontRef>
+          </p:style>
+          <p:txBody>
+            <a:bodyPr rtlCol="0" anchor="ctr"/>
+            <a:lstStyle/>
+            <a:p>
+              <a:pPr algn="ctr"/>
+              <a:endParaRPr lang="en-US"/>
+            </a:p>
+          </p:txBody>
+        </p:sp>
+      </p:grpSp>
+      <p:sp>
+        <p:nvSpPr>
+          <p:cNvPr id="16" name="TextBox 15">
+            <a:extLst>
+              <a:ext uri="{FF2B5EF4-FFF2-40B4-BE49-F238E27FC236}">
+                <a16:creationId xmlns:a16="http://schemas.microsoft.com/office/drawing/2014/main" id="{28E357FE-66D7-4860-8B9C-16293153E14E}"/>
+              </a:ext>
+            </a:extLst>
+          </p:cNvPr>
+          <p:cNvSpPr txBox="1"/>
+          <p:nvPr/>
+        </p:nvSpPr>
+        <p:spPr>
+          <a:xfrm>
+            <a:off x="3000801" y="1044829"/>
+            <a:ext cx="6593224" cy="369332"/>
+          </a:xfrm>
+          <a:prstGeom prst="rect">
+            <a:avLst/>
+          </a:prstGeom>
+          <a:noFill/>
+        </p:spPr>
+        <p:txBody>
+          <a:bodyPr wrap="square" rtlCol="0">
+            <a:spAutoFit/>
+          </a:bodyPr>
+          <a:lstStyle/>
+          <a:p>
+            <a:r>
+              <a:rPr lang="en-US" b="1" dirty="0">
+                <a:solidFill>
+                  <a:schemeClr val="accent6">
+                    <a:lumMod val="75000"/>
+                  </a:schemeClr>
+                </a:solidFill>
+              </a:rPr>
+              <a:t>More Thots?</a:t>
+            </a:r>
+            <a:endParaRPr lang="en-US" b="1" dirty="0"/>
+          </a:p>
+        </p:txBody>
+      </p:sp>
+      <p:sp>
+        <p:nvSpPr>
+          <p:cNvPr id="3" name="Rectangle 2">
+            <a:extLst>
+              <a:ext uri="{FF2B5EF4-FFF2-40B4-BE49-F238E27FC236}">
+                <a16:creationId xmlns:a16="http://schemas.microsoft.com/office/drawing/2014/main" id="{69480590-2FF0-4D28-B943-D29C7874E490}"/>
+              </a:ext>
+            </a:extLst>
+          </p:cNvPr>
+          <p:cNvSpPr/>
+          <p:nvPr/>
+        </p:nvSpPr>
+        <p:spPr>
+          <a:xfrm>
+            <a:off x="3000801" y="1509605"/>
+            <a:ext cx="8614834" cy="4555093"/>
+          </a:xfrm>
+          <a:prstGeom prst="rect">
+            <a:avLst/>
+          </a:prstGeom>
+        </p:spPr>
+        <p:txBody>
+          <a:bodyPr wrap="square">
+            <a:spAutoFit/>
+          </a:bodyPr>
+          <a:lstStyle/>
+          <a:p>
+            <a:pPr marL="285750" lvl="0" indent="-285750">
+              <a:buFont typeface="Arial" panose="020B0604020202020204" pitchFamily="34" charset="0"/>
+              <a:buChar char="•"/>
+            </a:pPr>
+            <a:r>
+              <a:rPr lang="en-US" dirty="0"/>
+              <a:t>Which countries have the most income inequality?</a:t>
+            </a:r>
+          </a:p>
+          <a:p>
+            <a:pPr marL="742950" lvl="1" indent="-285750">
+              <a:buFont typeface="Arial" panose="020B0604020202020204" pitchFamily="34" charset="0"/>
+              <a:buChar char="•"/>
+            </a:pPr>
+            <a:r>
+              <a:rPr lang="en-US" dirty="0"/>
+              <a:t>South Africa has highest instance of GINI coefficient, but South America appears to have the highest concentration of income inequality, with countries such as Honduras, Brazil, Colombia, Paraguay, and making the top 10.</a:t>
+            </a:r>
+          </a:p>
+          <a:p>
+            <a:pPr marL="742950" lvl="1" indent="-285750">
+              <a:buFont typeface="Arial" panose="020B0604020202020204" pitchFamily="34" charset="0"/>
+              <a:buChar char="•"/>
+            </a:pPr>
+            <a:r>
+              <a:rPr lang="en-US" dirty="0"/>
+              <a:t>Countries with increased income equality were primarily located in Europe, with 4 of the 10 lowest GINI coefficient countries also being 4 of the 10 happiest nations.</a:t>
+            </a:r>
+          </a:p>
+          <a:p>
+            <a:pPr marL="742950" lvl="5" indent="-285750">
+              <a:buFont typeface="Arial" panose="020B0604020202020204" pitchFamily="34" charset="0"/>
+              <a:buChar char="•"/>
+            </a:pPr>
+            <a:endParaRPr lang="en-US" sz="2000" dirty="0">
+              <a:latin typeface="Calibri" panose="020F0502020204030204" pitchFamily="34" charset="0"/>
+              <a:cs typeface="Times New Roman" panose="02020603050405020304" pitchFamily="18" charset="0"/>
+            </a:endParaRPr>
+          </a:p>
+          <a:p>
+            <a:pPr marL="285750" lvl="0" indent="-285750">
+              <a:buFont typeface="Arial" panose="020B0604020202020204" pitchFamily="34" charset="0"/>
+              <a:buChar char="•"/>
+            </a:pPr>
+            <a:r>
+              <a:rPr lang="en-US" dirty="0"/>
+              <a:t>Is there a correlation between alcohol consumption and happiness?</a:t>
+            </a:r>
+          </a:p>
+          <a:p>
+            <a:pPr marL="742950" lvl="1" indent="-285750">
+              <a:buFont typeface="Arial" panose="020B0604020202020204" pitchFamily="34" charset="0"/>
+              <a:buChar char="•"/>
+            </a:pPr>
+            <a:r>
+              <a:rPr lang="en-US" dirty="0"/>
+              <a:t>The data doesn’t suggest that there is a correlation between alcohol consumption and happiness. The data appears to be randomly distributed.</a:t>
+            </a:r>
+          </a:p>
+          <a:p>
+            <a:pPr marL="285750" lvl="0" indent="-285750">
+              <a:buFont typeface="Arial" panose="020B0604020202020204" pitchFamily="34" charset="0"/>
+              <a:buChar char="•"/>
+            </a:pPr>
+            <a:r>
+              <a:rPr lang="en-US" dirty="0"/>
+              <a:t>Is there a correlation between alcohol consumption and income inequality?</a:t>
+            </a:r>
+          </a:p>
+          <a:p>
+            <a:pPr marL="742950" lvl="1" indent="-285750">
+              <a:buFont typeface="Arial" panose="020B0604020202020204" pitchFamily="34" charset="0"/>
+              <a:buChar char="•"/>
+            </a:pPr>
+            <a:r>
+              <a:rPr lang="en-US" dirty="0"/>
+              <a:t>There appears to be a trend where reduced income inequality leads to higher alcohol consumption.</a:t>
+            </a:r>
+          </a:p>
+          <a:p>
+            <a:pPr marL="285750" lvl="0" indent="-285750">
+              <a:buFont typeface="Arial" panose="020B0604020202020204" pitchFamily="34" charset="0"/>
+              <a:buChar char="•"/>
+            </a:pPr>
+            <a:r>
+              <a:rPr lang="en-US" dirty="0"/>
+              <a:t>Is there a correlation between income inequality and happiness?</a:t>
+            </a:r>
+          </a:p>
+          <a:p>
+            <a:pPr marL="742950" lvl="1" indent="-285750">
+              <a:buFont typeface="Arial" panose="020B0604020202020204" pitchFamily="34" charset="0"/>
+              <a:buChar char="•"/>
+            </a:pPr>
+            <a:r>
+              <a:rPr lang="en-US" dirty="0"/>
+              <a:t>The data shows a seemingly significant trend indicating that reduced income inequality correlates with increased happiness.</a:t>
+            </a:r>
+          </a:p>
+        </p:txBody>
+      </p:sp>
+      <p:sp>
+        <p:nvSpPr>
+          <p:cNvPr id="20" name="Subtitle 2">
+            <a:extLst>
+              <a:ext uri="{FF2B5EF4-FFF2-40B4-BE49-F238E27FC236}">
+                <a16:creationId xmlns:a16="http://schemas.microsoft.com/office/drawing/2014/main" id="{A57814C1-BF80-4E15-B171-D6F88EAE04E4}"/>
+              </a:ext>
+            </a:extLst>
+          </p:cNvPr>
+          <p:cNvSpPr txBox="1">
+            <a:spLocks/>
+          </p:cNvSpPr>
+          <p:nvPr/>
+        </p:nvSpPr>
+        <p:spPr>
+          <a:xfrm>
+            <a:off x="2837432" y="287665"/>
+            <a:ext cx="4943269" cy="838831"/>
+          </a:xfrm>
+          <a:prstGeom prst="rect">
+            <a:avLst/>
+          </a:prstGeom>
+        </p:spPr>
+        <p:txBody>
+          <a:bodyPr vert="horz" lIns="91440" tIns="45720" rIns="91440" bIns="45720" rtlCol="0" anchor="b">
+            <a:normAutofit/>
+          </a:bodyPr>
+          <a:lstStyle>
+            <a:lvl1pPr marL="0" indent="0" algn="l" defTabSz="914400" rtl="0" eaLnBrk="1" latinLnBrk="0" hangingPunct="1">
+              <a:lnSpc>
+                <a:spcPct val="90000"/>
+              </a:lnSpc>
+              <a:spcBef>
+                <a:spcPts val="1000"/>
+              </a:spcBef>
+              <a:buFont typeface="Arial" panose="020B0604020202020204" pitchFamily="34" charset="0"/>
+              <a:buNone/>
+              <a:defRPr sz="2400" b="1" kern="1200">
+                <a:solidFill>
+                  <a:schemeClr val="tx1"/>
+                </a:solidFill>
+                <a:latin typeface="+mn-lt"/>
+                <a:ea typeface="+mn-ea"/>
+                <a:cs typeface="+mn-cs"/>
+              </a:defRPr>
+            </a:lvl1pPr>
+            <a:lvl2pPr marL="457200" indent="0" algn="l" defTabSz="914400" rtl="0" eaLnBrk="1" latinLnBrk="0" hangingPunct="1">
+              <a:lnSpc>
+                <a:spcPct val="90000"/>
+              </a:lnSpc>
+              <a:spcBef>
+                <a:spcPts val="500"/>
+              </a:spcBef>
+              <a:buFont typeface="Arial" panose="020B0604020202020204" pitchFamily="34" charset="0"/>
+              <a:buNone/>
+              <a:defRPr sz="2000" b="1" kern="1200">
+                <a:solidFill>
+                  <a:schemeClr val="tx1"/>
+                </a:solidFill>
+                <a:latin typeface="+mn-lt"/>
+                <a:ea typeface="+mn-ea"/>
+                <a:cs typeface="+mn-cs"/>
+              </a:defRPr>
+            </a:lvl2pPr>
+            <a:lvl3pPr marL="914400" indent="0" algn="l" defTabSz="914400" rtl="0" eaLnBrk="1" latinLnBrk="0" hangingPunct="1">
+              <a:lnSpc>
+                <a:spcPct val="90000"/>
+              </a:lnSpc>
+              <a:spcBef>
+                <a:spcPts val="500"/>
+              </a:spcBef>
+              <a:buFont typeface="Arial" panose="020B0604020202020204" pitchFamily="34" charset="0"/>
+              <a:buNone/>
+              <a:defRPr sz="1800" b="1" kern="1200">
+                <a:solidFill>
+                  <a:schemeClr val="tx1"/>
+                </a:solidFill>
+                <a:latin typeface="+mn-lt"/>
+                <a:ea typeface="+mn-ea"/>
+                <a:cs typeface="+mn-cs"/>
+              </a:defRPr>
+            </a:lvl3pPr>
+            <a:lvl4pPr marL="1371600" indent="0" algn="l" defTabSz="914400" rtl="0" eaLnBrk="1" latinLnBrk="0" hangingPunct="1">
+              <a:lnSpc>
+                <a:spcPct val="90000"/>
+              </a:lnSpc>
+              <a:spcBef>
+                <a:spcPts val="500"/>
+              </a:spcBef>
+              <a:buFont typeface="Arial" panose="020B0604020202020204" pitchFamily="34" charset="0"/>
+              <a:buNone/>
+              <a:defRPr sz="1600" b="1" kern="1200">
+                <a:solidFill>
+                  <a:schemeClr val="tx1"/>
+                </a:solidFill>
+                <a:latin typeface="+mn-lt"/>
+                <a:ea typeface="+mn-ea"/>
+                <a:cs typeface="+mn-cs"/>
+              </a:defRPr>
+            </a:lvl4pPr>
+            <a:lvl5pPr marL="1828800" indent="0" algn="l" defTabSz="914400" rtl="0" eaLnBrk="1" latinLnBrk="0" hangingPunct="1">
+              <a:lnSpc>
+                <a:spcPct val="90000"/>
+              </a:lnSpc>
+              <a:spcBef>
+                <a:spcPts val="500"/>
+              </a:spcBef>
+              <a:buFont typeface="Arial" panose="020B0604020202020204" pitchFamily="34" charset="0"/>
+              <a:buNone/>
+              <a:defRPr sz="1600" b="1" kern="1200">
+                <a:solidFill>
+                  <a:schemeClr val="tx1"/>
+                </a:solidFill>
+                <a:latin typeface="+mn-lt"/>
+                <a:ea typeface="+mn-ea"/>
+                <a:cs typeface="+mn-cs"/>
+              </a:defRPr>
+            </a:lvl5pPr>
+            <a:lvl6pPr marL="2286000" indent="0" algn="l" defTabSz="914400" rtl="0" eaLnBrk="1" latinLnBrk="0" hangingPunct="1">
+              <a:lnSpc>
+                <a:spcPct val="90000"/>
+              </a:lnSpc>
+              <a:spcBef>
+                <a:spcPts val="500"/>
+              </a:spcBef>
+              <a:buFont typeface="Arial" panose="020B0604020202020204" pitchFamily="34" charset="0"/>
+              <a:buNone/>
+              <a:defRPr sz="1600" b="1" kern="1200">
+                <a:solidFill>
+                  <a:schemeClr val="tx1"/>
+                </a:solidFill>
+                <a:latin typeface="+mn-lt"/>
+                <a:ea typeface="+mn-ea"/>
+                <a:cs typeface="+mn-cs"/>
+              </a:defRPr>
+            </a:lvl6pPr>
+            <a:lvl7pPr marL="2743200" indent="0" algn="l" defTabSz="914400" rtl="0" eaLnBrk="1" latinLnBrk="0" hangingPunct="1">
+              <a:lnSpc>
+                <a:spcPct val="90000"/>
+              </a:lnSpc>
+              <a:spcBef>
+                <a:spcPts val="500"/>
+              </a:spcBef>
+              <a:buFont typeface="Arial" panose="020B0604020202020204" pitchFamily="34" charset="0"/>
+              <a:buNone/>
+              <a:defRPr sz="1600" b="1" kern="1200">
+                <a:solidFill>
+                  <a:schemeClr val="tx1"/>
+                </a:solidFill>
+                <a:latin typeface="+mn-lt"/>
+                <a:ea typeface="+mn-ea"/>
+                <a:cs typeface="+mn-cs"/>
+              </a:defRPr>
+            </a:lvl7pPr>
+            <a:lvl8pPr marL="3200400" indent="0" algn="l" defTabSz="914400" rtl="0" eaLnBrk="1" latinLnBrk="0" hangingPunct="1">
+              <a:lnSpc>
+                <a:spcPct val="90000"/>
+              </a:lnSpc>
+              <a:spcBef>
+                <a:spcPts val="500"/>
+              </a:spcBef>
+              <a:buFont typeface="Arial" panose="020B0604020202020204" pitchFamily="34" charset="0"/>
+              <a:buNone/>
+              <a:defRPr sz="1600" b="1" kern="1200">
+                <a:solidFill>
+                  <a:schemeClr val="tx1"/>
+                </a:solidFill>
+                <a:latin typeface="+mn-lt"/>
+                <a:ea typeface="+mn-ea"/>
+                <a:cs typeface="+mn-cs"/>
+              </a:defRPr>
+            </a:lvl8pPr>
+            <a:lvl9pPr marL="3657600" indent="0" algn="l" defTabSz="914400" rtl="0" eaLnBrk="1" latinLnBrk="0" hangingPunct="1">
+              <a:lnSpc>
+                <a:spcPct val="90000"/>
+              </a:lnSpc>
+              <a:spcBef>
+                <a:spcPts val="500"/>
+              </a:spcBef>
+              <a:buFont typeface="Arial" panose="020B0604020202020204" pitchFamily="34" charset="0"/>
+              <a:buNone/>
+              <a:defRPr sz="1600" b="1" kern="1200">
+                <a:solidFill>
+                  <a:schemeClr val="tx1"/>
+                </a:solidFill>
+                <a:latin typeface="+mn-lt"/>
+                <a:ea typeface="+mn-ea"/>
+                <a:cs typeface="+mn-cs"/>
+              </a:defRPr>
+            </a:lvl9pPr>
+          </a:lstStyle>
+          <a:p>
+            <a:pPr algn="r"/>
+            <a:r>
+              <a:rPr lang="en-US" sz="5400" dirty="0"/>
+              <a:t>Conclusions</a:t>
+            </a:r>
+            <a:endParaRPr lang="en-US" sz="5400" dirty="0">
+              <a:solidFill>
+                <a:srgbClr val="000000"/>
+              </a:solidFill>
+            </a:endParaRPr>
+          </a:p>
+        </p:txBody>
+      </p:sp>
+    </p:spTree>
+    <p:extLst>
+      <p:ext uri="{BB962C8B-B14F-4D97-AF65-F5344CB8AC3E}">
+        <p14:creationId xmlns:p14="http://schemas.microsoft.com/office/powerpoint/2010/main" val="1701607106"/>
+      </p:ext>
+    </p:extLst>
+  </p:cSld>
+  <p:clrMapOvr>
+    <a:masterClrMapping/>
+  </p:clrMapOvr>
+</p:sld>
+</file>
+
+<file path=ppt/slides/slide14.xml><?xml version="1.0" encoding="utf-8"?>
 <p:sld xmlns:a="http://schemas.openxmlformats.org/drawingml/2006/main" xmlns:r="http://schemas.openxmlformats.org/officeDocument/2006/relationships" xmlns:p="http://schemas.openxmlformats.org/presentationml/2006/main">
   <p:cSld>
     <p:spTree>
@@ -5712,7 +6783,7 @@
 </p:sld>
 </file>
 
-<file path=ppt/slides/slide14.xml><?xml version="1.0" encoding="utf-8"?>
+<file path=ppt/slides/slide15.xml><?xml version="1.0" encoding="utf-8"?>
 <p:sld xmlns:a="http://schemas.openxmlformats.org/drawingml/2006/main" xmlns:r="http://schemas.openxmlformats.org/officeDocument/2006/relationships" xmlns:p="http://schemas.openxmlformats.org/presentationml/2006/main">
   <p:cSld>
     <p:spTree>
@@ -5805,7 +6876,7 @@
 </p:sld>
 </file>
 
-<file path=ppt/slides/slide15.xml><?xml version="1.0" encoding="utf-8"?>
+<file path=ppt/slides/slide16.xml><?xml version="1.0" encoding="utf-8"?>
 <p:sld xmlns:a="http://schemas.openxmlformats.org/drawingml/2006/main" xmlns:r="http://schemas.openxmlformats.org/officeDocument/2006/relationships" xmlns:p="http://schemas.openxmlformats.org/presentationml/2006/main">
   <p:cSld>
     <p:spTree>
